--- a/lectures/Lect05_Lasso.pptx
+++ b/lectures/Lect05_Lasso.pptx
@@ -5,7 +5,7 @@
     <p:sldMasterId id="2147483648" r:id="rId1"/>
   </p:sldMasterIdLst>
   <p:notesMasterIdLst>
-    <p:notesMasterId r:id="rId54"/>
+    <p:notesMasterId r:id="rId48"/>
   </p:notesMasterIdLst>
   <p:sldIdLst>
     <p:sldId id="258" r:id="rId2"/>
@@ -47,22 +47,16 @@
     <p:sldId id="385" r:id="rId38"/>
     <p:sldId id="416" r:id="rId39"/>
     <p:sldId id="381" r:id="rId40"/>
-    <p:sldId id="382" r:id="rId41"/>
-    <p:sldId id="396" r:id="rId42"/>
-    <p:sldId id="384" r:id="rId43"/>
-    <p:sldId id="383" r:id="rId44"/>
-    <p:sldId id="388" r:id="rId45"/>
-    <p:sldId id="390" r:id="rId46"/>
-    <p:sldId id="391" r:id="rId47"/>
-    <p:sldId id="392" r:id="rId48"/>
-    <p:sldId id="397" r:id="rId49"/>
-    <p:sldId id="398" r:id="rId50"/>
-    <p:sldId id="417" r:id="rId51"/>
-    <p:sldId id="418" r:id="rId52"/>
-    <p:sldId id="412" r:id="rId53"/>
+    <p:sldId id="388" r:id="rId41"/>
+    <p:sldId id="392" r:id="rId42"/>
+    <p:sldId id="397" r:id="rId43"/>
+    <p:sldId id="398" r:id="rId44"/>
+    <p:sldId id="417" r:id="rId45"/>
+    <p:sldId id="418" r:id="rId46"/>
+    <p:sldId id="412" r:id="rId47"/>
   </p:sldIdLst>
   <p:sldSz cx="12192000" cy="6858000"/>
-  <p:notesSz cx="7315200" cy="9601200"/>
+  <p:notesSz cx="7010400" cy="9296400"/>
   <p:defaultTextStyle>
     <a:defPPr>
       <a:defRPr lang="en-US"/>
@@ -239,15 +233,15 @@
         </p:nvSpPr>
         <p:spPr>
           <a:xfrm>
-            <a:off x="0" y="0"/>
-            <a:ext cx="3169920" cy="481727"/>
+            <a:off x="0" y="1"/>
+            <a:ext cx="3037840" cy="466434"/>
           </a:xfrm>
           <a:prstGeom prst="rect">
             <a:avLst/>
           </a:prstGeom>
         </p:spPr>
         <p:txBody>
-          <a:bodyPr vert="horz" lIns="96661" tIns="48331" rIns="96661" bIns="48331" rtlCol="0"/>
+          <a:bodyPr vert="horz" lIns="93172" tIns="46586" rIns="93172" bIns="46586" rtlCol="0"/>
           <a:lstStyle>
             <a:lvl1pPr algn="l">
               <a:defRPr sz="1300"/>
@@ -270,15 +264,15 @@
         </p:nvSpPr>
         <p:spPr>
           <a:xfrm>
-            <a:off x="4143587" y="0"/>
-            <a:ext cx="3169920" cy="481727"/>
+            <a:off x="3970938" y="1"/>
+            <a:ext cx="3037840" cy="466434"/>
           </a:xfrm>
           <a:prstGeom prst="rect">
             <a:avLst/>
           </a:prstGeom>
         </p:spPr>
         <p:txBody>
-          <a:bodyPr vert="horz" lIns="96661" tIns="48331" rIns="96661" bIns="48331" rtlCol="0"/>
+          <a:bodyPr vert="horz" lIns="93172" tIns="46586" rIns="93172" bIns="46586" rtlCol="0"/>
           <a:lstStyle>
             <a:lvl1pPr algn="r">
               <a:defRPr sz="1300"/>
@@ -287,7 +281,7 @@
           <a:p>
             <a:fld id="{B7D6DDD3-D7E9-488B-B626-1E8285E424D8}" type="datetimeFigureOut">
               <a:rPr lang="en-US" smtClean="0"/>
-              <a:t>2/12/2019</a:t>
+              <a:t>9/25/2019</a:t>
             </a:fld>
             <a:endParaRPr lang="en-US"/>
           </a:p>
@@ -305,8 +299,8 @@
         </p:nvSpPr>
         <p:spPr>
           <a:xfrm>
-            <a:off x="777875" y="1200150"/>
-            <a:ext cx="5759450" cy="3240088"/>
+            <a:off x="717550" y="1162050"/>
+            <a:ext cx="5575300" cy="3136900"/>
           </a:xfrm>
           <a:prstGeom prst="rect">
             <a:avLst/>
@@ -319,7 +313,7 @@
           </a:ln>
         </p:spPr>
         <p:txBody>
-          <a:bodyPr vert="horz" lIns="96661" tIns="48331" rIns="96661" bIns="48331" rtlCol="0" anchor="ctr"/>
+          <a:bodyPr vert="horz" lIns="93172" tIns="46586" rIns="93172" bIns="46586" rtlCol="0" anchor="ctr"/>
           <a:lstStyle/>
           <a:p>
             <a:endParaRPr lang="en-US"/>
@@ -338,15 +332,15 @@
         </p:nvSpPr>
         <p:spPr>
           <a:xfrm>
-            <a:off x="731520" y="4620577"/>
-            <a:ext cx="5852160" cy="3780473"/>
+            <a:off x="701040" y="4473892"/>
+            <a:ext cx="5608320" cy="3660458"/>
           </a:xfrm>
           <a:prstGeom prst="rect">
             <a:avLst/>
           </a:prstGeom>
         </p:spPr>
         <p:txBody>
-          <a:bodyPr vert="horz" lIns="96661" tIns="48331" rIns="96661" bIns="48331" rtlCol="0"/>
+          <a:bodyPr vert="horz" lIns="93172" tIns="46586" rIns="93172" bIns="46586" rtlCol="0"/>
           <a:lstStyle/>
           <a:p>
             <a:pPr lvl="0"/>
@@ -397,15 +391,15 @@
         </p:nvSpPr>
         <p:spPr>
           <a:xfrm>
-            <a:off x="0" y="9119474"/>
-            <a:ext cx="3169920" cy="481726"/>
+            <a:off x="0" y="8829967"/>
+            <a:ext cx="3037840" cy="466433"/>
           </a:xfrm>
           <a:prstGeom prst="rect">
             <a:avLst/>
           </a:prstGeom>
         </p:spPr>
         <p:txBody>
-          <a:bodyPr vert="horz" lIns="96661" tIns="48331" rIns="96661" bIns="48331" rtlCol="0" anchor="b"/>
+          <a:bodyPr vert="horz" lIns="93172" tIns="46586" rIns="93172" bIns="46586" rtlCol="0" anchor="b"/>
           <a:lstStyle>
             <a:lvl1pPr algn="l">
               <a:defRPr sz="1300"/>
@@ -428,15 +422,15 @@
         </p:nvSpPr>
         <p:spPr>
           <a:xfrm>
-            <a:off x="4143587" y="9119474"/>
-            <a:ext cx="3169920" cy="481726"/>
+            <a:off x="3970938" y="8829967"/>
+            <a:ext cx="3037840" cy="466433"/>
           </a:xfrm>
           <a:prstGeom prst="rect">
             <a:avLst/>
           </a:prstGeom>
         </p:spPr>
         <p:txBody>
-          <a:bodyPr vert="horz" lIns="96661" tIns="48331" rIns="96661" bIns="48331" rtlCol="0" anchor="b"/>
+          <a:bodyPr vert="horz" lIns="93172" tIns="46586" rIns="93172" bIns="46586" rtlCol="0" anchor="b"/>
           <a:lstStyle>
             <a:lvl1pPr algn="r">
               <a:defRPr sz="1300"/>
@@ -638,6 +632,936 @@
 </p:notes>
 </file>
 
+<file path=ppt/notesSlides/notesSlide10.xml><?xml version="1.0" encoding="utf-8"?>
+<p:notes xmlns:a="http://schemas.openxmlformats.org/drawingml/2006/main" xmlns:r="http://schemas.openxmlformats.org/officeDocument/2006/relationships" xmlns:p="http://schemas.openxmlformats.org/presentationml/2006/main">
+  <p:cSld>
+    <p:spTree>
+      <p:nvGrpSpPr>
+        <p:cNvPr id="1" name=""/>
+        <p:cNvGrpSpPr/>
+        <p:nvPr/>
+      </p:nvGrpSpPr>
+      <p:grpSpPr>
+        <a:xfrm>
+          <a:off x="0" y="0"/>
+          <a:ext cx="0" cy="0"/>
+          <a:chOff x="0" y="0"/>
+          <a:chExt cx="0" cy="0"/>
+        </a:xfrm>
+      </p:grpSpPr>
+      <p:sp>
+        <p:nvSpPr>
+          <p:cNvPr id="2" name="Slide Image Placeholder 1"/>
+          <p:cNvSpPr>
+            <a:spLocks noGrp="1" noRot="1" noChangeAspect="1"/>
+          </p:cNvSpPr>
+          <p:nvPr>
+            <p:ph type="sldImg"/>
+          </p:nvPr>
+        </p:nvSpPr>
+        <p:spPr/>
+      </p:sp>
+      <p:sp>
+        <p:nvSpPr>
+          <p:cNvPr id="3" name="Notes Placeholder 2"/>
+          <p:cNvSpPr>
+            <a:spLocks noGrp="1"/>
+          </p:cNvSpPr>
+          <p:nvPr>
+            <p:ph type="body" idx="1"/>
+          </p:nvPr>
+        </p:nvSpPr>
+        <p:spPr/>
+        <p:txBody>
+          <a:bodyPr/>
+          <a:lstStyle/>
+          <a:p>
+            <a:r>
+              <a:rPr lang="en-US" dirty="0"/>
+              <a:t>It tries to push you to make the coefficients smaller or closer to 0</a:t>
+            </a:r>
+          </a:p>
+          <a:p>
+            <a:r>
+              <a:rPr lang="en-US" dirty="0"/>
+              <a:t>The alpha trades off the amount of predictions vs the amount of reg. </a:t>
+            </a:r>
+          </a:p>
+          <a:p>
+            <a:endParaRPr lang="en-US" dirty="0"/>
+          </a:p>
+          <a:p>
+            <a:endParaRPr lang="en-US" dirty="0"/>
+          </a:p>
+        </p:txBody>
+      </p:sp>
+      <p:sp>
+        <p:nvSpPr>
+          <p:cNvPr id="4" name="Slide Number Placeholder 3"/>
+          <p:cNvSpPr>
+            <a:spLocks noGrp="1"/>
+          </p:cNvSpPr>
+          <p:nvPr>
+            <p:ph type="sldNum" sz="quarter" idx="5"/>
+          </p:nvPr>
+        </p:nvSpPr>
+        <p:spPr/>
+        <p:txBody>
+          <a:bodyPr/>
+          <a:lstStyle/>
+          <a:p>
+            <a:fld id="{65CF6084-2C3C-4FE7-B181-D16A3429058A}" type="slidenum">
+              <a:rPr lang="en-US" smtClean="0"/>
+              <a:t>19</a:t>
+            </a:fld>
+            <a:endParaRPr lang="en-US"/>
+          </a:p>
+        </p:txBody>
+      </p:sp>
+    </p:spTree>
+    <p:extLst>
+      <p:ext uri="{BB962C8B-B14F-4D97-AF65-F5344CB8AC3E}">
+        <p14:creationId xmlns:p14="http://schemas.microsoft.com/office/powerpoint/2010/main" val="1800309394"/>
+      </p:ext>
+    </p:extLst>
+  </p:cSld>
+  <p:clrMapOvr>
+    <a:masterClrMapping/>
+  </p:clrMapOvr>
+</p:notes>
+</file>
+
+<file path=ppt/notesSlides/notesSlide11.xml><?xml version="1.0" encoding="utf-8"?>
+<p:notes xmlns:a="http://schemas.openxmlformats.org/drawingml/2006/main" xmlns:r="http://schemas.openxmlformats.org/officeDocument/2006/relationships" xmlns:p="http://schemas.openxmlformats.org/presentationml/2006/main">
+  <p:cSld>
+    <p:spTree>
+      <p:nvGrpSpPr>
+        <p:cNvPr id="1" name=""/>
+        <p:cNvGrpSpPr/>
+        <p:nvPr/>
+      </p:nvGrpSpPr>
+      <p:grpSpPr>
+        <a:xfrm>
+          <a:off x="0" y="0"/>
+          <a:ext cx="0" cy="0"/>
+          <a:chOff x="0" y="0"/>
+          <a:chExt cx="0" cy="0"/>
+        </a:xfrm>
+      </p:grpSpPr>
+      <p:sp>
+        <p:nvSpPr>
+          <p:cNvPr id="2" name="Slide Image Placeholder 1"/>
+          <p:cNvSpPr>
+            <a:spLocks noGrp="1" noRot="1" noChangeAspect="1"/>
+          </p:cNvSpPr>
+          <p:nvPr>
+            <p:ph type="sldImg"/>
+          </p:nvPr>
+        </p:nvSpPr>
+        <p:spPr/>
+      </p:sp>
+      <p:sp>
+        <p:nvSpPr>
+          <p:cNvPr id="3" name="Notes Placeholder 2"/>
+          <p:cNvSpPr>
+            <a:spLocks noGrp="1"/>
+          </p:cNvSpPr>
+          <p:nvPr>
+            <p:ph type="body" idx="1"/>
+          </p:nvPr>
+        </p:nvSpPr>
+        <p:spPr/>
+        <p:txBody>
+          <a:bodyPr/>
+          <a:lstStyle/>
+          <a:p>
+            <a:r>
+              <a:rPr lang="en-US" dirty="0"/>
+              <a:t>Otherwise the betas are in different units</a:t>
+            </a:r>
+          </a:p>
+          <a:p>
+            <a:r>
+              <a:rPr lang="en-US" dirty="0"/>
+              <a:t>Imagine prices of houses vs age in a housing database. Might discard age since they are much, much smaller than price. </a:t>
+            </a:r>
+          </a:p>
+          <a:p>
+            <a:endParaRPr lang="en-US" dirty="0"/>
+          </a:p>
+          <a:p>
+            <a:endParaRPr lang="en-US" dirty="0"/>
+          </a:p>
+          <a:p>
+            <a:endParaRPr lang="en-US" dirty="0"/>
+          </a:p>
+        </p:txBody>
+      </p:sp>
+      <p:sp>
+        <p:nvSpPr>
+          <p:cNvPr id="4" name="Slide Number Placeholder 3"/>
+          <p:cNvSpPr>
+            <a:spLocks noGrp="1"/>
+          </p:cNvSpPr>
+          <p:nvPr>
+            <p:ph type="sldNum" sz="quarter" idx="5"/>
+          </p:nvPr>
+        </p:nvSpPr>
+        <p:spPr/>
+        <p:txBody>
+          <a:bodyPr/>
+          <a:lstStyle/>
+          <a:p>
+            <a:fld id="{65CF6084-2C3C-4FE7-B181-D16A3429058A}" type="slidenum">
+              <a:rPr lang="en-US" smtClean="0"/>
+              <a:t>20</a:t>
+            </a:fld>
+            <a:endParaRPr lang="en-US"/>
+          </a:p>
+        </p:txBody>
+      </p:sp>
+    </p:spTree>
+    <p:extLst>
+      <p:ext uri="{BB962C8B-B14F-4D97-AF65-F5344CB8AC3E}">
+        <p14:creationId xmlns:p14="http://schemas.microsoft.com/office/powerpoint/2010/main" val="3358475794"/>
+      </p:ext>
+    </p:extLst>
+  </p:cSld>
+  <p:clrMapOvr>
+    <a:masterClrMapping/>
+  </p:clrMapOvr>
+</p:notes>
+</file>
+
+<file path=ppt/notesSlides/notesSlide12.xml><?xml version="1.0" encoding="utf-8"?>
+<p:notes xmlns:a="http://schemas.openxmlformats.org/drawingml/2006/main" xmlns:r="http://schemas.openxmlformats.org/officeDocument/2006/relationships" xmlns:p="http://schemas.openxmlformats.org/presentationml/2006/main">
+  <p:cSld>
+    <p:spTree>
+      <p:nvGrpSpPr>
+        <p:cNvPr id="1" name=""/>
+        <p:cNvGrpSpPr/>
+        <p:nvPr/>
+      </p:nvGrpSpPr>
+      <p:grpSpPr>
+        <a:xfrm>
+          <a:off x="0" y="0"/>
+          <a:ext cx="0" cy="0"/>
+          <a:chOff x="0" y="0"/>
+          <a:chExt cx="0" cy="0"/>
+        </a:xfrm>
+      </p:grpSpPr>
+      <p:sp>
+        <p:nvSpPr>
+          <p:cNvPr id="2" name="Slide Image Placeholder 1"/>
+          <p:cNvSpPr>
+            <a:spLocks noGrp="1" noRot="1" noChangeAspect="1"/>
+          </p:cNvSpPr>
+          <p:nvPr>
+            <p:ph type="sldImg"/>
+          </p:nvPr>
+        </p:nvSpPr>
+        <p:spPr/>
+      </p:sp>
+      <p:sp>
+        <p:nvSpPr>
+          <p:cNvPr id="3" name="Notes Placeholder 2"/>
+          <p:cNvSpPr>
+            <a:spLocks noGrp="1"/>
+          </p:cNvSpPr>
+          <p:nvPr>
+            <p:ph type="body" idx="1"/>
+          </p:nvPr>
+        </p:nvSpPr>
+        <p:spPr/>
+        <p:txBody>
+          <a:bodyPr/>
+          <a:lstStyle/>
+          <a:p>
+            <a:r>
+              <a:rPr lang="en-US" dirty="0"/>
+              <a:t>Train on a bunch of different alphas and </a:t>
+            </a:r>
+            <a:r>
+              <a:rPr lang="en-US" dirty="0" err="1"/>
+              <a:t>hten</a:t>
+            </a:r>
+            <a:r>
+              <a:rPr lang="en-US" dirty="0"/>
+              <a:t> </a:t>
+            </a:r>
+          </a:p>
+        </p:txBody>
+      </p:sp>
+      <p:sp>
+        <p:nvSpPr>
+          <p:cNvPr id="4" name="Slide Number Placeholder 3"/>
+          <p:cNvSpPr>
+            <a:spLocks noGrp="1"/>
+          </p:cNvSpPr>
+          <p:nvPr>
+            <p:ph type="sldNum" sz="quarter" idx="5"/>
+          </p:nvPr>
+        </p:nvSpPr>
+        <p:spPr/>
+        <p:txBody>
+          <a:bodyPr/>
+          <a:lstStyle/>
+          <a:p>
+            <a:fld id="{65CF6084-2C3C-4FE7-B181-D16A3429058A}" type="slidenum">
+              <a:rPr lang="en-US" smtClean="0"/>
+              <a:t>27</a:t>
+            </a:fld>
+            <a:endParaRPr lang="en-US"/>
+          </a:p>
+        </p:txBody>
+      </p:sp>
+    </p:spTree>
+    <p:extLst>
+      <p:ext uri="{BB962C8B-B14F-4D97-AF65-F5344CB8AC3E}">
+        <p14:creationId xmlns:p14="http://schemas.microsoft.com/office/powerpoint/2010/main" val="1822557016"/>
+      </p:ext>
+    </p:extLst>
+  </p:cSld>
+  <p:clrMapOvr>
+    <a:masterClrMapping/>
+  </p:clrMapOvr>
+</p:notes>
+</file>
+
+<file path=ppt/notesSlides/notesSlide13.xml><?xml version="1.0" encoding="utf-8"?>
+<p:notes xmlns:a="http://schemas.openxmlformats.org/drawingml/2006/main" xmlns:r="http://schemas.openxmlformats.org/officeDocument/2006/relationships" xmlns:p="http://schemas.openxmlformats.org/presentationml/2006/main">
+  <p:cSld>
+    <p:spTree>
+      <p:nvGrpSpPr>
+        <p:cNvPr id="1" name=""/>
+        <p:cNvGrpSpPr/>
+        <p:nvPr/>
+      </p:nvGrpSpPr>
+      <p:grpSpPr>
+        <a:xfrm>
+          <a:off x="0" y="0"/>
+          <a:ext cx="0" cy="0"/>
+          <a:chOff x="0" y="0"/>
+          <a:chExt cx="0" cy="0"/>
+        </a:xfrm>
+      </p:grpSpPr>
+      <p:sp>
+        <p:nvSpPr>
+          <p:cNvPr id="2" name="Slide Image Placeholder 1"/>
+          <p:cNvSpPr>
+            <a:spLocks noGrp="1" noRot="1" noChangeAspect="1"/>
+          </p:cNvSpPr>
+          <p:nvPr>
+            <p:ph type="sldImg"/>
+          </p:nvPr>
+        </p:nvSpPr>
+        <p:spPr/>
+      </p:sp>
+      <p:sp>
+        <p:nvSpPr>
+          <p:cNvPr id="3" name="Notes Placeholder 2"/>
+          <p:cNvSpPr>
+            <a:spLocks noGrp="1"/>
+          </p:cNvSpPr>
+          <p:nvPr>
+            <p:ph type="body" idx="1"/>
+          </p:nvPr>
+        </p:nvSpPr>
+        <p:spPr/>
+        <p:txBody>
+          <a:bodyPr/>
+          <a:lstStyle/>
+          <a:p>
+            <a:r>
+              <a:rPr lang="en-US" dirty="0"/>
+              <a:t>10 ^-3 to 10^1</a:t>
+            </a:r>
+          </a:p>
+          <a:p>
+            <a:r>
+              <a:rPr lang="en-US" dirty="0"/>
+              <a:t>Solid line avg error</a:t>
+            </a:r>
+          </a:p>
+          <a:p>
+            <a:endParaRPr lang="en-US" dirty="0"/>
+          </a:p>
+        </p:txBody>
+      </p:sp>
+      <p:sp>
+        <p:nvSpPr>
+          <p:cNvPr id="4" name="Slide Number Placeholder 3"/>
+          <p:cNvSpPr>
+            <a:spLocks noGrp="1"/>
+          </p:cNvSpPr>
+          <p:nvPr>
+            <p:ph type="sldNum" sz="quarter" idx="5"/>
+          </p:nvPr>
+        </p:nvSpPr>
+        <p:spPr/>
+        <p:txBody>
+          <a:bodyPr/>
+          <a:lstStyle/>
+          <a:p>
+            <a:fld id="{65CF6084-2C3C-4FE7-B181-D16A3429058A}" type="slidenum">
+              <a:rPr lang="en-US" smtClean="0"/>
+              <a:t>28</a:t>
+            </a:fld>
+            <a:endParaRPr lang="en-US"/>
+          </a:p>
+        </p:txBody>
+      </p:sp>
+    </p:spTree>
+    <p:extLst>
+      <p:ext uri="{BB962C8B-B14F-4D97-AF65-F5344CB8AC3E}">
+        <p14:creationId xmlns:p14="http://schemas.microsoft.com/office/powerpoint/2010/main" val="325488905"/>
+      </p:ext>
+    </p:extLst>
+  </p:cSld>
+  <p:clrMapOvr>
+    <a:masterClrMapping/>
+  </p:clrMapOvr>
+</p:notes>
+</file>
+
+<file path=ppt/notesSlides/notesSlide14.xml><?xml version="1.0" encoding="utf-8"?>
+<p:notes xmlns:a="http://schemas.openxmlformats.org/drawingml/2006/main" xmlns:r="http://schemas.openxmlformats.org/officeDocument/2006/relationships" xmlns:p="http://schemas.openxmlformats.org/presentationml/2006/main">
+  <p:cSld>
+    <p:spTree>
+      <p:nvGrpSpPr>
+        <p:cNvPr id="1" name=""/>
+        <p:cNvGrpSpPr/>
+        <p:nvPr/>
+      </p:nvGrpSpPr>
+      <p:grpSpPr>
+        <a:xfrm>
+          <a:off x="0" y="0"/>
+          <a:ext cx="0" cy="0"/>
+          <a:chOff x="0" y="0"/>
+          <a:chExt cx="0" cy="0"/>
+        </a:xfrm>
+      </p:grpSpPr>
+      <p:sp>
+        <p:nvSpPr>
+          <p:cNvPr id="2" name="Slide Image Placeholder 1"/>
+          <p:cNvSpPr>
+            <a:spLocks noGrp="1" noRot="1" noChangeAspect="1"/>
+          </p:cNvSpPr>
+          <p:nvPr>
+            <p:ph type="sldImg"/>
+          </p:nvPr>
+        </p:nvSpPr>
+        <p:spPr/>
+      </p:sp>
+      <p:sp>
+        <p:nvSpPr>
+          <p:cNvPr id="3" name="Notes Placeholder 2"/>
+          <p:cNvSpPr>
+            <a:spLocks noGrp="1"/>
+          </p:cNvSpPr>
+          <p:nvPr>
+            <p:ph type="body" idx="1"/>
+          </p:nvPr>
+        </p:nvSpPr>
+        <p:spPr/>
+        <p:txBody>
+          <a:bodyPr/>
+          <a:lstStyle/>
+          <a:p>
+            <a:endParaRPr lang="en-US"/>
+          </a:p>
+        </p:txBody>
+      </p:sp>
+      <p:sp>
+        <p:nvSpPr>
+          <p:cNvPr id="4" name="Slide Number Placeholder 3"/>
+          <p:cNvSpPr>
+            <a:spLocks noGrp="1"/>
+          </p:cNvSpPr>
+          <p:nvPr>
+            <p:ph type="sldNum" sz="quarter" idx="10"/>
+          </p:nvPr>
+        </p:nvSpPr>
+        <p:spPr/>
+        <p:txBody>
+          <a:bodyPr/>
+          <a:lstStyle/>
+          <a:p>
+            <a:fld id="{65CF6084-2C3C-4FE7-B181-D16A3429058A}" type="slidenum">
+              <a:rPr lang="en-US" smtClean="0"/>
+              <a:t>33</a:t>
+            </a:fld>
+            <a:endParaRPr lang="en-US"/>
+          </a:p>
+        </p:txBody>
+      </p:sp>
+    </p:spTree>
+    <p:extLst>
+      <p:ext uri="{BB962C8B-B14F-4D97-AF65-F5344CB8AC3E}">
+        <p14:creationId xmlns:p14="http://schemas.microsoft.com/office/powerpoint/2010/main" val="4042024219"/>
+      </p:ext>
+    </p:extLst>
+  </p:cSld>
+  <p:clrMapOvr>
+    <a:masterClrMapping/>
+  </p:clrMapOvr>
+</p:notes>
+</file>
+
+<file path=ppt/notesSlides/notesSlide15.xml><?xml version="1.0" encoding="utf-8"?>
+<p:notes xmlns:a="http://schemas.openxmlformats.org/drawingml/2006/main" xmlns:r="http://schemas.openxmlformats.org/officeDocument/2006/relationships" xmlns:p="http://schemas.openxmlformats.org/presentationml/2006/main">
+  <p:cSld>
+    <p:spTree>
+      <p:nvGrpSpPr>
+        <p:cNvPr id="1" name=""/>
+        <p:cNvGrpSpPr/>
+        <p:nvPr/>
+      </p:nvGrpSpPr>
+      <p:grpSpPr>
+        <a:xfrm>
+          <a:off x="0" y="0"/>
+          <a:ext cx="0" cy="0"/>
+          <a:chOff x="0" y="0"/>
+          <a:chExt cx="0" cy="0"/>
+        </a:xfrm>
+      </p:grpSpPr>
+      <p:sp>
+        <p:nvSpPr>
+          <p:cNvPr id="2" name="Slide Image Placeholder 1"/>
+          <p:cNvSpPr>
+            <a:spLocks noGrp="1" noRot="1" noChangeAspect="1"/>
+          </p:cNvSpPr>
+          <p:nvPr>
+            <p:ph type="sldImg"/>
+          </p:nvPr>
+        </p:nvSpPr>
+        <p:spPr/>
+      </p:sp>
+      <p:sp>
+        <p:nvSpPr>
+          <p:cNvPr id="3" name="Notes Placeholder 2"/>
+          <p:cNvSpPr>
+            <a:spLocks noGrp="1"/>
+          </p:cNvSpPr>
+          <p:nvPr>
+            <p:ph type="body" idx="1"/>
+          </p:nvPr>
+        </p:nvSpPr>
+        <p:spPr/>
+        <p:txBody>
+          <a:bodyPr/>
+          <a:lstStyle/>
+          <a:p>
+            <a:r>
+              <a:rPr lang="en-US" dirty="0"/>
+              <a:t>Pick the Beta for which the </a:t>
+            </a:r>
+          </a:p>
+        </p:txBody>
+      </p:sp>
+      <p:sp>
+        <p:nvSpPr>
+          <p:cNvPr id="4" name="Slide Number Placeholder 3"/>
+          <p:cNvSpPr>
+            <a:spLocks noGrp="1"/>
+          </p:cNvSpPr>
+          <p:nvPr>
+            <p:ph type="sldNum" sz="quarter" idx="5"/>
+          </p:nvPr>
+        </p:nvSpPr>
+        <p:spPr/>
+        <p:txBody>
+          <a:bodyPr/>
+          <a:lstStyle/>
+          <a:p>
+            <a:fld id="{65CF6084-2C3C-4FE7-B181-D16A3429058A}" type="slidenum">
+              <a:rPr lang="en-US" smtClean="0"/>
+              <a:t>34</a:t>
+            </a:fld>
+            <a:endParaRPr lang="en-US"/>
+          </a:p>
+        </p:txBody>
+      </p:sp>
+    </p:spTree>
+    <p:extLst>
+      <p:ext uri="{BB962C8B-B14F-4D97-AF65-F5344CB8AC3E}">
+        <p14:creationId xmlns:p14="http://schemas.microsoft.com/office/powerpoint/2010/main" val="251993092"/>
+      </p:ext>
+    </p:extLst>
+  </p:cSld>
+  <p:clrMapOvr>
+    <a:masterClrMapping/>
+  </p:clrMapOvr>
+</p:notes>
+</file>
+
+<file path=ppt/notesSlides/notesSlide16.xml><?xml version="1.0" encoding="utf-8"?>
+<p:notes xmlns:a="http://schemas.openxmlformats.org/drawingml/2006/main" xmlns:r="http://schemas.openxmlformats.org/officeDocument/2006/relationships" xmlns:p="http://schemas.openxmlformats.org/presentationml/2006/main">
+  <p:cSld>
+    <p:spTree>
+      <p:nvGrpSpPr>
+        <p:cNvPr id="1" name=""/>
+        <p:cNvGrpSpPr/>
+        <p:nvPr/>
+      </p:nvGrpSpPr>
+      <p:grpSpPr>
+        <a:xfrm>
+          <a:off x="0" y="0"/>
+          <a:ext cx="0" cy="0"/>
+          <a:chOff x="0" y="0"/>
+          <a:chExt cx="0" cy="0"/>
+        </a:xfrm>
+      </p:grpSpPr>
+      <p:sp>
+        <p:nvSpPr>
+          <p:cNvPr id="2" name="Slide Image Placeholder 1"/>
+          <p:cNvSpPr>
+            <a:spLocks noGrp="1" noRot="1" noChangeAspect="1"/>
+          </p:cNvSpPr>
+          <p:nvPr>
+            <p:ph type="sldImg"/>
+          </p:nvPr>
+        </p:nvSpPr>
+        <p:spPr/>
+      </p:sp>
+      <p:sp>
+        <p:nvSpPr>
+          <p:cNvPr id="3" name="Notes Placeholder 2"/>
+          <p:cNvSpPr>
+            <a:spLocks noGrp="1"/>
+          </p:cNvSpPr>
+          <p:nvPr>
+            <p:ph type="body" idx="1"/>
+          </p:nvPr>
+        </p:nvSpPr>
+        <p:spPr/>
+        <p:txBody>
+          <a:bodyPr/>
+          <a:lstStyle/>
+          <a:p>
+            <a:r>
+              <a:rPr lang="en-US" dirty="0"/>
+              <a:t>Some betas are more likely than others</a:t>
+            </a:r>
+          </a:p>
+          <a:p>
+            <a:r>
+              <a:rPr lang="en-US" dirty="0"/>
+              <a:t>Described by the pdf</a:t>
+            </a:r>
+          </a:p>
+          <a:p>
+            <a:endParaRPr lang="en-US" dirty="0"/>
+          </a:p>
+        </p:txBody>
+      </p:sp>
+      <p:sp>
+        <p:nvSpPr>
+          <p:cNvPr id="4" name="Slide Number Placeholder 3"/>
+          <p:cNvSpPr>
+            <a:spLocks noGrp="1"/>
+          </p:cNvSpPr>
+          <p:nvPr>
+            <p:ph type="sldNum" sz="quarter" idx="5"/>
+          </p:nvPr>
+        </p:nvSpPr>
+        <p:spPr/>
+        <p:txBody>
+          <a:bodyPr/>
+          <a:lstStyle/>
+          <a:p>
+            <a:fld id="{65CF6084-2C3C-4FE7-B181-D16A3429058A}" type="slidenum">
+              <a:rPr lang="en-US" smtClean="0"/>
+              <a:t>35</a:t>
+            </a:fld>
+            <a:endParaRPr lang="en-US"/>
+          </a:p>
+        </p:txBody>
+      </p:sp>
+    </p:spTree>
+    <p:extLst>
+      <p:ext uri="{BB962C8B-B14F-4D97-AF65-F5344CB8AC3E}">
+        <p14:creationId xmlns:p14="http://schemas.microsoft.com/office/powerpoint/2010/main" val="660769533"/>
+      </p:ext>
+    </p:extLst>
+  </p:cSld>
+  <p:clrMapOvr>
+    <a:masterClrMapping/>
+  </p:clrMapOvr>
+</p:notes>
+</file>
+
+<file path=ppt/notesSlides/notesSlide17.xml><?xml version="1.0" encoding="utf-8"?>
+<p:notes xmlns:a="http://schemas.openxmlformats.org/drawingml/2006/main" xmlns:r="http://schemas.openxmlformats.org/officeDocument/2006/relationships" xmlns:p="http://schemas.openxmlformats.org/presentationml/2006/main">
+  <p:cSld>
+    <p:spTree>
+      <p:nvGrpSpPr>
+        <p:cNvPr id="1" name=""/>
+        <p:cNvGrpSpPr/>
+        <p:nvPr/>
+      </p:nvGrpSpPr>
+      <p:grpSpPr>
+        <a:xfrm>
+          <a:off x="0" y="0"/>
+          <a:ext cx="0" cy="0"/>
+          <a:chOff x="0" y="0"/>
+          <a:chExt cx="0" cy="0"/>
+        </a:xfrm>
+      </p:grpSpPr>
+      <p:sp>
+        <p:nvSpPr>
+          <p:cNvPr id="2" name="Slide Image Placeholder 1"/>
+          <p:cNvSpPr>
+            <a:spLocks noGrp="1" noRot="1" noChangeAspect="1"/>
+          </p:cNvSpPr>
+          <p:nvPr>
+            <p:ph type="sldImg"/>
+          </p:nvPr>
+        </p:nvSpPr>
+        <p:spPr/>
+      </p:sp>
+      <p:sp>
+        <p:nvSpPr>
+          <p:cNvPr id="3" name="Notes Placeholder 2"/>
+          <p:cNvSpPr>
+            <a:spLocks noGrp="1"/>
+          </p:cNvSpPr>
+          <p:nvPr>
+            <p:ph type="body" idx="1"/>
+          </p:nvPr>
+        </p:nvSpPr>
+        <p:spPr/>
+        <p:txBody>
+          <a:bodyPr/>
+          <a:lstStyle/>
+          <a:p>
+            <a:r>
+              <a:rPr lang="en-US" dirty="0" err="1"/>
+              <a:t>Laplaclian</a:t>
+            </a:r>
+            <a:r>
+              <a:rPr lang="en-US" dirty="0"/>
+              <a:t> = abs value</a:t>
+            </a:r>
+          </a:p>
+          <a:p>
+            <a:endParaRPr lang="en-US" dirty="0"/>
+          </a:p>
+          <a:p>
+            <a:r>
+              <a:rPr lang="en-US" dirty="0"/>
+              <a:t>B^2 goes to zero much slower</a:t>
+            </a:r>
+          </a:p>
+          <a:p>
+            <a:endParaRPr lang="en-US" dirty="0"/>
+          </a:p>
+        </p:txBody>
+      </p:sp>
+      <p:sp>
+        <p:nvSpPr>
+          <p:cNvPr id="4" name="Slide Number Placeholder 3"/>
+          <p:cNvSpPr>
+            <a:spLocks noGrp="1"/>
+          </p:cNvSpPr>
+          <p:nvPr>
+            <p:ph type="sldNum" sz="quarter" idx="5"/>
+          </p:nvPr>
+        </p:nvSpPr>
+        <p:spPr/>
+        <p:txBody>
+          <a:bodyPr/>
+          <a:lstStyle/>
+          <a:p>
+            <a:fld id="{65CF6084-2C3C-4FE7-B181-D16A3429058A}" type="slidenum">
+              <a:rPr lang="en-US" smtClean="0"/>
+              <a:t>37</a:t>
+            </a:fld>
+            <a:endParaRPr lang="en-US"/>
+          </a:p>
+        </p:txBody>
+      </p:sp>
+    </p:spTree>
+    <p:extLst>
+      <p:ext uri="{BB962C8B-B14F-4D97-AF65-F5344CB8AC3E}">
+        <p14:creationId xmlns:p14="http://schemas.microsoft.com/office/powerpoint/2010/main" val="1559373507"/>
+      </p:ext>
+    </p:extLst>
+  </p:cSld>
+  <p:clrMapOvr>
+    <a:masterClrMapping/>
+  </p:clrMapOvr>
+</p:notes>
+</file>
+
+<file path=ppt/notesSlides/notesSlide18.xml><?xml version="1.0" encoding="utf-8"?>
+<p:notes xmlns:a="http://schemas.openxmlformats.org/drawingml/2006/main" xmlns:r="http://schemas.openxmlformats.org/officeDocument/2006/relationships" xmlns:p="http://schemas.openxmlformats.org/presentationml/2006/main">
+  <p:cSld>
+    <p:spTree>
+      <p:nvGrpSpPr>
+        <p:cNvPr id="1" name=""/>
+        <p:cNvGrpSpPr/>
+        <p:nvPr/>
+      </p:nvGrpSpPr>
+      <p:grpSpPr>
+        <a:xfrm>
+          <a:off x="0" y="0"/>
+          <a:ext cx="0" cy="0"/>
+          <a:chOff x="0" y="0"/>
+          <a:chExt cx="0" cy="0"/>
+        </a:xfrm>
+      </p:grpSpPr>
+      <p:sp>
+        <p:nvSpPr>
+          <p:cNvPr id="2" name="Slide Image Placeholder 1"/>
+          <p:cNvSpPr>
+            <a:spLocks noGrp="1" noRot="1" noChangeAspect="1"/>
+          </p:cNvSpPr>
+          <p:nvPr>
+            <p:ph type="sldImg"/>
+          </p:nvPr>
+        </p:nvSpPr>
+        <p:spPr/>
+      </p:sp>
+      <p:sp>
+        <p:nvSpPr>
+          <p:cNvPr id="3" name="Notes Placeholder 2"/>
+          <p:cNvSpPr>
+            <a:spLocks noGrp="1"/>
+          </p:cNvSpPr>
+          <p:nvPr>
+            <p:ph type="body" idx="1"/>
+          </p:nvPr>
+        </p:nvSpPr>
+        <p:spPr/>
+        <p:txBody>
+          <a:bodyPr/>
+          <a:lstStyle/>
+          <a:p>
+            <a:endParaRPr lang="en-US"/>
+          </a:p>
+        </p:txBody>
+      </p:sp>
+      <p:sp>
+        <p:nvSpPr>
+          <p:cNvPr id="4" name="Slide Number Placeholder 3"/>
+          <p:cNvSpPr>
+            <a:spLocks noGrp="1"/>
+          </p:cNvSpPr>
+          <p:nvPr>
+            <p:ph type="sldNum" sz="quarter" idx="10"/>
+          </p:nvPr>
+        </p:nvSpPr>
+        <p:spPr/>
+        <p:txBody>
+          <a:bodyPr/>
+          <a:lstStyle/>
+          <a:p>
+            <a:fld id="{65CF6084-2C3C-4FE7-B181-D16A3429058A}" type="slidenum">
+              <a:rPr lang="en-US" smtClean="0"/>
+              <a:t>38</a:t>
+            </a:fld>
+            <a:endParaRPr lang="en-US"/>
+          </a:p>
+        </p:txBody>
+      </p:sp>
+    </p:spTree>
+    <p:extLst>
+      <p:ext uri="{BB962C8B-B14F-4D97-AF65-F5344CB8AC3E}">
+        <p14:creationId xmlns:p14="http://schemas.microsoft.com/office/powerpoint/2010/main" val="285560295"/>
+      </p:ext>
+    </p:extLst>
+  </p:cSld>
+  <p:clrMapOvr>
+    <a:masterClrMapping/>
+  </p:clrMapOvr>
+</p:notes>
+</file>
+
+<file path=ppt/notesSlides/notesSlide19.xml><?xml version="1.0" encoding="utf-8"?>
+<p:notes xmlns:a="http://schemas.openxmlformats.org/drawingml/2006/main" xmlns:r="http://schemas.openxmlformats.org/officeDocument/2006/relationships" xmlns:p="http://schemas.openxmlformats.org/presentationml/2006/main">
+  <p:cSld>
+    <p:spTree>
+      <p:nvGrpSpPr>
+        <p:cNvPr id="1" name=""/>
+        <p:cNvGrpSpPr/>
+        <p:nvPr/>
+      </p:nvGrpSpPr>
+      <p:grpSpPr>
+        <a:xfrm>
+          <a:off x="0" y="0"/>
+          <a:ext cx="0" cy="0"/>
+          <a:chOff x="0" y="0"/>
+          <a:chExt cx="0" cy="0"/>
+        </a:xfrm>
+      </p:grpSpPr>
+      <p:sp>
+        <p:nvSpPr>
+          <p:cNvPr id="2" name="Slide Image Placeholder 1"/>
+          <p:cNvSpPr>
+            <a:spLocks noGrp="1" noRot="1" noChangeAspect="1"/>
+          </p:cNvSpPr>
+          <p:nvPr>
+            <p:ph type="sldImg"/>
+          </p:nvPr>
+        </p:nvSpPr>
+        <p:spPr/>
+      </p:sp>
+      <p:sp>
+        <p:nvSpPr>
+          <p:cNvPr id="3" name="Notes Placeholder 2"/>
+          <p:cNvSpPr>
+            <a:spLocks noGrp="1"/>
+          </p:cNvSpPr>
+          <p:nvPr>
+            <p:ph type="body" idx="1"/>
+          </p:nvPr>
+        </p:nvSpPr>
+        <p:spPr/>
+        <p:txBody>
+          <a:bodyPr/>
+          <a:lstStyle/>
+          <a:p>
+            <a:endParaRPr lang="en-US"/>
+          </a:p>
+        </p:txBody>
+      </p:sp>
+      <p:sp>
+        <p:nvSpPr>
+          <p:cNvPr id="4" name="Slide Number Placeholder 3"/>
+          <p:cNvSpPr>
+            <a:spLocks noGrp="1"/>
+          </p:cNvSpPr>
+          <p:nvPr>
+            <p:ph type="sldNum" sz="quarter" idx="10"/>
+          </p:nvPr>
+        </p:nvSpPr>
+        <p:spPr/>
+        <p:txBody>
+          <a:bodyPr/>
+          <a:lstStyle/>
+          <a:p>
+            <a:fld id="{65CF6084-2C3C-4FE7-B181-D16A3429058A}" type="slidenum">
+              <a:rPr lang="en-US" smtClean="0"/>
+              <a:t>44</a:t>
+            </a:fld>
+            <a:endParaRPr lang="en-US"/>
+          </a:p>
+        </p:txBody>
+      </p:sp>
+    </p:spTree>
+    <p:extLst>
+      <p:ext uri="{BB962C8B-B14F-4D97-AF65-F5344CB8AC3E}">
+        <p14:creationId xmlns:p14="http://schemas.microsoft.com/office/powerpoint/2010/main" val="3912979529"/>
+      </p:ext>
+    </p:extLst>
+  </p:cSld>
+  <p:clrMapOvr>
+    <a:masterClrMapping/>
+  </p:clrMapOvr>
+</p:notes>
+</file>
+
 <file path=ppt/notesSlides/notesSlide2.xml><?xml version="1.0" encoding="utf-8"?>
 <p:notes xmlns:a="http://schemas.openxmlformats.org/drawingml/2006/main" xmlns:r="http://schemas.openxmlformats.org/officeDocument/2006/relationships" xmlns:p="http://schemas.openxmlformats.org/presentationml/2006/main">
   <p:cSld>
@@ -713,6 +1637,90 @@
     <p:extLst>
       <p:ext uri="{BB962C8B-B14F-4D97-AF65-F5344CB8AC3E}">
         <p14:creationId xmlns:p14="http://schemas.microsoft.com/office/powerpoint/2010/main" val="2636004337"/>
+      </p:ext>
+    </p:extLst>
+  </p:cSld>
+  <p:clrMapOvr>
+    <a:masterClrMapping/>
+  </p:clrMapOvr>
+</p:notes>
+</file>
+
+<file path=ppt/notesSlides/notesSlide20.xml><?xml version="1.0" encoding="utf-8"?>
+<p:notes xmlns:a="http://schemas.openxmlformats.org/drawingml/2006/main" xmlns:r="http://schemas.openxmlformats.org/officeDocument/2006/relationships" xmlns:p="http://schemas.openxmlformats.org/presentationml/2006/main">
+  <p:cSld>
+    <p:spTree>
+      <p:nvGrpSpPr>
+        <p:cNvPr id="1" name=""/>
+        <p:cNvGrpSpPr/>
+        <p:nvPr/>
+      </p:nvGrpSpPr>
+      <p:grpSpPr>
+        <a:xfrm>
+          <a:off x="0" y="0"/>
+          <a:ext cx="0" cy="0"/>
+          <a:chOff x="0" y="0"/>
+          <a:chExt cx="0" cy="0"/>
+        </a:xfrm>
+      </p:grpSpPr>
+      <p:sp>
+        <p:nvSpPr>
+          <p:cNvPr id="2" name="Slide Image Placeholder 1"/>
+          <p:cNvSpPr>
+            <a:spLocks noGrp="1" noRot="1" noChangeAspect="1"/>
+          </p:cNvSpPr>
+          <p:nvPr>
+            <p:ph type="sldImg"/>
+          </p:nvPr>
+        </p:nvSpPr>
+        <p:spPr/>
+      </p:sp>
+      <p:sp>
+        <p:nvSpPr>
+          <p:cNvPr id="3" name="Notes Placeholder 2"/>
+          <p:cNvSpPr>
+            <a:spLocks noGrp="1"/>
+          </p:cNvSpPr>
+          <p:nvPr>
+            <p:ph type="body" idx="1"/>
+          </p:nvPr>
+        </p:nvSpPr>
+        <p:spPr/>
+        <p:txBody>
+          <a:bodyPr/>
+          <a:lstStyle/>
+          <a:p>
+            <a:endParaRPr lang="en-US"/>
+          </a:p>
+        </p:txBody>
+      </p:sp>
+      <p:sp>
+        <p:nvSpPr>
+          <p:cNvPr id="4" name="Slide Number Placeholder 3"/>
+          <p:cNvSpPr>
+            <a:spLocks noGrp="1"/>
+          </p:cNvSpPr>
+          <p:nvPr>
+            <p:ph type="sldNum" sz="quarter" idx="10"/>
+          </p:nvPr>
+        </p:nvSpPr>
+        <p:spPr/>
+        <p:txBody>
+          <a:bodyPr/>
+          <a:lstStyle/>
+          <a:p>
+            <a:fld id="{65CF6084-2C3C-4FE7-B181-D16A3429058A}" type="slidenum">
+              <a:rPr lang="en-US" smtClean="0"/>
+              <a:t>46</a:t>
+            </a:fld>
+            <a:endParaRPr lang="en-US"/>
+          </a:p>
+        </p:txBody>
+      </p:sp>
+    </p:spTree>
+    <p:extLst>
+      <p:ext uri="{BB962C8B-B14F-4D97-AF65-F5344CB8AC3E}">
+        <p14:creationId xmlns:p14="http://schemas.microsoft.com/office/powerpoint/2010/main" val="2300309700"/>
       </p:ext>
     </p:extLst>
   </p:cSld>
@@ -850,7 +1858,17 @@
           <a:bodyPr/>
           <a:lstStyle/>
           <a:p>
-            <a:endParaRPr lang="en-US"/>
+            <a:r>
+              <a:rPr lang="en-US" dirty="0" err="1"/>
+              <a:t>Lcavol</a:t>
+            </a:r>
+            <a:r>
+              <a:rPr lang="en-US" dirty="0"/>
+              <a:t> = log cancer volume</a:t>
+            </a:r>
+          </a:p>
+          <a:p>
+            <a:endParaRPr lang="en-US" dirty="0"/>
           </a:p>
         </p:txBody>
       </p:sp>
@@ -861,7 +1879,7 @@
             <a:spLocks noGrp="1"/>
           </p:cNvSpPr>
           <p:nvPr>
-            <p:ph type="sldNum" sz="quarter" idx="10"/>
+            <p:ph type="sldNum" sz="quarter" idx="5"/>
           </p:nvPr>
         </p:nvSpPr>
         <p:spPr/>
@@ -871,7 +1889,7 @@
           <a:p>
             <a:fld id="{65CF6084-2C3C-4FE7-B181-D16A3429058A}" type="slidenum">
               <a:rPr lang="en-US" smtClean="0"/>
-              <a:t>9</a:t>
+              <a:t>8</a:t>
             </a:fld>
             <a:endParaRPr lang="en-US"/>
           </a:p>
@@ -880,7 +1898,7 @@
     </p:spTree>
     <p:extLst>
       <p:ext uri="{BB962C8B-B14F-4D97-AF65-F5344CB8AC3E}">
-        <p14:creationId xmlns:p14="http://schemas.microsoft.com/office/powerpoint/2010/main" val="3468404257"/>
+        <p14:creationId xmlns:p14="http://schemas.microsoft.com/office/powerpoint/2010/main" val="4011720382"/>
       </p:ext>
     </p:extLst>
   </p:cSld>
@@ -955,7 +1973,7 @@
           <a:p>
             <a:fld id="{65CF6084-2C3C-4FE7-B181-D16A3429058A}" type="slidenum">
               <a:rPr lang="en-US" smtClean="0"/>
-              <a:t>16</a:t>
+              <a:t>9</a:t>
             </a:fld>
             <a:endParaRPr lang="en-US"/>
           </a:p>
@@ -964,7 +1982,7 @@
     </p:spTree>
     <p:extLst>
       <p:ext uri="{BB962C8B-B14F-4D97-AF65-F5344CB8AC3E}">
-        <p14:creationId xmlns:p14="http://schemas.microsoft.com/office/powerpoint/2010/main" val="851207911"/>
+        <p14:creationId xmlns:p14="http://schemas.microsoft.com/office/powerpoint/2010/main" val="3468404257"/>
       </p:ext>
     </p:extLst>
   </p:cSld>
@@ -1018,7 +2036,13 @@
           <a:bodyPr/>
           <a:lstStyle/>
           <a:p>
-            <a:endParaRPr lang="en-US"/>
+            <a:r>
+              <a:rPr lang="en-US" dirty="0"/>
+              <a:t>Need at least the number of data points as you have parameters. </a:t>
+            </a:r>
+          </a:p>
+          <a:p>
+            <a:endParaRPr lang="en-US" dirty="0"/>
           </a:p>
         </p:txBody>
       </p:sp>
@@ -1029,7 +2053,7 @@
             <a:spLocks noGrp="1"/>
           </p:cNvSpPr>
           <p:nvPr>
-            <p:ph type="sldNum" sz="quarter" idx="10"/>
+            <p:ph type="sldNum" sz="quarter" idx="5"/>
           </p:nvPr>
         </p:nvSpPr>
         <p:spPr/>
@@ -1039,7 +2063,7 @@
           <a:p>
             <a:fld id="{65CF6084-2C3C-4FE7-B181-D16A3429058A}" type="slidenum">
               <a:rPr lang="en-US" smtClean="0"/>
-              <a:t>33</a:t>
+              <a:t>12</a:t>
             </a:fld>
             <a:endParaRPr lang="en-US"/>
           </a:p>
@@ -1048,7 +2072,7 @@
     </p:spTree>
     <p:extLst>
       <p:ext uri="{BB962C8B-B14F-4D97-AF65-F5344CB8AC3E}">
-        <p14:creationId xmlns:p14="http://schemas.microsoft.com/office/powerpoint/2010/main" val="4042024219"/>
+        <p14:creationId xmlns:p14="http://schemas.microsoft.com/office/powerpoint/2010/main" val="3836407984"/>
       </p:ext>
     </p:extLst>
   </p:cSld>
@@ -1102,7 +2126,37 @@
           <a:bodyPr/>
           <a:lstStyle/>
           <a:p>
-            <a:endParaRPr lang="en-US"/>
+            <a:r>
+              <a:rPr lang="en-US" dirty="0"/>
+              <a:t>Predict down syndrome on a mouse</a:t>
+            </a:r>
+          </a:p>
+          <a:p>
+            <a:r>
+              <a:rPr lang="en-US" dirty="0"/>
+              <a:t>10K genes</a:t>
+            </a:r>
+          </a:p>
+          <a:p>
+            <a:r>
+              <a:rPr lang="en-US" dirty="0"/>
+              <a:t>You can measure it’s expression level</a:t>
+            </a:r>
+          </a:p>
+          <a:p>
+            <a:r>
+              <a:rPr lang="en-US" dirty="0"/>
+              <a:t>Large number of genes</a:t>
+            </a:r>
+          </a:p>
+          <a:p>
+            <a:r>
+              <a:rPr lang="en-US" dirty="0"/>
+              <a:t>Smalls number of data points</a:t>
+            </a:r>
+          </a:p>
+          <a:p>
+            <a:endParaRPr lang="en-US" dirty="0"/>
           </a:p>
         </p:txBody>
       </p:sp>
@@ -1113,7 +2167,7 @@
             <a:spLocks noGrp="1"/>
           </p:cNvSpPr>
           <p:nvPr>
-            <p:ph type="sldNum" sz="quarter" idx="10"/>
+            <p:ph type="sldNum" sz="quarter" idx="5"/>
           </p:nvPr>
         </p:nvSpPr>
         <p:spPr/>
@@ -1123,7 +2177,7 @@
           <a:p>
             <a:fld id="{65CF6084-2C3C-4FE7-B181-D16A3429058A}" type="slidenum">
               <a:rPr lang="en-US" smtClean="0"/>
-              <a:t>38</a:t>
+              <a:t>15</a:t>
             </a:fld>
             <a:endParaRPr lang="en-US"/>
           </a:p>
@@ -1132,7 +2186,7 @@
     </p:spTree>
     <p:extLst>
       <p:ext uri="{BB962C8B-B14F-4D97-AF65-F5344CB8AC3E}">
-        <p14:creationId xmlns:p14="http://schemas.microsoft.com/office/powerpoint/2010/main" val="285560295"/>
+        <p14:creationId xmlns:p14="http://schemas.microsoft.com/office/powerpoint/2010/main" val="2126780230"/>
       </p:ext>
     </p:extLst>
   </p:cSld>
@@ -1207,7 +2261,7 @@
           <a:p>
             <a:fld id="{65CF6084-2C3C-4FE7-B181-D16A3429058A}" type="slidenum">
               <a:rPr lang="en-US" smtClean="0"/>
-              <a:t>50</a:t>
+              <a:t>16</a:t>
             </a:fld>
             <a:endParaRPr lang="en-US"/>
           </a:p>
@@ -1216,7 +2270,7 @@
     </p:spTree>
     <p:extLst>
       <p:ext uri="{BB962C8B-B14F-4D97-AF65-F5344CB8AC3E}">
-        <p14:creationId xmlns:p14="http://schemas.microsoft.com/office/powerpoint/2010/main" val="3912979529"/>
+        <p14:creationId xmlns:p14="http://schemas.microsoft.com/office/powerpoint/2010/main" val="851207911"/>
       </p:ext>
     </p:extLst>
   </p:cSld>
@@ -1270,7 +2324,7 @@
           <a:bodyPr/>
           <a:lstStyle/>
           <a:p>
-            <a:endParaRPr lang="en-US"/>
+            <a:endParaRPr lang="en-US" dirty="0"/>
           </a:p>
         </p:txBody>
       </p:sp>
@@ -1281,7 +2335,7 @@
             <a:spLocks noGrp="1"/>
           </p:cNvSpPr>
           <p:nvPr>
-            <p:ph type="sldNum" sz="quarter" idx="10"/>
+            <p:ph type="sldNum" sz="quarter" idx="5"/>
           </p:nvPr>
         </p:nvSpPr>
         <p:spPr/>
@@ -1291,7 +2345,7 @@
           <a:p>
             <a:fld id="{65CF6084-2C3C-4FE7-B181-D16A3429058A}" type="slidenum">
               <a:rPr lang="en-US" smtClean="0"/>
-              <a:t>52</a:t>
+              <a:t>17</a:t>
             </a:fld>
             <a:endParaRPr lang="en-US"/>
           </a:p>
@@ -1300,7 +2354,7 @@
     </p:spTree>
     <p:extLst>
       <p:ext uri="{BB962C8B-B14F-4D97-AF65-F5344CB8AC3E}">
-        <p14:creationId xmlns:p14="http://schemas.microsoft.com/office/powerpoint/2010/main" val="2300309700"/>
+        <p14:creationId xmlns:p14="http://schemas.microsoft.com/office/powerpoint/2010/main" val="55326273"/>
       </p:ext>
     </p:extLst>
   </p:cSld>
@@ -4873,15 +5927,7 @@
           <a:p>
             <a:r>
               <a:rPr lang="en-US" dirty="0"/>
-              <a:t>Prof. </a:t>
-            </a:r>
-            <a:r>
-              <a:rPr lang="en-US" dirty="0" err="1"/>
-              <a:t>Sundeep</a:t>
-            </a:r>
-            <a:r>
-              <a:rPr lang="en-US" dirty="0"/>
-              <a:t> </a:t>
+              <a:t>Prof. Sundeep </a:t>
             </a:r>
             <a:r>
               <a:rPr lang="en-US" dirty="0" err="1"/>
@@ -4889,7 +5935,7 @@
             </a:r>
             <a:r>
               <a:rPr lang="en-US" dirty="0"/>
-              <a:t> (With modification by Yao Wang)</a:t>
+              <a:t> (With modifications by g. Sandoval)</a:t>
             </a:r>
           </a:p>
         </p:txBody>
@@ -4976,8 +6022,8 @@
           </a:p>
         </p:txBody>
       </p:sp>
-      <mc:AlternateContent xmlns:mc="http://schemas.openxmlformats.org/markup-compatibility/2006" xmlns:a14="http://schemas.microsoft.com/office/drawing/2010/main">
-        <mc:Choice Requires="a14">
+      <mc:AlternateContent xmlns:mc="http://schemas.openxmlformats.org/markup-compatibility/2006">
+        <mc:Choice xmlns:a14="http://schemas.microsoft.com/office/drawing/2010/main" Requires="a14">
           <p:sp>
             <p:nvSpPr>
               <p:cNvPr id="3" name="Content Placeholder 2">
@@ -5265,13 +6311,29 @@
               <a:p>
                 <a:r>
                   <a:rPr lang="en-US" dirty="0"/>
-                  <a:t>In many problems, we know only a few features are likely relevant</a:t>
+                  <a:t>In many problems, we know only a </a:t>
+                </a:r>
+                <a:r>
+                  <a:rPr lang="en-US" dirty="0">
+                    <a:solidFill>
+                      <a:srgbClr val="FF0000"/>
+                    </a:solidFill>
+                  </a:rPr>
+                  <a:t>few features are likely relevant</a:t>
                 </a:r>
               </a:p>
               <a:p>
                 <a:r>
                   <a:rPr lang="en-US" dirty="0"/>
-                  <a:t>This means we want </a:t>
+                  <a:t>This means </a:t>
+                </a:r>
+                <a:r>
+                  <a:rPr lang="en-US" dirty="0">
+                    <a:solidFill>
+                      <a:srgbClr val="FF0000"/>
+                    </a:solidFill>
+                  </a:rPr>
+                  <a:t>we want </a:t>
                 </a:r>
                 <a14:m>
                   <m:oMath xmlns:m="http://schemas.openxmlformats.org/officeDocument/2006/math">
@@ -5279,6 +6341,9 @@
                       <m:sSubPr>
                         <m:ctrlPr>
                           <a:rPr lang="en-US" b="0" i="1" smtClean="0">
+                            <a:solidFill>
+                              <a:srgbClr val="FF0000"/>
+                            </a:solidFill>
                             <a:latin typeface="Cambria Math" panose="02040503050406030204" pitchFamily="18" charset="0"/>
                           </a:rPr>
                         </m:ctrlPr>
@@ -5286,6 +6351,9 @@
                       <m:e>
                         <m:r>
                           <a:rPr lang="en-US" b="0" i="1" smtClean="0">
+                            <a:solidFill>
+                              <a:srgbClr val="FF0000"/>
+                            </a:solidFill>
                             <a:latin typeface="Cambria Math" panose="02040503050406030204" pitchFamily="18" charset="0"/>
                           </a:rPr>
                           <m:t>𝑤</m:t>
@@ -5294,6 +6362,9 @@
                       <m:sub>
                         <m:r>
                           <a:rPr lang="en-US" b="0" i="1" smtClean="0">
+                            <a:solidFill>
+                              <a:srgbClr val="FF0000"/>
+                            </a:solidFill>
                             <a:latin typeface="Cambria Math" panose="02040503050406030204" pitchFamily="18" charset="0"/>
                           </a:rPr>
                           <m:t>𝑗</m:t>
@@ -5302,6 +6373,9 @@
                     </m:sSub>
                     <m:r>
                       <a:rPr lang="en-US" b="0" i="1" smtClean="0">
+                        <a:solidFill>
+                          <a:srgbClr val="FF0000"/>
+                        </a:solidFill>
                         <a:latin typeface="Cambria Math" panose="02040503050406030204" pitchFamily="18" charset="0"/>
                       </a:rPr>
                       <m:t>=0</m:t>
@@ -5309,8 +6383,16 @@
                   </m:oMath>
                 </a14:m>
                 <a:r>
+                  <a:rPr lang="en-US" dirty="0">
+                    <a:solidFill>
+                      <a:srgbClr val="FF0000"/>
+                    </a:solidFill>
+                  </a:rPr>
+                  <a:t> </a:t>
+                </a:r>
+                <a:r>
                   <a:rPr lang="en-US" dirty="0"/>
-                  <a:t> for most features</a:t>
+                  <a:t>for most features</a:t>
                 </a:r>
               </a:p>
               <a:p>
@@ -5618,7 +6700,7 @@
             </p:txBody>
           </p:sp>
         </mc:Choice>
-        <mc:Fallback xmlns="">
+        <mc:Fallback>
           <p:sp>
             <p:nvSpPr>
               <p:cNvPr id="3" name="Content Placeholder 2">
@@ -5697,6 +6779,477 @@
   <p:clrMapOvr>
     <a:masterClrMapping/>
   </p:clrMapOvr>
+  <p:timing>
+    <p:tnLst>
+      <p:par>
+        <p:cTn id="1" dur="indefinite" restart="never" nodeType="tmRoot">
+          <p:childTnLst>
+            <p:seq concurrent="1" nextAc="seek">
+              <p:cTn id="2" dur="indefinite" nodeType="mainSeq">
+                <p:childTnLst>
+                  <p:par>
+                    <p:cTn id="3" fill="hold">
+                      <p:stCondLst>
+                        <p:cond delay="indefinite"/>
+                      </p:stCondLst>
+                      <p:childTnLst>
+                        <p:par>
+                          <p:cTn id="4" fill="hold">
+                            <p:stCondLst>
+                              <p:cond delay="0"/>
+                            </p:stCondLst>
+                            <p:childTnLst>
+                              <p:par>
+                                <p:cTn id="5" presetID="1" presetClass="entr" presetSubtype="0" fill="hold" nodeType="clickEffect">
+                                  <p:stCondLst>
+                                    <p:cond delay="0"/>
+                                  </p:stCondLst>
+                                  <p:childTnLst>
+                                    <p:set>
+                                      <p:cBhvr>
+                                        <p:cTn id="6" dur="1" fill="hold">
+                                          <p:stCondLst>
+                                            <p:cond delay="0"/>
+                                          </p:stCondLst>
+                                        </p:cTn>
+                                        <p:tgtEl>
+                                          <p:spTgt spid="3">
+                                            <p:txEl>
+                                              <p:pRg st="0" end="0"/>
+                                            </p:txEl>
+                                          </p:spTgt>
+                                        </p:tgtEl>
+                                        <p:attrNameLst>
+                                          <p:attrName>style.visibility</p:attrName>
+                                        </p:attrNameLst>
+                                      </p:cBhvr>
+                                      <p:to>
+                                        <p:strVal val="visible"/>
+                                      </p:to>
+                                    </p:set>
+                                  </p:childTnLst>
+                                </p:cTn>
+                              </p:par>
+                            </p:childTnLst>
+                          </p:cTn>
+                        </p:par>
+                      </p:childTnLst>
+                    </p:cTn>
+                  </p:par>
+                  <p:par>
+                    <p:cTn id="7" fill="hold">
+                      <p:stCondLst>
+                        <p:cond delay="indefinite"/>
+                      </p:stCondLst>
+                      <p:childTnLst>
+                        <p:par>
+                          <p:cTn id="8" fill="hold">
+                            <p:stCondLst>
+                              <p:cond delay="0"/>
+                            </p:stCondLst>
+                            <p:childTnLst>
+                              <p:par>
+                                <p:cTn id="9" presetID="1" presetClass="entr" presetSubtype="0" fill="hold" nodeType="clickEffect">
+                                  <p:stCondLst>
+                                    <p:cond delay="0"/>
+                                  </p:stCondLst>
+                                  <p:childTnLst>
+                                    <p:set>
+                                      <p:cBhvr>
+                                        <p:cTn id="10" dur="1" fill="hold">
+                                          <p:stCondLst>
+                                            <p:cond delay="0"/>
+                                          </p:stCondLst>
+                                        </p:cTn>
+                                        <p:tgtEl>
+                                          <p:spTgt spid="3">
+                                            <p:txEl>
+                                              <p:pRg st="1" end="1"/>
+                                            </p:txEl>
+                                          </p:spTgt>
+                                        </p:tgtEl>
+                                        <p:attrNameLst>
+                                          <p:attrName>style.visibility</p:attrName>
+                                        </p:attrNameLst>
+                                      </p:cBhvr>
+                                      <p:to>
+                                        <p:strVal val="visible"/>
+                                      </p:to>
+                                    </p:set>
+                                  </p:childTnLst>
+                                </p:cTn>
+                              </p:par>
+                            </p:childTnLst>
+                          </p:cTn>
+                        </p:par>
+                      </p:childTnLst>
+                    </p:cTn>
+                  </p:par>
+                  <p:par>
+                    <p:cTn id="11" fill="hold">
+                      <p:stCondLst>
+                        <p:cond delay="indefinite"/>
+                      </p:stCondLst>
+                      <p:childTnLst>
+                        <p:par>
+                          <p:cTn id="12" fill="hold">
+                            <p:stCondLst>
+                              <p:cond delay="0"/>
+                            </p:stCondLst>
+                            <p:childTnLst>
+                              <p:par>
+                                <p:cTn id="13" presetID="1" presetClass="entr" presetSubtype="0" fill="hold" nodeType="clickEffect">
+                                  <p:stCondLst>
+                                    <p:cond delay="0"/>
+                                  </p:stCondLst>
+                                  <p:childTnLst>
+                                    <p:set>
+                                      <p:cBhvr>
+                                        <p:cTn id="14" dur="1" fill="hold">
+                                          <p:stCondLst>
+                                            <p:cond delay="0"/>
+                                          </p:stCondLst>
+                                        </p:cTn>
+                                        <p:tgtEl>
+                                          <p:spTgt spid="3">
+                                            <p:txEl>
+                                              <p:pRg st="2" end="2"/>
+                                            </p:txEl>
+                                          </p:spTgt>
+                                        </p:tgtEl>
+                                        <p:attrNameLst>
+                                          <p:attrName>style.visibility</p:attrName>
+                                        </p:attrNameLst>
+                                      </p:cBhvr>
+                                      <p:to>
+                                        <p:strVal val="visible"/>
+                                      </p:to>
+                                    </p:set>
+                                  </p:childTnLst>
+                                </p:cTn>
+                              </p:par>
+                            </p:childTnLst>
+                          </p:cTn>
+                        </p:par>
+                      </p:childTnLst>
+                    </p:cTn>
+                  </p:par>
+                  <p:par>
+                    <p:cTn id="15" fill="hold">
+                      <p:stCondLst>
+                        <p:cond delay="indefinite"/>
+                      </p:stCondLst>
+                      <p:childTnLst>
+                        <p:par>
+                          <p:cTn id="16" fill="hold">
+                            <p:stCondLst>
+                              <p:cond delay="0"/>
+                            </p:stCondLst>
+                            <p:childTnLst>
+                              <p:par>
+                                <p:cTn id="17" presetID="1" presetClass="entr" presetSubtype="0" fill="hold" nodeType="clickEffect">
+                                  <p:stCondLst>
+                                    <p:cond delay="0"/>
+                                  </p:stCondLst>
+                                  <p:childTnLst>
+                                    <p:set>
+                                      <p:cBhvr>
+                                        <p:cTn id="18" dur="1" fill="hold">
+                                          <p:stCondLst>
+                                            <p:cond delay="0"/>
+                                          </p:stCondLst>
+                                        </p:cTn>
+                                        <p:tgtEl>
+                                          <p:spTgt spid="3">
+                                            <p:txEl>
+                                              <p:pRg st="3" end="3"/>
+                                            </p:txEl>
+                                          </p:spTgt>
+                                        </p:tgtEl>
+                                        <p:attrNameLst>
+                                          <p:attrName>style.visibility</p:attrName>
+                                        </p:attrNameLst>
+                                      </p:cBhvr>
+                                      <p:to>
+                                        <p:strVal val="visible"/>
+                                      </p:to>
+                                    </p:set>
+                                  </p:childTnLst>
+                                </p:cTn>
+                              </p:par>
+                            </p:childTnLst>
+                          </p:cTn>
+                        </p:par>
+                      </p:childTnLst>
+                    </p:cTn>
+                  </p:par>
+                  <p:par>
+                    <p:cTn id="19" fill="hold">
+                      <p:stCondLst>
+                        <p:cond delay="indefinite"/>
+                      </p:stCondLst>
+                      <p:childTnLst>
+                        <p:par>
+                          <p:cTn id="20" fill="hold">
+                            <p:stCondLst>
+                              <p:cond delay="0"/>
+                            </p:stCondLst>
+                            <p:childTnLst>
+                              <p:par>
+                                <p:cTn id="21" presetID="1" presetClass="entr" presetSubtype="0" fill="hold" nodeType="clickEffect">
+                                  <p:stCondLst>
+                                    <p:cond delay="0"/>
+                                  </p:stCondLst>
+                                  <p:childTnLst>
+                                    <p:set>
+                                      <p:cBhvr>
+                                        <p:cTn id="22" dur="1" fill="hold">
+                                          <p:stCondLst>
+                                            <p:cond delay="0"/>
+                                          </p:stCondLst>
+                                        </p:cTn>
+                                        <p:tgtEl>
+                                          <p:spTgt spid="3">
+                                            <p:txEl>
+                                              <p:pRg st="4" end="4"/>
+                                            </p:txEl>
+                                          </p:spTgt>
+                                        </p:tgtEl>
+                                        <p:attrNameLst>
+                                          <p:attrName>style.visibility</p:attrName>
+                                        </p:attrNameLst>
+                                      </p:cBhvr>
+                                      <p:to>
+                                        <p:strVal val="visible"/>
+                                      </p:to>
+                                    </p:set>
+                                  </p:childTnLst>
+                                </p:cTn>
+                              </p:par>
+                            </p:childTnLst>
+                          </p:cTn>
+                        </p:par>
+                      </p:childTnLst>
+                    </p:cTn>
+                  </p:par>
+                  <p:par>
+                    <p:cTn id="23" fill="hold">
+                      <p:stCondLst>
+                        <p:cond delay="indefinite"/>
+                      </p:stCondLst>
+                      <p:childTnLst>
+                        <p:par>
+                          <p:cTn id="24" fill="hold">
+                            <p:stCondLst>
+                              <p:cond delay="0"/>
+                            </p:stCondLst>
+                            <p:childTnLst>
+                              <p:par>
+                                <p:cTn id="25" presetID="1" presetClass="entr" presetSubtype="0" fill="hold" nodeType="clickEffect">
+                                  <p:stCondLst>
+                                    <p:cond delay="0"/>
+                                  </p:stCondLst>
+                                  <p:childTnLst>
+                                    <p:set>
+                                      <p:cBhvr>
+                                        <p:cTn id="26" dur="1" fill="hold">
+                                          <p:stCondLst>
+                                            <p:cond delay="0"/>
+                                          </p:stCondLst>
+                                        </p:cTn>
+                                        <p:tgtEl>
+                                          <p:spTgt spid="3">
+                                            <p:txEl>
+                                              <p:pRg st="5" end="5"/>
+                                            </p:txEl>
+                                          </p:spTgt>
+                                        </p:tgtEl>
+                                        <p:attrNameLst>
+                                          <p:attrName>style.visibility</p:attrName>
+                                        </p:attrNameLst>
+                                      </p:cBhvr>
+                                      <p:to>
+                                        <p:strVal val="visible"/>
+                                      </p:to>
+                                    </p:set>
+                                  </p:childTnLst>
+                                </p:cTn>
+                              </p:par>
+                            </p:childTnLst>
+                          </p:cTn>
+                        </p:par>
+                      </p:childTnLst>
+                    </p:cTn>
+                  </p:par>
+                  <p:par>
+                    <p:cTn id="27" fill="hold">
+                      <p:stCondLst>
+                        <p:cond delay="indefinite"/>
+                      </p:stCondLst>
+                      <p:childTnLst>
+                        <p:par>
+                          <p:cTn id="28" fill="hold">
+                            <p:stCondLst>
+                              <p:cond delay="0"/>
+                            </p:stCondLst>
+                            <p:childTnLst>
+                              <p:par>
+                                <p:cTn id="29" presetID="1" presetClass="entr" presetSubtype="0" fill="hold" nodeType="clickEffect">
+                                  <p:stCondLst>
+                                    <p:cond delay="0"/>
+                                  </p:stCondLst>
+                                  <p:childTnLst>
+                                    <p:set>
+                                      <p:cBhvr>
+                                        <p:cTn id="30" dur="1" fill="hold">
+                                          <p:stCondLst>
+                                            <p:cond delay="0"/>
+                                          </p:stCondLst>
+                                        </p:cTn>
+                                        <p:tgtEl>
+                                          <p:spTgt spid="3">
+                                            <p:txEl>
+                                              <p:pRg st="6" end="6"/>
+                                            </p:txEl>
+                                          </p:spTgt>
+                                        </p:tgtEl>
+                                        <p:attrNameLst>
+                                          <p:attrName>style.visibility</p:attrName>
+                                        </p:attrNameLst>
+                                      </p:cBhvr>
+                                      <p:to>
+                                        <p:strVal val="visible"/>
+                                      </p:to>
+                                    </p:set>
+                                  </p:childTnLst>
+                                </p:cTn>
+                              </p:par>
+                            </p:childTnLst>
+                          </p:cTn>
+                        </p:par>
+                      </p:childTnLst>
+                    </p:cTn>
+                  </p:par>
+                  <p:par>
+                    <p:cTn id="31" fill="hold">
+                      <p:stCondLst>
+                        <p:cond delay="indefinite"/>
+                      </p:stCondLst>
+                      <p:childTnLst>
+                        <p:par>
+                          <p:cTn id="32" fill="hold">
+                            <p:stCondLst>
+                              <p:cond delay="0"/>
+                            </p:stCondLst>
+                            <p:childTnLst>
+                              <p:par>
+                                <p:cTn id="33" presetID="1" presetClass="entr" presetSubtype="0" fill="hold" nodeType="clickEffect">
+                                  <p:stCondLst>
+                                    <p:cond delay="0"/>
+                                  </p:stCondLst>
+                                  <p:childTnLst>
+                                    <p:set>
+                                      <p:cBhvr>
+                                        <p:cTn id="34" dur="1" fill="hold">
+                                          <p:stCondLst>
+                                            <p:cond delay="0"/>
+                                          </p:stCondLst>
+                                        </p:cTn>
+                                        <p:tgtEl>
+                                          <p:spTgt spid="3">
+                                            <p:txEl>
+                                              <p:pRg st="7" end="7"/>
+                                            </p:txEl>
+                                          </p:spTgt>
+                                        </p:tgtEl>
+                                        <p:attrNameLst>
+                                          <p:attrName>style.visibility</p:attrName>
+                                        </p:attrNameLst>
+                                      </p:cBhvr>
+                                      <p:to>
+                                        <p:strVal val="visible"/>
+                                      </p:to>
+                                    </p:set>
+                                  </p:childTnLst>
+                                </p:cTn>
+                              </p:par>
+                            </p:childTnLst>
+                          </p:cTn>
+                        </p:par>
+                      </p:childTnLst>
+                    </p:cTn>
+                  </p:par>
+                  <p:par>
+                    <p:cTn id="35" fill="hold">
+                      <p:stCondLst>
+                        <p:cond delay="indefinite"/>
+                      </p:stCondLst>
+                      <p:childTnLst>
+                        <p:par>
+                          <p:cTn id="36" fill="hold">
+                            <p:stCondLst>
+                              <p:cond delay="0"/>
+                            </p:stCondLst>
+                            <p:childTnLst>
+                              <p:par>
+                                <p:cTn id="37" presetID="1" presetClass="entr" presetSubtype="0" fill="hold" nodeType="clickEffect">
+                                  <p:stCondLst>
+                                    <p:cond delay="0"/>
+                                  </p:stCondLst>
+                                  <p:childTnLst>
+                                    <p:set>
+                                      <p:cBhvr>
+                                        <p:cTn id="38" dur="1" fill="hold">
+                                          <p:stCondLst>
+                                            <p:cond delay="0"/>
+                                          </p:stCondLst>
+                                        </p:cTn>
+                                        <p:tgtEl>
+                                          <p:spTgt spid="3">
+                                            <p:txEl>
+                                              <p:pRg st="8" end="8"/>
+                                            </p:txEl>
+                                          </p:spTgt>
+                                        </p:tgtEl>
+                                        <p:attrNameLst>
+                                          <p:attrName>style.visibility</p:attrName>
+                                        </p:attrNameLst>
+                                      </p:cBhvr>
+                                      <p:to>
+                                        <p:strVal val="visible"/>
+                                      </p:to>
+                                    </p:set>
+                                  </p:childTnLst>
+                                </p:cTn>
+                              </p:par>
+                            </p:childTnLst>
+                          </p:cTn>
+                        </p:par>
+                      </p:childTnLst>
+                    </p:cTn>
+                  </p:par>
+                </p:childTnLst>
+              </p:cTn>
+              <p:prevCondLst>
+                <p:cond evt="onPrev" delay="0">
+                  <p:tgtEl>
+                    <p:sldTgt/>
+                  </p:tgtEl>
+                </p:cond>
+              </p:prevCondLst>
+              <p:nextCondLst>
+                <p:cond evt="onNext" delay="0">
+                  <p:tgtEl>
+                    <p:sldTgt/>
+                  </p:tgtEl>
+                </p:cond>
+              </p:nextCondLst>
+            </p:seq>
+          </p:childTnLst>
+        </p:cTn>
+      </p:par>
+    </p:tnLst>
+  </p:timing>
 </p:sld>
 </file>
 
@@ -5918,8 +7471,8 @@
           </a:p>
         </p:txBody>
       </p:sp>
-      <mc:AlternateContent xmlns:mc="http://schemas.openxmlformats.org/markup-compatibility/2006" xmlns:a14="http://schemas.microsoft.com/office/drawing/2010/main">
-        <mc:Choice Requires="a14">
+      <mc:AlternateContent xmlns:mc="http://schemas.openxmlformats.org/markup-compatibility/2006">
+        <mc:Choice xmlns:a14="http://schemas.microsoft.com/office/drawing/2010/main" Requires="a14">
           <p:sp>
             <p:nvSpPr>
               <p:cNvPr id="3" name="Content Placeholder 2">
@@ -5943,7 +7496,15 @@
               <a:p>
                 <a:r>
                   <a:rPr lang="en-US" dirty="0"/>
-                  <a:t>Model selection is particularly valuable when data is limited</a:t>
+                  <a:t>Model selection is particularly </a:t>
+                </a:r>
+                <a:r>
+                  <a:rPr lang="en-US" dirty="0">
+                    <a:solidFill>
+                      <a:srgbClr val="FF0000"/>
+                    </a:solidFill>
+                  </a:rPr>
+                  <a:t>valuable when data is limited</a:t>
                 </a:r>
               </a:p>
               <a:p>
@@ -6135,24 +7696,36 @@
                   <m:oMath xmlns:m="http://schemas.openxmlformats.org/officeDocument/2006/math">
                     <m:r>
                       <a:rPr lang="en-US" b="0" i="1" smtClean="0">
+                        <a:solidFill>
+                          <a:srgbClr val="FF0000"/>
+                        </a:solidFill>
                         <a:latin typeface="Cambria Math" panose="02040503050406030204" pitchFamily="18" charset="0"/>
                       </a:rPr>
                       <m:t>𝑁</m:t>
                     </m:r>
                     <m:r>
                       <a:rPr lang="en-US" b="0" i="1" smtClean="0">
+                        <a:solidFill>
+                          <a:srgbClr val="FF0000"/>
+                        </a:solidFill>
                         <a:latin typeface="Cambria Math" panose="02040503050406030204" pitchFamily="18" charset="0"/>
                       </a:rPr>
                       <m:t>&gt;</m:t>
                     </m:r>
                     <m:r>
                       <a:rPr lang="en-US" b="0" i="1" smtClean="0">
+                        <a:solidFill>
+                          <a:srgbClr val="FF0000"/>
+                        </a:solidFill>
                         <a:latin typeface="Cambria Math" panose="02040503050406030204" pitchFamily="18" charset="0"/>
                       </a:rPr>
                       <m:t>𝑑</m:t>
                     </m:r>
                     <m:r>
                       <a:rPr lang="en-US" b="0" i="1" smtClean="0">
+                        <a:solidFill>
+                          <a:srgbClr val="FF0000"/>
+                        </a:solidFill>
                         <a:latin typeface="Cambria Math" panose="02040503050406030204" pitchFamily="18" charset="0"/>
                       </a:rPr>
                       <m:t>+1</m:t>
@@ -6160,8 +7733,16 @@
                   </m:oMath>
                 </a14:m>
                 <a:r>
+                  <a:rPr lang="en-US" dirty="0">
+                    <a:solidFill>
+                      <a:srgbClr val="FF0000"/>
+                    </a:solidFill>
+                  </a:rPr>
+                  <a:t> </a:t>
+                </a:r>
+                <a:r>
                   <a:rPr lang="en-US" dirty="0"/>
-                  <a:t> data points </a:t>
+                  <a:t>data points </a:t>
                 </a:r>
                 <a14:m>
                   <m:oMath xmlns:m="http://schemas.openxmlformats.org/officeDocument/2006/math">
@@ -6246,18 +7827,27 @@
                   <m:oMath xmlns:m="http://schemas.openxmlformats.org/officeDocument/2006/math">
                     <m:r>
                       <a:rPr lang="en-US" b="0" i="1" smtClean="0">
+                        <a:solidFill>
+                          <a:srgbClr val="FF0000"/>
+                        </a:solidFill>
                         <a:latin typeface="Cambria Math" panose="02040503050406030204" pitchFamily="18" charset="0"/>
                       </a:rPr>
                       <m:t>𝑁</m:t>
                     </m:r>
                     <m:r>
                       <a:rPr lang="en-US" b="0" i="1" smtClean="0">
+                        <a:solidFill>
+                          <a:srgbClr val="FF0000"/>
+                        </a:solidFill>
                         <a:latin typeface="Cambria Math" panose="02040503050406030204" pitchFamily="18" charset="0"/>
                       </a:rPr>
                       <m:t>≪</m:t>
                     </m:r>
                     <m:r>
                       <a:rPr lang="en-US" b="0" i="1" smtClean="0">
+                        <a:solidFill>
+                          <a:srgbClr val="FF0000"/>
+                        </a:solidFill>
                         <a:latin typeface="Cambria Math" panose="02040503050406030204" pitchFamily="18" charset="0"/>
                       </a:rPr>
                       <m:t>𝑑</m:t>
@@ -6284,7 +7874,15 @@
                 <a:pPr lvl="1"/>
                 <a:r>
                   <a:rPr lang="en-US" dirty="0"/>
-                  <a:t>Classic linear fit will not work</a:t>
+                  <a:t>Classic linear fit </a:t>
+                </a:r>
+                <a:r>
+                  <a:rPr lang="en-US" dirty="0">
+                    <a:solidFill>
+                      <a:srgbClr val="FF0000"/>
+                    </a:solidFill>
+                  </a:rPr>
+                  <a:t>will not work</a:t>
                 </a:r>
               </a:p>
               <a:p>
@@ -6349,7 +7947,7 @@
             </p:txBody>
           </p:sp>
         </mc:Choice>
-        <mc:Fallback xmlns="">
+        <mc:Fallback>
           <p:sp>
             <p:nvSpPr>
               <p:cNvPr id="3" name="Content Placeholder 2">
@@ -6368,7 +7966,7 @@
             </p:nvSpPr>
             <p:spPr>
               <a:blipFill>
-                <a:blip r:embed="rId2"/>
+                <a:blip r:embed="rId3"/>
                 <a:stretch>
                   <a:fillRect l="-1455" t="-1549" b="-563"/>
                 </a:stretch>
@@ -6428,6 +8026,575 @@
   <p:clrMapOvr>
     <a:masterClrMapping/>
   </p:clrMapOvr>
+  <p:timing>
+    <p:tnLst>
+      <p:par>
+        <p:cTn id="1" dur="indefinite" restart="never" nodeType="tmRoot">
+          <p:childTnLst>
+            <p:seq concurrent="1" nextAc="seek">
+              <p:cTn id="2" dur="indefinite" nodeType="mainSeq">
+                <p:childTnLst>
+                  <p:par>
+                    <p:cTn id="3" fill="hold">
+                      <p:stCondLst>
+                        <p:cond delay="indefinite"/>
+                      </p:stCondLst>
+                      <p:childTnLst>
+                        <p:par>
+                          <p:cTn id="4" fill="hold">
+                            <p:stCondLst>
+                              <p:cond delay="0"/>
+                            </p:stCondLst>
+                            <p:childTnLst>
+                              <p:par>
+                                <p:cTn id="5" presetID="1" presetClass="entr" presetSubtype="0" fill="hold" nodeType="clickEffect">
+                                  <p:stCondLst>
+                                    <p:cond delay="0"/>
+                                  </p:stCondLst>
+                                  <p:childTnLst>
+                                    <p:set>
+                                      <p:cBhvr>
+                                        <p:cTn id="6" dur="1" fill="hold">
+                                          <p:stCondLst>
+                                            <p:cond delay="0"/>
+                                          </p:stCondLst>
+                                        </p:cTn>
+                                        <p:tgtEl>
+                                          <p:spTgt spid="3">
+                                            <p:txEl>
+                                              <p:pRg st="0" end="0"/>
+                                            </p:txEl>
+                                          </p:spTgt>
+                                        </p:tgtEl>
+                                        <p:attrNameLst>
+                                          <p:attrName>style.visibility</p:attrName>
+                                        </p:attrNameLst>
+                                      </p:cBhvr>
+                                      <p:to>
+                                        <p:strVal val="visible"/>
+                                      </p:to>
+                                    </p:set>
+                                  </p:childTnLst>
+                                </p:cTn>
+                              </p:par>
+                            </p:childTnLst>
+                          </p:cTn>
+                        </p:par>
+                      </p:childTnLst>
+                    </p:cTn>
+                  </p:par>
+                  <p:par>
+                    <p:cTn id="7" fill="hold">
+                      <p:stCondLst>
+                        <p:cond delay="indefinite"/>
+                      </p:stCondLst>
+                      <p:childTnLst>
+                        <p:par>
+                          <p:cTn id="8" fill="hold">
+                            <p:stCondLst>
+                              <p:cond delay="0"/>
+                            </p:stCondLst>
+                            <p:childTnLst>
+                              <p:par>
+                                <p:cTn id="9" presetID="1" presetClass="entr" presetSubtype="0" fill="hold" nodeType="clickEffect">
+                                  <p:stCondLst>
+                                    <p:cond delay="0"/>
+                                  </p:stCondLst>
+                                  <p:childTnLst>
+                                    <p:set>
+                                      <p:cBhvr>
+                                        <p:cTn id="10" dur="1" fill="hold">
+                                          <p:stCondLst>
+                                            <p:cond delay="0"/>
+                                          </p:stCondLst>
+                                        </p:cTn>
+                                        <p:tgtEl>
+                                          <p:spTgt spid="3">
+                                            <p:txEl>
+                                              <p:pRg st="1" end="1"/>
+                                            </p:txEl>
+                                          </p:spTgt>
+                                        </p:tgtEl>
+                                        <p:attrNameLst>
+                                          <p:attrName>style.visibility</p:attrName>
+                                        </p:attrNameLst>
+                                      </p:cBhvr>
+                                      <p:to>
+                                        <p:strVal val="visible"/>
+                                      </p:to>
+                                    </p:set>
+                                  </p:childTnLst>
+                                </p:cTn>
+                              </p:par>
+                            </p:childTnLst>
+                          </p:cTn>
+                        </p:par>
+                      </p:childTnLst>
+                    </p:cTn>
+                  </p:par>
+                  <p:par>
+                    <p:cTn id="11" fill="hold">
+                      <p:stCondLst>
+                        <p:cond delay="indefinite"/>
+                      </p:stCondLst>
+                      <p:childTnLst>
+                        <p:par>
+                          <p:cTn id="12" fill="hold">
+                            <p:stCondLst>
+                              <p:cond delay="0"/>
+                            </p:stCondLst>
+                            <p:childTnLst>
+                              <p:par>
+                                <p:cTn id="13" presetID="1" presetClass="entr" presetSubtype="0" fill="hold" nodeType="clickEffect">
+                                  <p:stCondLst>
+                                    <p:cond delay="0"/>
+                                  </p:stCondLst>
+                                  <p:childTnLst>
+                                    <p:set>
+                                      <p:cBhvr>
+                                        <p:cTn id="14" dur="1" fill="hold">
+                                          <p:stCondLst>
+                                            <p:cond delay="0"/>
+                                          </p:stCondLst>
+                                        </p:cTn>
+                                        <p:tgtEl>
+                                          <p:spTgt spid="3">
+                                            <p:txEl>
+                                              <p:pRg st="2" end="2"/>
+                                            </p:txEl>
+                                          </p:spTgt>
+                                        </p:tgtEl>
+                                        <p:attrNameLst>
+                                          <p:attrName>style.visibility</p:attrName>
+                                        </p:attrNameLst>
+                                      </p:cBhvr>
+                                      <p:to>
+                                        <p:strVal val="visible"/>
+                                      </p:to>
+                                    </p:set>
+                                  </p:childTnLst>
+                                </p:cTn>
+                              </p:par>
+                            </p:childTnLst>
+                          </p:cTn>
+                        </p:par>
+                      </p:childTnLst>
+                    </p:cTn>
+                  </p:par>
+                  <p:par>
+                    <p:cTn id="15" fill="hold">
+                      <p:stCondLst>
+                        <p:cond delay="indefinite"/>
+                      </p:stCondLst>
+                      <p:childTnLst>
+                        <p:par>
+                          <p:cTn id="16" fill="hold">
+                            <p:stCondLst>
+                              <p:cond delay="0"/>
+                            </p:stCondLst>
+                            <p:childTnLst>
+                              <p:par>
+                                <p:cTn id="17" presetID="1" presetClass="entr" presetSubtype="0" fill="hold" nodeType="clickEffect">
+                                  <p:stCondLst>
+                                    <p:cond delay="0"/>
+                                  </p:stCondLst>
+                                  <p:childTnLst>
+                                    <p:set>
+                                      <p:cBhvr>
+                                        <p:cTn id="18" dur="1" fill="hold">
+                                          <p:stCondLst>
+                                            <p:cond delay="0"/>
+                                          </p:stCondLst>
+                                        </p:cTn>
+                                        <p:tgtEl>
+                                          <p:spTgt spid="3">
+                                            <p:txEl>
+                                              <p:pRg st="3" end="3"/>
+                                            </p:txEl>
+                                          </p:spTgt>
+                                        </p:tgtEl>
+                                        <p:attrNameLst>
+                                          <p:attrName>style.visibility</p:attrName>
+                                        </p:attrNameLst>
+                                      </p:cBhvr>
+                                      <p:to>
+                                        <p:strVal val="visible"/>
+                                      </p:to>
+                                    </p:set>
+                                  </p:childTnLst>
+                                </p:cTn>
+                              </p:par>
+                            </p:childTnLst>
+                          </p:cTn>
+                        </p:par>
+                      </p:childTnLst>
+                    </p:cTn>
+                  </p:par>
+                  <p:par>
+                    <p:cTn id="19" fill="hold">
+                      <p:stCondLst>
+                        <p:cond delay="indefinite"/>
+                      </p:stCondLst>
+                      <p:childTnLst>
+                        <p:par>
+                          <p:cTn id="20" fill="hold">
+                            <p:stCondLst>
+                              <p:cond delay="0"/>
+                            </p:stCondLst>
+                            <p:childTnLst>
+                              <p:par>
+                                <p:cTn id="21" presetID="1" presetClass="entr" presetSubtype="0" fill="hold" nodeType="clickEffect">
+                                  <p:stCondLst>
+                                    <p:cond delay="0"/>
+                                  </p:stCondLst>
+                                  <p:childTnLst>
+                                    <p:set>
+                                      <p:cBhvr>
+                                        <p:cTn id="22" dur="1" fill="hold">
+                                          <p:stCondLst>
+                                            <p:cond delay="0"/>
+                                          </p:stCondLst>
+                                        </p:cTn>
+                                        <p:tgtEl>
+                                          <p:spTgt spid="3">
+                                            <p:txEl>
+                                              <p:pRg st="4" end="4"/>
+                                            </p:txEl>
+                                          </p:spTgt>
+                                        </p:tgtEl>
+                                        <p:attrNameLst>
+                                          <p:attrName>style.visibility</p:attrName>
+                                        </p:attrNameLst>
+                                      </p:cBhvr>
+                                      <p:to>
+                                        <p:strVal val="visible"/>
+                                      </p:to>
+                                    </p:set>
+                                  </p:childTnLst>
+                                </p:cTn>
+                              </p:par>
+                            </p:childTnLst>
+                          </p:cTn>
+                        </p:par>
+                      </p:childTnLst>
+                    </p:cTn>
+                  </p:par>
+                  <p:par>
+                    <p:cTn id="23" fill="hold">
+                      <p:stCondLst>
+                        <p:cond delay="indefinite"/>
+                      </p:stCondLst>
+                      <p:childTnLst>
+                        <p:par>
+                          <p:cTn id="24" fill="hold">
+                            <p:stCondLst>
+                              <p:cond delay="0"/>
+                            </p:stCondLst>
+                            <p:childTnLst>
+                              <p:par>
+                                <p:cTn id="25" presetID="1" presetClass="entr" presetSubtype="0" fill="hold" nodeType="clickEffect">
+                                  <p:stCondLst>
+                                    <p:cond delay="0"/>
+                                  </p:stCondLst>
+                                  <p:childTnLst>
+                                    <p:set>
+                                      <p:cBhvr>
+                                        <p:cTn id="26" dur="1" fill="hold">
+                                          <p:stCondLst>
+                                            <p:cond delay="0"/>
+                                          </p:stCondLst>
+                                        </p:cTn>
+                                        <p:tgtEl>
+                                          <p:spTgt spid="3">
+                                            <p:txEl>
+                                              <p:pRg st="5" end="5"/>
+                                            </p:txEl>
+                                          </p:spTgt>
+                                        </p:tgtEl>
+                                        <p:attrNameLst>
+                                          <p:attrName>style.visibility</p:attrName>
+                                        </p:attrNameLst>
+                                      </p:cBhvr>
+                                      <p:to>
+                                        <p:strVal val="visible"/>
+                                      </p:to>
+                                    </p:set>
+                                  </p:childTnLst>
+                                </p:cTn>
+                              </p:par>
+                            </p:childTnLst>
+                          </p:cTn>
+                        </p:par>
+                      </p:childTnLst>
+                    </p:cTn>
+                  </p:par>
+                  <p:par>
+                    <p:cTn id="27" fill="hold">
+                      <p:stCondLst>
+                        <p:cond delay="indefinite"/>
+                      </p:stCondLst>
+                      <p:childTnLst>
+                        <p:par>
+                          <p:cTn id="28" fill="hold">
+                            <p:stCondLst>
+                              <p:cond delay="0"/>
+                            </p:stCondLst>
+                            <p:childTnLst>
+                              <p:par>
+                                <p:cTn id="29" presetID="1" presetClass="entr" presetSubtype="0" fill="hold" nodeType="clickEffect">
+                                  <p:stCondLst>
+                                    <p:cond delay="0"/>
+                                  </p:stCondLst>
+                                  <p:childTnLst>
+                                    <p:set>
+                                      <p:cBhvr>
+                                        <p:cTn id="30" dur="1" fill="hold">
+                                          <p:stCondLst>
+                                            <p:cond delay="0"/>
+                                          </p:stCondLst>
+                                        </p:cTn>
+                                        <p:tgtEl>
+                                          <p:spTgt spid="3">
+                                            <p:txEl>
+                                              <p:pRg st="6" end="6"/>
+                                            </p:txEl>
+                                          </p:spTgt>
+                                        </p:tgtEl>
+                                        <p:attrNameLst>
+                                          <p:attrName>style.visibility</p:attrName>
+                                        </p:attrNameLst>
+                                      </p:cBhvr>
+                                      <p:to>
+                                        <p:strVal val="visible"/>
+                                      </p:to>
+                                    </p:set>
+                                  </p:childTnLst>
+                                </p:cTn>
+                              </p:par>
+                            </p:childTnLst>
+                          </p:cTn>
+                        </p:par>
+                      </p:childTnLst>
+                    </p:cTn>
+                  </p:par>
+                  <p:par>
+                    <p:cTn id="31" fill="hold">
+                      <p:stCondLst>
+                        <p:cond delay="indefinite"/>
+                      </p:stCondLst>
+                      <p:childTnLst>
+                        <p:par>
+                          <p:cTn id="32" fill="hold">
+                            <p:stCondLst>
+                              <p:cond delay="0"/>
+                            </p:stCondLst>
+                            <p:childTnLst>
+                              <p:par>
+                                <p:cTn id="33" presetID="1" presetClass="entr" presetSubtype="0" fill="hold" nodeType="clickEffect">
+                                  <p:stCondLst>
+                                    <p:cond delay="0"/>
+                                  </p:stCondLst>
+                                  <p:childTnLst>
+                                    <p:set>
+                                      <p:cBhvr>
+                                        <p:cTn id="34" dur="1" fill="hold">
+                                          <p:stCondLst>
+                                            <p:cond delay="0"/>
+                                          </p:stCondLst>
+                                        </p:cTn>
+                                        <p:tgtEl>
+                                          <p:spTgt spid="3">
+                                            <p:txEl>
+                                              <p:pRg st="7" end="7"/>
+                                            </p:txEl>
+                                          </p:spTgt>
+                                        </p:tgtEl>
+                                        <p:attrNameLst>
+                                          <p:attrName>style.visibility</p:attrName>
+                                        </p:attrNameLst>
+                                      </p:cBhvr>
+                                      <p:to>
+                                        <p:strVal val="visible"/>
+                                      </p:to>
+                                    </p:set>
+                                  </p:childTnLst>
+                                </p:cTn>
+                              </p:par>
+                            </p:childTnLst>
+                          </p:cTn>
+                        </p:par>
+                      </p:childTnLst>
+                    </p:cTn>
+                  </p:par>
+                  <p:par>
+                    <p:cTn id="35" fill="hold">
+                      <p:stCondLst>
+                        <p:cond delay="indefinite"/>
+                      </p:stCondLst>
+                      <p:childTnLst>
+                        <p:par>
+                          <p:cTn id="36" fill="hold">
+                            <p:stCondLst>
+                              <p:cond delay="0"/>
+                            </p:stCondLst>
+                            <p:childTnLst>
+                              <p:par>
+                                <p:cTn id="37" presetID="1" presetClass="entr" presetSubtype="0" fill="hold" nodeType="clickEffect">
+                                  <p:stCondLst>
+                                    <p:cond delay="0"/>
+                                  </p:stCondLst>
+                                  <p:childTnLst>
+                                    <p:set>
+                                      <p:cBhvr>
+                                        <p:cTn id="38" dur="1" fill="hold">
+                                          <p:stCondLst>
+                                            <p:cond delay="0"/>
+                                          </p:stCondLst>
+                                        </p:cTn>
+                                        <p:tgtEl>
+                                          <p:spTgt spid="3">
+                                            <p:txEl>
+                                              <p:pRg st="8" end="8"/>
+                                            </p:txEl>
+                                          </p:spTgt>
+                                        </p:tgtEl>
+                                        <p:attrNameLst>
+                                          <p:attrName>style.visibility</p:attrName>
+                                        </p:attrNameLst>
+                                      </p:cBhvr>
+                                      <p:to>
+                                        <p:strVal val="visible"/>
+                                      </p:to>
+                                    </p:set>
+                                  </p:childTnLst>
+                                </p:cTn>
+                              </p:par>
+                            </p:childTnLst>
+                          </p:cTn>
+                        </p:par>
+                      </p:childTnLst>
+                    </p:cTn>
+                  </p:par>
+                  <p:par>
+                    <p:cTn id="39" fill="hold">
+                      <p:stCondLst>
+                        <p:cond delay="indefinite"/>
+                      </p:stCondLst>
+                      <p:childTnLst>
+                        <p:par>
+                          <p:cTn id="40" fill="hold">
+                            <p:stCondLst>
+                              <p:cond delay="0"/>
+                            </p:stCondLst>
+                            <p:childTnLst>
+                              <p:par>
+                                <p:cTn id="41" presetID="1" presetClass="entr" presetSubtype="0" fill="hold" nodeType="clickEffect">
+                                  <p:stCondLst>
+                                    <p:cond delay="0"/>
+                                  </p:stCondLst>
+                                  <p:childTnLst>
+                                    <p:set>
+                                      <p:cBhvr>
+                                        <p:cTn id="42" dur="1" fill="hold">
+                                          <p:stCondLst>
+                                            <p:cond delay="0"/>
+                                          </p:stCondLst>
+                                        </p:cTn>
+                                        <p:tgtEl>
+                                          <p:spTgt spid="3">
+                                            <p:txEl>
+                                              <p:pRg st="9" end="9"/>
+                                            </p:txEl>
+                                          </p:spTgt>
+                                        </p:tgtEl>
+                                        <p:attrNameLst>
+                                          <p:attrName>style.visibility</p:attrName>
+                                        </p:attrNameLst>
+                                      </p:cBhvr>
+                                      <p:to>
+                                        <p:strVal val="visible"/>
+                                      </p:to>
+                                    </p:set>
+                                  </p:childTnLst>
+                                </p:cTn>
+                              </p:par>
+                            </p:childTnLst>
+                          </p:cTn>
+                        </p:par>
+                      </p:childTnLst>
+                    </p:cTn>
+                  </p:par>
+                  <p:par>
+                    <p:cTn id="43" fill="hold">
+                      <p:stCondLst>
+                        <p:cond delay="indefinite"/>
+                      </p:stCondLst>
+                      <p:childTnLst>
+                        <p:par>
+                          <p:cTn id="44" fill="hold">
+                            <p:stCondLst>
+                              <p:cond delay="0"/>
+                            </p:stCondLst>
+                            <p:childTnLst>
+                              <p:par>
+                                <p:cTn id="45" presetID="1" presetClass="entr" presetSubtype="0" fill="hold" nodeType="clickEffect">
+                                  <p:stCondLst>
+                                    <p:cond delay="0"/>
+                                  </p:stCondLst>
+                                  <p:childTnLst>
+                                    <p:set>
+                                      <p:cBhvr>
+                                        <p:cTn id="46" dur="1" fill="hold">
+                                          <p:stCondLst>
+                                            <p:cond delay="0"/>
+                                          </p:stCondLst>
+                                        </p:cTn>
+                                        <p:tgtEl>
+                                          <p:spTgt spid="3">
+                                            <p:txEl>
+                                              <p:pRg st="10" end="10"/>
+                                            </p:txEl>
+                                          </p:spTgt>
+                                        </p:tgtEl>
+                                        <p:attrNameLst>
+                                          <p:attrName>style.visibility</p:attrName>
+                                        </p:attrNameLst>
+                                      </p:cBhvr>
+                                      <p:to>
+                                        <p:strVal val="visible"/>
+                                      </p:to>
+                                    </p:set>
+                                  </p:childTnLst>
+                                </p:cTn>
+                              </p:par>
+                            </p:childTnLst>
+                          </p:cTn>
+                        </p:par>
+                      </p:childTnLst>
+                    </p:cTn>
+                  </p:par>
+                </p:childTnLst>
+              </p:cTn>
+              <p:prevCondLst>
+                <p:cond evt="onPrev" delay="0">
+                  <p:tgtEl>
+                    <p:sldTgt/>
+                  </p:tgtEl>
+                </p:cond>
+              </p:prevCondLst>
+              <p:nextCondLst>
+                <p:cond evt="onNext" delay="0">
+                  <p:tgtEl>
+                    <p:sldTgt/>
+                  </p:tgtEl>
+                </p:cond>
+              </p:nextCondLst>
+            </p:seq>
+          </p:childTnLst>
+        </p:cTn>
+      </p:par>
+    </p:tnLst>
+  </p:timing>
 </p:sld>
 </file>
 
@@ -6775,6 +8942,369 @@
   <p:clrMapOvr>
     <a:masterClrMapping/>
   </p:clrMapOvr>
+  <p:timing>
+    <p:tnLst>
+      <p:par>
+        <p:cTn id="1" dur="indefinite" restart="never" nodeType="tmRoot">
+          <p:childTnLst>
+            <p:seq concurrent="1" nextAc="seek">
+              <p:cTn id="2" dur="indefinite" nodeType="mainSeq">
+                <p:childTnLst>
+                  <p:par>
+                    <p:cTn id="3" fill="hold">
+                      <p:stCondLst>
+                        <p:cond delay="indefinite"/>
+                      </p:stCondLst>
+                      <p:childTnLst>
+                        <p:par>
+                          <p:cTn id="4" fill="hold">
+                            <p:stCondLst>
+                              <p:cond delay="0"/>
+                            </p:stCondLst>
+                            <p:childTnLst>
+                              <p:par>
+                                <p:cTn id="5" presetID="1" presetClass="entr" presetSubtype="0" fill="hold" nodeType="clickEffect">
+                                  <p:stCondLst>
+                                    <p:cond delay="0"/>
+                                  </p:stCondLst>
+                                  <p:childTnLst>
+                                    <p:set>
+                                      <p:cBhvr>
+                                        <p:cTn id="6" dur="1" fill="hold">
+                                          <p:stCondLst>
+                                            <p:cond delay="0"/>
+                                          </p:stCondLst>
+                                        </p:cTn>
+                                        <p:tgtEl>
+                                          <p:spTgt spid="3">
+                                            <p:txEl>
+                                              <p:pRg st="0" end="0"/>
+                                            </p:txEl>
+                                          </p:spTgt>
+                                        </p:tgtEl>
+                                        <p:attrNameLst>
+                                          <p:attrName>style.visibility</p:attrName>
+                                        </p:attrNameLst>
+                                      </p:cBhvr>
+                                      <p:to>
+                                        <p:strVal val="visible"/>
+                                      </p:to>
+                                    </p:set>
+                                  </p:childTnLst>
+                                </p:cTn>
+                              </p:par>
+                              <p:par>
+                                <p:cTn id="7" presetID="1" presetClass="entr" presetSubtype="0" fill="hold" nodeType="withEffect">
+                                  <p:stCondLst>
+                                    <p:cond delay="0"/>
+                                  </p:stCondLst>
+                                  <p:childTnLst>
+                                    <p:set>
+                                      <p:cBhvr>
+                                        <p:cTn id="8" dur="1" fill="hold">
+                                          <p:stCondLst>
+                                            <p:cond delay="0"/>
+                                          </p:stCondLst>
+                                        </p:cTn>
+                                        <p:tgtEl>
+                                          <p:spTgt spid="3">
+                                            <p:txEl>
+                                              <p:pRg st="1" end="1"/>
+                                            </p:txEl>
+                                          </p:spTgt>
+                                        </p:tgtEl>
+                                        <p:attrNameLst>
+                                          <p:attrName>style.visibility</p:attrName>
+                                        </p:attrNameLst>
+                                      </p:cBhvr>
+                                      <p:to>
+                                        <p:strVal val="visible"/>
+                                      </p:to>
+                                    </p:set>
+                                  </p:childTnLst>
+                                </p:cTn>
+                              </p:par>
+                            </p:childTnLst>
+                          </p:cTn>
+                        </p:par>
+                      </p:childTnLst>
+                    </p:cTn>
+                  </p:par>
+                  <p:par>
+                    <p:cTn id="9" fill="hold">
+                      <p:stCondLst>
+                        <p:cond delay="indefinite"/>
+                      </p:stCondLst>
+                      <p:childTnLst>
+                        <p:par>
+                          <p:cTn id="10" fill="hold">
+                            <p:stCondLst>
+                              <p:cond delay="0"/>
+                            </p:stCondLst>
+                            <p:childTnLst>
+                              <p:par>
+                                <p:cTn id="11" presetID="1" presetClass="entr" presetSubtype="0" fill="hold" nodeType="clickEffect">
+                                  <p:stCondLst>
+                                    <p:cond delay="0"/>
+                                  </p:stCondLst>
+                                  <p:childTnLst>
+                                    <p:set>
+                                      <p:cBhvr>
+                                        <p:cTn id="12" dur="1" fill="hold">
+                                          <p:stCondLst>
+                                            <p:cond delay="0"/>
+                                          </p:stCondLst>
+                                        </p:cTn>
+                                        <p:tgtEl>
+                                          <p:spTgt spid="3">
+                                            <p:txEl>
+                                              <p:pRg st="2" end="2"/>
+                                            </p:txEl>
+                                          </p:spTgt>
+                                        </p:tgtEl>
+                                        <p:attrNameLst>
+                                          <p:attrName>style.visibility</p:attrName>
+                                        </p:attrNameLst>
+                                      </p:cBhvr>
+                                      <p:to>
+                                        <p:strVal val="visible"/>
+                                      </p:to>
+                                    </p:set>
+                                  </p:childTnLst>
+                                </p:cTn>
+                              </p:par>
+                              <p:par>
+                                <p:cTn id="13" presetID="1" presetClass="entr" presetSubtype="0" fill="hold" nodeType="withEffect">
+                                  <p:stCondLst>
+                                    <p:cond delay="0"/>
+                                  </p:stCondLst>
+                                  <p:childTnLst>
+                                    <p:set>
+                                      <p:cBhvr>
+                                        <p:cTn id="14" dur="1" fill="hold">
+                                          <p:stCondLst>
+                                            <p:cond delay="0"/>
+                                          </p:stCondLst>
+                                        </p:cTn>
+                                        <p:tgtEl>
+                                          <p:spTgt spid="3">
+                                            <p:txEl>
+                                              <p:pRg st="3" end="3"/>
+                                            </p:txEl>
+                                          </p:spTgt>
+                                        </p:tgtEl>
+                                        <p:attrNameLst>
+                                          <p:attrName>style.visibility</p:attrName>
+                                        </p:attrNameLst>
+                                      </p:cBhvr>
+                                      <p:to>
+                                        <p:strVal val="visible"/>
+                                      </p:to>
+                                    </p:set>
+                                  </p:childTnLst>
+                                </p:cTn>
+                              </p:par>
+                              <p:par>
+                                <p:cTn id="15" presetID="1" presetClass="entr" presetSubtype="0" fill="hold" nodeType="withEffect">
+                                  <p:stCondLst>
+                                    <p:cond delay="0"/>
+                                  </p:stCondLst>
+                                  <p:childTnLst>
+                                    <p:set>
+                                      <p:cBhvr>
+                                        <p:cTn id="16" dur="1" fill="hold">
+                                          <p:stCondLst>
+                                            <p:cond delay="0"/>
+                                          </p:stCondLst>
+                                        </p:cTn>
+                                        <p:tgtEl>
+                                          <p:spTgt spid="3">
+                                            <p:txEl>
+                                              <p:pRg st="4" end="4"/>
+                                            </p:txEl>
+                                          </p:spTgt>
+                                        </p:tgtEl>
+                                        <p:attrNameLst>
+                                          <p:attrName>style.visibility</p:attrName>
+                                        </p:attrNameLst>
+                                      </p:cBhvr>
+                                      <p:to>
+                                        <p:strVal val="visible"/>
+                                      </p:to>
+                                    </p:set>
+                                  </p:childTnLst>
+                                </p:cTn>
+                              </p:par>
+                            </p:childTnLst>
+                          </p:cTn>
+                        </p:par>
+                      </p:childTnLst>
+                    </p:cTn>
+                  </p:par>
+                  <p:par>
+                    <p:cTn id="17" fill="hold">
+                      <p:stCondLst>
+                        <p:cond delay="indefinite"/>
+                      </p:stCondLst>
+                      <p:childTnLst>
+                        <p:par>
+                          <p:cTn id="18" fill="hold">
+                            <p:stCondLst>
+                              <p:cond delay="0"/>
+                            </p:stCondLst>
+                            <p:childTnLst>
+                              <p:par>
+                                <p:cTn id="19" presetID="1" presetClass="entr" presetSubtype="0" fill="hold" nodeType="clickEffect">
+                                  <p:stCondLst>
+                                    <p:cond delay="0"/>
+                                  </p:stCondLst>
+                                  <p:childTnLst>
+                                    <p:set>
+                                      <p:cBhvr>
+                                        <p:cTn id="20" dur="1" fill="hold">
+                                          <p:stCondLst>
+                                            <p:cond delay="0"/>
+                                          </p:stCondLst>
+                                        </p:cTn>
+                                        <p:tgtEl>
+                                          <p:spTgt spid="3">
+                                            <p:txEl>
+                                              <p:pRg st="5" end="5"/>
+                                            </p:txEl>
+                                          </p:spTgt>
+                                        </p:tgtEl>
+                                        <p:attrNameLst>
+                                          <p:attrName>style.visibility</p:attrName>
+                                        </p:attrNameLst>
+                                      </p:cBhvr>
+                                      <p:to>
+                                        <p:strVal val="visible"/>
+                                      </p:to>
+                                    </p:set>
+                                  </p:childTnLst>
+                                </p:cTn>
+                              </p:par>
+                              <p:par>
+                                <p:cTn id="21" presetID="1" presetClass="entr" presetSubtype="0" fill="hold" nodeType="withEffect">
+                                  <p:stCondLst>
+                                    <p:cond delay="0"/>
+                                  </p:stCondLst>
+                                  <p:childTnLst>
+                                    <p:set>
+                                      <p:cBhvr>
+                                        <p:cTn id="22" dur="1" fill="hold">
+                                          <p:stCondLst>
+                                            <p:cond delay="0"/>
+                                          </p:stCondLst>
+                                        </p:cTn>
+                                        <p:tgtEl>
+                                          <p:spTgt spid="3">
+                                            <p:txEl>
+                                              <p:pRg st="6" end="6"/>
+                                            </p:txEl>
+                                          </p:spTgt>
+                                        </p:tgtEl>
+                                        <p:attrNameLst>
+                                          <p:attrName>style.visibility</p:attrName>
+                                        </p:attrNameLst>
+                                      </p:cBhvr>
+                                      <p:to>
+                                        <p:strVal val="visible"/>
+                                      </p:to>
+                                    </p:set>
+                                  </p:childTnLst>
+                                </p:cTn>
+                              </p:par>
+                              <p:par>
+                                <p:cTn id="23" presetID="1" presetClass="entr" presetSubtype="0" fill="hold" nodeType="withEffect">
+                                  <p:stCondLst>
+                                    <p:cond delay="0"/>
+                                  </p:stCondLst>
+                                  <p:childTnLst>
+                                    <p:set>
+                                      <p:cBhvr>
+                                        <p:cTn id="24" dur="1" fill="hold">
+                                          <p:stCondLst>
+                                            <p:cond delay="0"/>
+                                          </p:stCondLst>
+                                        </p:cTn>
+                                        <p:tgtEl>
+                                          <p:spTgt spid="3">
+                                            <p:txEl>
+                                              <p:pRg st="7" end="7"/>
+                                            </p:txEl>
+                                          </p:spTgt>
+                                        </p:tgtEl>
+                                        <p:attrNameLst>
+                                          <p:attrName>style.visibility</p:attrName>
+                                        </p:attrNameLst>
+                                      </p:cBhvr>
+                                      <p:to>
+                                        <p:strVal val="visible"/>
+                                      </p:to>
+                                    </p:set>
+                                  </p:childTnLst>
+                                </p:cTn>
+                              </p:par>
+                              <p:par>
+                                <p:cTn id="25" presetID="1" presetClass="entr" presetSubtype="0" fill="hold" nodeType="withEffect">
+                                  <p:stCondLst>
+                                    <p:cond delay="0"/>
+                                  </p:stCondLst>
+                                  <p:childTnLst>
+                                    <p:set>
+                                      <p:cBhvr>
+                                        <p:cTn id="26" dur="1" fill="hold">
+                                          <p:stCondLst>
+                                            <p:cond delay="0"/>
+                                          </p:stCondLst>
+                                        </p:cTn>
+                                        <p:tgtEl>
+                                          <p:spTgt spid="3">
+                                            <p:txEl>
+                                              <p:pRg st="8" end="8"/>
+                                            </p:txEl>
+                                          </p:spTgt>
+                                        </p:tgtEl>
+                                        <p:attrNameLst>
+                                          <p:attrName>style.visibility</p:attrName>
+                                        </p:attrNameLst>
+                                      </p:cBhvr>
+                                      <p:to>
+                                        <p:strVal val="visible"/>
+                                      </p:to>
+                                    </p:set>
+                                  </p:childTnLst>
+                                </p:cTn>
+                              </p:par>
+                            </p:childTnLst>
+                          </p:cTn>
+                        </p:par>
+                      </p:childTnLst>
+                    </p:cTn>
+                  </p:par>
+                </p:childTnLst>
+              </p:cTn>
+              <p:prevCondLst>
+                <p:cond evt="onPrev" delay="0">
+                  <p:tgtEl>
+                    <p:sldTgt/>
+                  </p:tgtEl>
+                </p:cond>
+              </p:prevCondLst>
+              <p:nextCondLst>
+                <p:cond evt="onNext" delay="0">
+                  <p:tgtEl>
+                    <p:sldTgt/>
+                  </p:tgtEl>
+                </p:cond>
+              </p:nextCondLst>
+            </p:seq>
+          </p:childTnLst>
+        </p:cTn>
+      </p:par>
+    </p:tnLst>
+  </p:timing>
 </p:sld>
 </file>
 
@@ -7409,7 +9939,7 @@
             </p:nvSpPr>
             <p:spPr>
               <a:blipFill>
-                <a:blip r:embed="rId2"/>
+                <a:blip r:embed="rId3"/>
                 <a:stretch>
                   <a:fillRect l="-1455" t="-1549"/>
                 </a:stretch>
@@ -7474,7 +10004,7 @@
           <p:nvPr/>
         </p:nvPicPr>
         <p:blipFill>
-          <a:blip r:embed="rId3"/>
+          <a:blip r:embed="rId4"/>
           <a:stretch>
             <a:fillRect/>
           </a:stretch>
@@ -7812,7 +10342,7 @@
                 <a:pPr lvl="1"/>
                 <a:r>
                   <a:rPr lang="en-US" dirty="0"/>
-                  <a:t>Exhaustive search can be expansive!</a:t>
+                  <a:t>Exhaustive search can be expensive!</a:t>
                 </a:r>
               </a:p>
               <a:p>
@@ -7891,9 +10421,9 @@
                 <a:ext cx="6489140" cy="4329817"/>
               </a:xfrm>
               <a:blipFill>
-                <a:blip r:embed="rId2"/>
+                <a:blip r:embed="rId3"/>
                 <a:stretch>
-                  <a:fillRect l="-1953" t="-1754" b="-1170"/>
+                  <a:fillRect l="-2068" t="-1831" b="-986"/>
                 </a:stretch>
               </a:blipFill>
             </p:spPr>
@@ -7956,7 +10486,7 @@
           <p:nvPr/>
         </p:nvPicPr>
         <p:blipFill>
-          <a:blip r:embed="rId3"/>
+          <a:blip r:embed="rId4"/>
           <a:stretch>
             <a:fillRect/>
           </a:stretch>
@@ -7981,6 +10511,624 @@
   <p:clrMapOvr>
     <a:masterClrMapping/>
   </p:clrMapOvr>
+  <p:timing>
+    <p:tnLst>
+      <p:par>
+        <p:cTn id="1" dur="indefinite" restart="never" nodeType="tmRoot">
+          <p:childTnLst>
+            <p:seq concurrent="1" nextAc="seek">
+              <p:cTn id="2" dur="indefinite" nodeType="mainSeq">
+                <p:childTnLst>
+                  <p:par>
+                    <p:cTn id="3" fill="hold">
+                      <p:stCondLst>
+                        <p:cond delay="indefinite"/>
+                      </p:stCondLst>
+                      <p:childTnLst>
+                        <p:par>
+                          <p:cTn id="4" fill="hold">
+                            <p:stCondLst>
+                              <p:cond delay="0"/>
+                            </p:stCondLst>
+                            <p:childTnLst>
+                              <p:par>
+                                <p:cTn id="5" presetID="1" presetClass="entr" presetSubtype="0" fill="hold" nodeType="clickEffect">
+                                  <p:stCondLst>
+                                    <p:cond delay="0"/>
+                                  </p:stCondLst>
+                                  <p:childTnLst>
+                                    <p:set>
+                                      <p:cBhvr>
+                                        <p:cTn id="6" dur="1" fill="hold">
+                                          <p:stCondLst>
+                                            <p:cond delay="0"/>
+                                          </p:stCondLst>
+                                        </p:cTn>
+                                        <p:tgtEl>
+                                          <p:spTgt spid="3">
+                                            <p:txEl>
+                                              <p:pRg st="0" end="0"/>
+                                            </p:txEl>
+                                          </p:spTgt>
+                                        </p:tgtEl>
+                                        <p:attrNameLst>
+                                          <p:attrName>style.visibility</p:attrName>
+                                        </p:attrNameLst>
+                                      </p:cBhvr>
+                                      <p:to>
+                                        <p:strVal val="visible"/>
+                                      </p:to>
+                                    </p:set>
+                                  </p:childTnLst>
+                                </p:cTn>
+                              </p:par>
+                            </p:childTnLst>
+                          </p:cTn>
+                        </p:par>
+                      </p:childTnLst>
+                    </p:cTn>
+                  </p:par>
+                  <p:par>
+                    <p:cTn id="7" fill="hold">
+                      <p:stCondLst>
+                        <p:cond delay="indefinite"/>
+                      </p:stCondLst>
+                      <p:childTnLst>
+                        <p:par>
+                          <p:cTn id="8" fill="hold">
+                            <p:stCondLst>
+                              <p:cond delay="0"/>
+                            </p:stCondLst>
+                            <p:childTnLst>
+                              <p:par>
+                                <p:cTn id="9" presetID="1" presetClass="entr" presetSubtype="0" fill="hold" nodeType="clickEffect">
+                                  <p:stCondLst>
+                                    <p:cond delay="0"/>
+                                  </p:stCondLst>
+                                  <p:childTnLst>
+                                    <p:set>
+                                      <p:cBhvr>
+                                        <p:cTn id="10" dur="1" fill="hold">
+                                          <p:stCondLst>
+                                            <p:cond delay="0"/>
+                                          </p:stCondLst>
+                                        </p:cTn>
+                                        <p:tgtEl>
+                                          <p:spTgt spid="3">
+                                            <p:txEl>
+                                              <p:pRg st="1" end="1"/>
+                                            </p:txEl>
+                                          </p:spTgt>
+                                        </p:tgtEl>
+                                        <p:attrNameLst>
+                                          <p:attrName>style.visibility</p:attrName>
+                                        </p:attrNameLst>
+                                      </p:cBhvr>
+                                      <p:to>
+                                        <p:strVal val="visible"/>
+                                      </p:to>
+                                    </p:set>
+                                  </p:childTnLst>
+                                </p:cTn>
+                              </p:par>
+                            </p:childTnLst>
+                          </p:cTn>
+                        </p:par>
+                      </p:childTnLst>
+                    </p:cTn>
+                  </p:par>
+                  <p:par>
+                    <p:cTn id="11" fill="hold">
+                      <p:stCondLst>
+                        <p:cond delay="indefinite"/>
+                      </p:stCondLst>
+                      <p:childTnLst>
+                        <p:par>
+                          <p:cTn id="12" fill="hold">
+                            <p:stCondLst>
+                              <p:cond delay="0"/>
+                            </p:stCondLst>
+                            <p:childTnLst>
+                              <p:par>
+                                <p:cTn id="13" presetID="1" presetClass="entr" presetSubtype="0" fill="hold" nodeType="clickEffect">
+                                  <p:stCondLst>
+                                    <p:cond delay="0"/>
+                                  </p:stCondLst>
+                                  <p:childTnLst>
+                                    <p:set>
+                                      <p:cBhvr>
+                                        <p:cTn id="14" dur="1" fill="hold">
+                                          <p:stCondLst>
+                                            <p:cond delay="0"/>
+                                          </p:stCondLst>
+                                        </p:cTn>
+                                        <p:tgtEl>
+                                          <p:spTgt spid="3">
+                                            <p:txEl>
+                                              <p:pRg st="2" end="2"/>
+                                            </p:txEl>
+                                          </p:spTgt>
+                                        </p:tgtEl>
+                                        <p:attrNameLst>
+                                          <p:attrName>style.visibility</p:attrName>
+                                        </p:attrNameLst>
+                                      </p:cBhvr>
+                                      <p:to>
+                                        <p:strVal val="visible"/>
+                                      </p:to>
+                                    </p:set>
+                                  </p:childTnLst>
+                                </p:cTn>
+                              </p:par>
+                            </p:childTnLst>
+                          </p:cTn>
+                        </p:par>
+                      </p:childTnLst>
+                    </p:cTn>
+                  </p:par>
+                  <p:par>
+                    <p:cTn id="15" fill="hold">
+                      <p:stCondLst>
+                        <p:cond delay="indefinite"/>
+                      </p:stCondLst>
+                      <p:childTnLst>
+                        <p:par>
+                          <p:cTn id="16" fill="hold">
+                            <p:stCondLst>
+                              <p:cond delay="0"/>
+                            </p:stCondLst>
+                            <p:childTnLst>
+                              <p:par>
+                                <p:cTn id="17" presetID="1" presetClass="entr" presetSubtype="0" fill="hold" nodeType="clickEffect">
+                                  <p:stCondLst>
+                                    <p:cond delay="0"/>
+                                  </p:stCondLst>
+                                  <p:childTnLst>
+                                    <p:set>
+                                      <p:cBhvr>
+                                        <p:cTn id="18" dur="1" fill="hold">
+                                          <p:stCondLst>
+                                            <p:cond delay="0"/>
+                                          </p:stCondLst>
+                                        </p:cTn>
+                                        <p:tgtEl>
+                                          <p:spTgt spid="3">
+                                            <p:txEl>
+                                              <p:pRg st="3" end="3"/>
+                                            </p:txEl>
+                                          </p:spTgt>
+                                        </p:tgtEl>
+                                        <p:attrNameLst>
+                                          <p:attrName>style.visibility</p:attrName>
+                                        </p:attrNameLst>
+                                      </p:cBhvr>
+                                      <p:to>
+                                        <p:strVal val="visible"/>
+                                      </p:to>
+                                    </p:set>
+                                  </p:childTnLst>
+                                </p:cTn>
+                              </p:par>
+                            </p:childTnLst>
+                          </p:cTn>
+                        </p:par>
+                      </p:childTnLst>
+                    </p:cTn>
+                  </p:par>
+                  <p:par>
+                    <p:cTn id="19" fill="hold">
+                      <p:stCondLst>
+                        <p:cond delay="indefinite"/>
+                      </p:stCondLst>
+                      <p:childTnLst>
+                        <p:par>
+                          <p:cTn id="20" fill="hold">
+                            <p:stCondLst>
+                              <p:cond delay="0"/>
+                            </p:stCondLst>
+                            <p:childTnLst>
+                              <p:par>
+                                <p:cTn id="21" presetID="1" presetClass="entr" presetSubtype="0" fill="hold" nodeType="clickEffect">
+                                  <p:stCondLst>
+                                    <p:cond delay="0"/>
+                                  </p:stCondLst>
+                                  <p:childTnLst>
+                                    <p:set>
+                                      <p:cBhvr>
+                                        <p:cTn id="22" dur="1" fill="hold">
+                                          <p:stCondLst>
+                                            <p:cond delay="0"/>
+                                          </p:stCondLst>
+                                        </p:cTn>
+                                        <p:tgtEl>
+                                          <p:spTgt spid="3">
+                                            <p:txEl>
+                                              <p:pRg st="4" end="4"/>
+                                            </p:txEl>
+                                          </p:spTgt>
+                                        </p:tgtEl>
+                                        <p:attrNameLst>
+                                          <p:attrName>style.visibility</p:attrName>
+                                        </p:attrNameLst>
+                                      </p:cBhvr>
+                                      <p:to>
+                                        <p:strVal val="visible"/>
+                                      </p:to>
+                                    </p:set>
+                                  </p:childTnLst>
+                                </p:cTn>
+                              </p:par>
+                            </p:childTnLst>
+                          </p:cTn>
+                        </p:par>
+                      </p:childTnLst>
+                    </p:cTn>
+                  </p:par>
+                  <p:par>
+                    <p:cTn id="23" fill="hold">
+                      <p:stCondLst>
+                        <p:cond delay="indefinite"/>
+                      </p:stCondLst>
+                      <p:childTnLst>
+                        <p:par>
+                          <p:cTn id="24" fill="hold">
+                            <p:stCondLst>
+                              <p:cond delay="0"/>
+                            </p:stCondLst>
+                            <p:childTnLst>
+                              <p:par>
+                                <p:cTn id="25" presetID="1" presetClass="entr" presetSubtype="0" fill="hold" nodeType="clickEffect">
+                                  <p:stCondLst>
+                                    <p:cond delay="0"/>
+                                  </p:stCondLst>
+                                  <p:childTnLst>
+                                    <p:set>
+                                      <p:cBhvr>
+                                        <p:cTn id="26" dur="1" fill="hold">
+                                          <p:stCondLst>
+                                            <p:cond delay="0"/>
+                                          </p:stCondLst>
+                                        </p:cTn>
+                                        <p:tgtEl>
+                                          <p:spTgt spid="3">
+                                            <p:txEl>
+                                              <p:pRg st="5" end="5"/>
+                                            </p:txEl>
+                                          </p:spTgt>
+                                        </p:tgtEl>
+                                        <p:attrNameLst>
+                                          <p:attrName>style.visibility</p:attrName>
+                                        </p:attrNameLst>
+                                      </p:cBhvr>
+                                      <p:to>
+                                        <p:strVal val="visible"/>
+                                      </p:to>
+                                    </p:set>
+                                  </p:childTnLst>
+                                </p:cTn>
+                              </p:par>
+                            </p:childTnLst>
+                          </p:cTn>
+                        </p:par>
+                      </p:childTnLst>
+                    </p:cTn>
+                  </p:par>
+                  <p:par>
+                    <p:cTn id="27" fill="hold">
+                      <p:stCondLst>
+                        <p:cond delay="indefinite"/>
+                      </p:stCondLst>
+                      <p:childTnLst>
+                        <p:par>
+                          <p:cTn id="28" fill="hold">
+                            <p:stCondLst>
+                              <p:cond delay="0"/>
+                            </p:stCondLst>
+                            <p:childTnLst>
+                              <p:par>
+                                <p:cTn id="29" presetID="1" presetClass="entr" presetSubtype="0" fill="hold" nodeType="clickEffect">
+                                  <p:stCondLst>
+                                    <p:cond delay="0"/>
+                                  </p:stCondLst>
+                                  <p:childTnLst>
+                                    <p:set>
+                                      <p:cBhvr>
+                                        <p:cTn id="30" dur="1" fill="hold">
+                                          <p:stCondLst>
+                                            <p:cond delay="0"/>
+                                          </p:stCondLst>
+                                        </p:cTn>
+                                        <p:tgtEl>
+                                          <p:spTgt spid="3">
+                                            <p:txEl>
+                                              <p:pRg st="6" end="6"/>
+                                            </p:txEl>
+                                          </p:spTgt>
+                                        </p:tgtEl>
+                                        <p:attrNameLst>
+                                          <p:attrName>style.visibility</p:attrName>
+                                        </p:attrNameLst>
+                                      </p:cBhvr>
+                                      <p:to>
+                                        <p:strVal val="visible"/>
+                                      </p:to>
+                                    </p:set>
+                                  </p:childTnLst>
+                                </p:cTn>
+                              </p:par>
+                            </p:childTnLst>
+                          </p:cTn>
+                        </p:par>
+                      </p:childTnLst>
+                    </p:cTn>
+                  </p:par>
+                  <p:par>
+                    <p:cTn id="31" fill="hold">
+                      <p:stCondLst>
+                        <p:cond delay="indefinite"/>
+                      </p:stCondLst>
+                      <p:childTnLst>
+                        <p:par>
+                          <p:cTn id="32" fill="hold">
+                            <p:stCondLst>
+                              <p:cond delay="0"/>
+                            </p:stCondLst>
+                            <p:childTnLst>
+                              <p:par>
+                                <p:cTn id="33" presetID="1" presetClass="entr" presetSubtype="0" fill="hold" nodeType="clickEffect">
+                                  <p:stCondLst>
+                                    <p:cond delay="0"/>
+                                  </p:stCondLst>
+                                  <p:childTnLst>
+                                    <p:set>
+                                      <p:cBhvr>
+                                        <p:cTn id="34" dur="1" fill="hold">
+                                          <p:stCondLst>
+                                            <p:cond delay="0"/>
+                                          </p:stCondLst>
+                                        </p:cTn>
+                                        <p:tgtEl>
+                                          <p:spTgt spid="3">
+                                            <p:txEl>
+                                              <p:pRg st="7" end="7"/>
+                                            </p:txEl>
+                                          </p:spTgt>
+                                        </p:tgtEl>
+                                        <p:attrNameLst>
+                                          <p:attrName>style.visibility</p:attrName>
+                                        </p:attrNameLst>
+                                      </p:cBhvr>
+                                      <p:to>
+                                        <p:strVal val="visible"/>
+                                      </p:to>
+                                    </p:set>
+                                  </p:childTnLst>
+                                </p:cTn>
+                              </p:par>
+                            </p:childTnLst>
+                          </p:cTn>
+                        </p:par>
+                      </p:childTnLst>
+                    </p:cTn>
+                  </p:par>
+                  <p:par>
+                    <p:cTn id="35" fill="hold">
+                      <p:stCondLst>
+                        <p:cond delay="indefinite"/>
+                      </p:stCondLst>
+                      <p:childTnLst>
+                        <p:par>
+                          <p:cTn id="36" fill="hold">
+                            <p:stCondLst>
+                              <p:cond delay="0"/>
+                            </p:stCondLst>
+                            <p:childTnLst>
+                              <p:par>
+                                <p:cTn id="37" presetID="1" presetClass="entr" presetSubtype="0" fill="hold" nodeType="clickEffect">
+                                  <p:stCondLst>
+                                    <p:cond delay="0"/>
+                                  </p:stCondLst>
+                                  <p:childTnLst>
+                                    <p:set>
+                                      <p:cBhvr>
+                                        <p:cTn id="38" dur="1" fill="hold">
+                                          <p:stCondLst>
+                                            <p:cond delay="0"/>
+                                          </p:stCondLst>
+                                        </p:cTn>
+                                        <p:tgtEl>
+                                          <p:spTgt spid="3">
+                                            <p:txEl>
+                                              <p:pRg st="8" end="8"/>
+                                            </p:txEl>
+                                          </p:spTgt>
+                                        </p:tgtEl>
+                                        <p:attrNameLst>
+                                          <p:attrName>style.visibility</p:attrName>
+                                        </p:attrNameLst>
+                                      </p:cBhvr>
+                                      <p:to>
+                                        <p:strVal val="visible"/>
+                                      </p:to>
+                                    </p:set>
+                                  </p:childTnLst>
+                                </p:cTn>
+                              </p:par>
+                            </p:childTnLst>
+                          </p:cTn>
+                        </p:par>
+                      </p:childTnLst>
+                    </p:cTn>
+                  </p:par>
+                  <p:par>
+                    <p:cTn id="39" fill="hold">
+                      <p:stCondLst>
+                        <p:cond delay="indefinite"/>
+                      </p:stCondLst>
+                      <p:childTnLst>
+                        <p:par>
+                          <p:cTn id="40" fill="hold">
+                            <p:stCondLst>
+                              <p:cond delay="0"/>
+                            </p:stCondLst>
+                            <p:childTnLst>
+                              <p:par>
+                                <p:cTn id="41" presetID="1" presetClass="entr" presetSubtype="0" fill="hold" nodeType="clickEffect">
+                                  <p:stCondLst>
+                                    <p:cond delay="0"/>
+                                  </p:stCondLst>
+                                  <p:childTnLst>
+                                    <p:set>
+                                      <p:cBhvr>
+                                        <p:cTn id="42" dur="1" fill="hold">
+                                          <p:stCondLst>
+                                            <p:cond delay="0"/>
+                                          </p:stCondLst>
+                                        </p:cTn>
+                                        <p:tgtEl>
+                                          <p:spTgt spid="3">
+                                            <p:txEl>
+                                              <p:pRg st="9" end="9"/>
+                                            </p:txEl>
+                                          </p:spTgt>
+                                        </p:tgtEl>
+                                        <p:attrNameLst>
+                                          <p:attrName>style.visibility</p:attrName>
+                                        </p:attrNameLst>
+                                      </p:cBhvr>
+                                      <p:to>
+                                        <p:strVal val="visible"/>
+                                      </p:to>
+                                    </p:set>
+                                  </p:childTnLst>
+                                </p:cTn>
+                              </p:par>
+                            </p:childTnLst>
+                          </p:cTn>
+                        </p:par>
+                      </p:childTnLst>
+                    </p:cTn>
+                  </p:par>
+                  <p:par>
+                    <p:cTn id="43" fill="hold">
+                      <p:stCondLst>
+                        <p:cond delay="indefinite"/>
+                      </p:stCondLst>
+                      <p:childTnLst>
+                        <p:par>
+                          <p:cTn id="44" fill="hold">
+                            <p:stCondLst>
+                              <p:cond delay="0"/>
+                            </p:stCondLst>
+                            <p:childTnLst>
+                              <p:par>
+                                <p:cTn id="45" presetID="1" presetClass="entr" presetSubtype="0" fill="hold" nodeType="clickEffect">
+                                  <p:stCondLst>
+                                    <p:cond delay="0"/>
+                                  </p:stCondLst>
+                                  <p:childTnLst>
+                                    <p:set>
+                                      <p:cBhvr>
+                                        <p:cTn id="46" dur="1" fill="hold">
+                                          <p:stCondLst>
+                                            <p:cond delay="0"/>
+                                          </p:stCondLst>
+                                        </p:cTn>
+                                        <p:tgtEl>
+                                          <p:spTgt spid="3">
+                                            <p:txEl>
+                                              <p:pRg st="11" end="11"/>
+                                            </p:txEl>
+                                          </p:spTgt>
+                                        </p:tgtEl>
+                                        <p:attrNameLst>
+                                          <p:attrName>style.visibility</p:attrName>
+                                        </p:attrNameLst>
+                                      </p:cBhvr>
+                                      <p:to>
+                                        <p:strVal val="visible"/>
+                                      </p:to>
+                                    </p:set>
+                                  </p:childTnLst>
+                                </p:cTn>
+                              </p:par>
+                            </p:childTnLst>
+                          </p:cTn>
+                        </p:par>
+                      </p:childTnLst>
+                    </p:cTn>
+                  </p:par>
+                  <p:par>
+                    <p:cTn id="47" fill="hold">
+                      <p:stCondLst>
+                        <p:cond delay="indefinite"/>
+                      </p:stCondLst>
+                      <p:childTnLst>
+                        <p:par>
+                          <p:cTn id="48" fill="hold">
+                            <p:stCondLst>
+                              <p:cond delay="0"/>
+                            </p:stCondLst>
+                            <p:childTnLst>
+                              <p:par>
+                                <p:cTn id="49" presetID="1" presetClass="entr" presetSubtype="0" fill="hold" nodeType="clickEffect">
+                                  <p:stCondLst>
+                                    <p:cond delay="0"/>
+                                  </p:stCondLst>
+                                  <p:childTnLst>
+                                    <p:set>
+                                      <p:cBhvr>
+                                        <p:cTn id="50" dur="1" fill="hold">
+                                          <p:stCondLst>
+                                            <p:cond delay="0"/>
+                                          </p:stCondLst>
+                                        </p:cTn>
+                                        <p:tgtEl>
+                                          <p:spTgt spid="3">
+                                            <p:txEl>
+                                              <p:pRg st="12" end="12"/>
+                                            </p:txEl>
+                                          </p:spTgt>
+                                        </p:tgtEl>
+                                        <p:attrNameLst>
+                                          <p:attrName>style.visibility</p:attrName>
+                                        </p:attrNameLst>
+                                      </p:cBhvr>
+                                      <p:to>
+                                        <p:strVal val="visible"/>
+                                      </p:to>
+                                    </p:set>
+                                  </p:childTnLst>
+                                </p:cTn>
+                              </p:par>
+                            </p:childTnLst>
+                          </p:cTn>
+                        </p:par>
+                      </p:childTnLst>
+                    </p:cTn>
+                  </p:par>
+                </p:childTnLst>
+              </p:cTn>
+              <p:prevCondLst>
+                <p:cond evt="onPrev" delay="0">
+                  <p:tgtEl>
+                    <p:sldTgt/>
+                  </p:tgtEl>
+                </p:cond>
+              </p:prevCondLst>
+              <p:nextCondLst>
+                <p:cond evt="onNext" delay="0">
+                  <p:tgtEl>
+                    <p:sldTgt/>
+                  </p:tgtEl>
+                </p:cond>
+              </p:nextCondLst>
+            </p:seq>
+          </p:childTnLst>
+        </p:cTn>
+      </p:par>
+    </p:tnLst>
+  </p:timing>
 </p:sld>
 </file>
 
@@ -8029,8 +11177,8 @@
           </a:p>
         </p:txBody>
       </p:sp>
-      <mc:AlternateContent xmlns:mc="http://schemas.openxmlformats.org/markup-compatibility/2006" xmlns:a14="http://schemas.microsoft.com/office/drawing/2010/main">
-        <mc:Choice Requires="a14">
+      <mc:AlternateContent xmlns:mc="http://schemas.openxmlformats.org/markup-compatibility/2006">
+        <mc:Choice xmlns:a14="http://schemas.microsoft.com/office/drawing/2010/main" Requires="a14">
           <p:sp>
             <p:nvSpPr>
               <p:cNvPr id="3" name="Content Placeholder 2">
@@ -8688,7 +11836,7 @@
                   <a:rPr lang="en-US" dirty="0">
                     <a:latin typeface="Cambria Math" panose="02040503050406030204" pitchFamily="18" charset="0"/>
                   </a:rPr>
-                  <a:t>regularizing function.  </a:t>
+                  <a:t>regularizing function.  (penalty)</a:t>
                 </a:r>
               </a:p>
               <a:p>
@@ -8739,7 +11887,7 @@
             </p:txBody>
           </p:sp>
         </mc:Choice>
-        <mc:Fallback xmlns="">
+        <mc:Fallback>
           <p:sp>
             <p:nvSpPr>
               <p:cNvPr id="3" name="Content Placeholder 2">
@@ -8818,6 +11966,276 @@
   <p:clrMapOvr>
     <a:masterClrMapping/>
   </p:clrMapOvr>
+  <p:timing>
+    <p:tnLst>
+      <p:par>
+        <p:cTn id="1" dur="indefinite" restart="never" nodeType="tmRoot">
+          <p:childTnLst>
+            <p:seq concurrent="1" nextAc="seek">
+              <p:cTn id="2" dur="indefinite" nodeType="mainSeq">
+                <p:childTnLst>
+                  <p:par>
+                    <p:cTn id="3" fill="hold">
+                      <p:stCondLst>
+                        <p:cond delay="indefinite"/>
+                      </p:stCondLst>
+                      <p:childTnLst>
+                        <p:par>
+                          <p:cTn id="4" fill="hold">
+                            <p:stCondLst>
+                              <p:cond delay="0"/>
+                            </p:stCondLst>
+                            <p:childTnLst>
+                              <p:par>
+                                <p:cTn id="5" presetID="1" presetClass="entr" presetSubtype="0" fill="hold" nodeType="clickEffect">
+                                  <p:stCondLst>
+                                    <p:cond delay="0"/>
+                                  </p:stCondLst>
+                                  <p:childTnLst>
+                                    <p:set>
+                                      <p:cBhvr>
+                                        <p:cTn id="6" dur="1" fill="hold">
+                                          <p:stCondLst>
+                                            <p:cond delay="0"/>
+                                          </p:stCondLst>
+                                        </p:cTn>
+                                        <p:tgtEl>
+                                          <p:spTgt spid="3">
+                                            <p:txEl>
+                                              <p:pRg st="0" end="0"/>
+                                            </p:txEl>
+                                          </p:spTgt>
+                                        </p:tgtEl>
+                                        <p:attrNameLst>
+                                          <p:attrName>style.visibility</p:attrName>
+                                        </p:attrNameLst>
+                                      </p:cBhvr>
+                                      <p:to>
+                                        <p:strVal val="visible"/>
+                                      </p:to>
+                                    </p:set>
+                                  </p:childTnLst>
+                                </p:cTn>
+                              </p:par>
+                            </p:childTnLst>
+                          </p:cTn>
+                        </p:par>
+                      </p:childTnLst>
+                    </p:cTn>
+                  </p:par>
+                  <p:par>
+                    <p:cTn id="7" fill="hold">
+                      <p:stCondLst>
+                        <p:cond delay="indefinite"/>
+                      </p:stCondLst>
+                      <p:childTnLst>
+                        <p:par>
+                          <p:cTn id="8" fill="hold">
+                            <p:stCondLst>
+                              <p:cond delay="0"/>
+                            </p:stCondLst>
+                            <p:childTnLst>
+                              <p:par>
+                                <p:cTn id="9" presetID="1" presetClass="entr" presetSubtype="0" fill="hold" nodeType="clickEffect">
+                                  <p:stCondLst>
+                                    <p:cond delay="0"/>
+                                  </p:stCondLst>
+                                  <p:childTnLst>
+                                    <p:set>
+                                      <p:cBhvr>
+                                        <p:cTn id="10" dur="1" fill="hold">
+                                          <p:stCondLst>
+                                            <p:cond delay="0"/>
+                                          </p:stCondLst>
+                                        </p:cTn>
+                                        <p:tgtEl>
+                                          <p:spTgt spid="3">
+                                            <p:txEl>
+                                              <p:pRg st="1" end="1"/>
+                                            </p:txEl>
+                                          </p:spTgt>
+                                        </p:tgtEl>
+                                        <p:attrNameLst>
+                                          <p:attrName>style.visibility</p:attrName>
+                                        </p:attrNameLst>
+                                      </p:cBhvr>
+                                      <p:to>
+                                        <p:strVal val="visible"/>
+                                      </p:to>
+                                    </p:set>
+                                  </p:childTnLst>
+                                </p:cTn>
+                              </p:par>
+                              <p:par>
+                                <p:cTn id="11" presetID="1" presetClass="entr" presetSubtype="0" fill="hold" nodeType="withEffect">
+                                  <p:stCondLst>
+                                    <p:cond delay="0"/>
+                                  </p:stCondLst>
+                                  <p:childTnLst>
+                                    <p:set>
+                                      <p:cBhvr>
+                                        <p:cTn id="12" dur="1" fill="hold">
+                                          <p:stCondLst>
+                                            <p:cond delay="0"/>
+                                          </p:stCondLst>
+                                        </p:cTn>
+                                        <p:tgtEl>
+                                          <p:spTgt spid="3">
+                                            <p:txEl>
+                                              <p:pRg st="2" end="2"/>
+                                            </p:txEl>
+                                          </p:spTgt>
+                                        </p:tgtEl>
+                                        <p:attrNameLst>
+                                          <p:attrName>style.visibility</p:attrName>
+                                        </p:attrNameLst>
+                                      </p:cBhvr>
+                                      <p:to>
+                                        <p:strVal val="visible"/>
+                                      </p:to>
+                                    </p:set>
+                                  </p:childTnLst>
+                                </p:cTn>
+                              </p:par>
+                              <p:par>
+                                <p:cTn id="13" presetID="1" presetClass="entr" presetSubtype="0" fill="hold" nodeType="withEffect">
+                                  <p:stCondLst>
+                                    <p:cond delay="0"/>
+                                  </p:stCondLst>
+                                  <p:childTnLst>
+                                    <p:set>
+                                      <p:cBhvr>
+                                        <p:cTn id="14" dur="1" fill="hold">
+                                          <p:stCondLst>
+                                            <p:cond delay="0"/>
+                                          </p:stCondLst>
+                                        </p:cTn>
+                                        <p:tgtEl>
+                                          <p:spTgt spid="3">
+                                            <p:txEl>
+                                              <p:pRg st="3" end="3"/>
+                                            </p:txEl>
+                                          </p:spTgt>
+                                        </p:tgtEl>
+                                        <p:attrNameLst>
+                                          <p:attrName>style.visibility</p:attrName>
+                                        </p:attrNameLst>
+                                      </p:cBhvr>
+                                      <p:to>
+                                        <p:strVal val="visible"/>
+                                      </p:to>
+                                    </p:set>
+                                  </p:childTnLst>
+                                </p:cTn>
+                              </p:par>
+                            </p:childTnLst>
+                          </p:cTn>
+                        </p:par>
+                      </p:childTnLst>
+                    </p:cTn>
+                  </p:par>
+                  <p:par>
+                    <p:cTn id="15" fill="hold">
+                      <p:stCondLst>
+                        <p:cond delay="indefinite"/>
+                      </p:stCondLst>
+                      <p:childTnLst>
+                        <p:par>
+                          <p:cTn id="16" fill="hold">
+                            <p:stCondLst>
+                              <p:cond delay="0"/>
+                            </p:stCondLst>
+                            <p:childTnLst>
+                              <p:par>
+                                <p:cTn id="17" presetID="1" presetClass="entr" presetSubtype="0" fill="hold" nodeType="clickEffect">
+                                  <p:stCondLst>
+                                    <p:cond delay="0"/>
+                                  </p:stCondLst>
+                                  <p:childTnLst>
+                                    <p:set>
+                                      <p:cBhvr>
+                                        <p:cTn id="18" dur="1" fill="hold">
+                                          <p:stCondLst>
+                                            <p:cond delay="0"/>
+                                          </p:stCondLst>
+                                        </p:cTn>
+                                        <p:tgtEl>
+                                          <p:spTgt spid="3">
+                                            <p:txEl>
+                                              <p:pRg st="5" end="5"/>
+                                            </p:txEl>
+                                          </p:spTgt>
+                                        </p:tgtEl>
+                                        <p:attrNameLst>
+                                          <p:attrName>style.visibility</p:attrName>
+                                        </p:attrNameLst>
+                                      </p:cBhvr>
+                                      <p:to>
+                                        <p:strVal val="visible"/>
+                                      </p:to>
+                                    </p:set>
+                                  </p:childTnLst>
+                                </p:cTn>
+                              </p:par>
+                              <p:par>
+                                <p:cTn id="19" presetID="1" presetClass="entr" presetSubtype="0" fill="hold" nodeType="withEffect">
+                                  <p:stCondLst>
+                                    <p:cond delay="0"/>
+                                  </p:stCondLst>
+                                  <p:childTnLst>
+                                    <p:set>
+                                      <p:cBhvr>
+                                        <p:cTn id="20" dur="1" fill="hold">
+                                          <p:stCondLst>
+                                            <p:cond delay="0"/>
+                                          </p:stCondLst>
+                                        </p:cTn>
+                                        <p:tgtEl>
+                                          <p:spTgt spid="3">
+                                            <p:txEl>
+                                              <p:pRg st="6" end="6"/>
+                                            </p:txEl>
+                                          </p:spTgt>
+                                        </p:tgtEl>
+                                        <p:attrNameLst>
+                                          <p:attrName>style.visibility</p:attrName>
+                                        </p:attrNameLst>
+                                      </p:cBhvr>
+                                      <p:to>
+                                        <p:strVal val="visible"/>
+                                      </p:to>
+                                    </p:set>
+                                  </p:childTnLst>
+                                </p:cTn>
+                              </p:par>
+                            </p:childTnLst>
+                          </p:cTn>
+                        </p:par>
+                      </p:childTnLst>
+                    </p:cTn>
+                  </p:par>
+                </p:childTnLst>
+              </p:cTn>
+              <p:prevCondLst>
+                <p:cond evt="onPrev" delay="0">
+                  <p:tgtEl>
+                    <p:sldTgt/>
+                  </p:tgtEl>
+                </p:cond>
+              </p:prevCondLst>
+              <p:nextCondLst>
+                <p:cond evt="onNext" delay="0">
+                  <p:tgtEl>
+                    <p:sldTgt/>
+                  </p:tgtEl>
+                </p:cond>
+              </p:nextCondLst>
+            </p:seq>
+          </p:childTnLst>
+        </p:cTn>
+      </p:par>
+    </p:tnLst>
+  </p:timing>
 </p:sld>
 </file>
 
@@ -9345,7 +12763,7 @@
                 <a:ext cx="5412008" cy="4329817"/>
               </a:xfrm>
               <a:blipFill>
-                <a:blip r:embed="rId2"/>
+                <a:blip r:embed="rId3"/>
                 <a:stretch>
                   <a:fillRect l="-2477" t="-15211" b="-845"/>
                 </a:stretch>
@@ -9430,7 +12848,7 @@
             <p:nvPr/>
           </p:nvPicPr>
           <p:blipFill>
-            <a:blip r:embed="rId3">
+            <a:blip r:embed="rId4">
               <a:extLst>
                 <a:ext uri="{28A0092B-C50C-407E-A947-70E740481C1C}">
                   <a14:useLocalDpi xmlns:a14="http://schemas.microsoft.com/office/drawing/2010/main" val="0"/>
@@ -9588,7 +13006,7 @@
                   <a:avLst/>
                 </a:prstGeom>
                 <a:blipFill>
-                  <a:blip r:embed="rId4"/>
+                  <a:blip r:embed="rId5"/>
                   <a:stretch>
                     <a:fillRect b="-5263"/>
                   </a:stretch>
@@ -9716,7 +13134,7 @@
                   <a:avLst/>
                 </a:prstGeom>
                 <a:blipFill>
-                  <a:blip r:embed="rId5"/>
+                  <a:blip r:embed="rId6"/>
                   <a:stretch>
                     <a:fillRect b="-9091"/>
                   </a:stretch>
@@ -9830,7 +13248,7 @@
                   <a:avLst/>
                 </a:prstGeom>
                 <a:blipFill>
-                  <a:blip r:embed="rId6"/>
+                  <a:blip r:embed="rId7"/>
                   <a:stretch>
                     <a:fillRect b="-6250"/>
                   </a:stretch>
@@ -9852,8 +13270,8 @@
           </mc:Fallback>
         </mc:AlternateContent>
       </p:grpSp>
-      <mc:AlternateContent xmlns:mc="http://schemas.openxmlformats.org/markup-compatibility/2006" xmlns:a14="http://schemas.microsoft.com/office/drawing/2010/main">
-        <mc:Choice Requires="a14">
+      <mc:AlternateContent xmlns:mc="http://schemas.openxmlformats.org/markup-compatibility/2006">
+        <mc:Choice xmlns:a14="http://schemas.microsoft.com/office/drawing/2010/main" Requires="a14">
           <p:sp>
             <p:nvSpPr>
               <p:cNvPr id="9" name="TextBox 8">
@@ -9949,7 +13367,7 @@
                 </a14:m>
                 <a:r>
                   <a:rPr lang="en-US" dirty="0"/>
-                  <a:t> do not penalize small non-zero </a:t>
+                  <a:t> does not penalize small non-zero </a:t>
                 </a:r>
                 <a:r>
                   <a:rPr lang="en-US" dirty="0" err="1"/>
@@ -10023,7 +13441,7 @@
             </p:txBody>
           </p:sp>
         </mc:Choice>
-        <mc:Fallback xmlns="">
+        <mc:Fallback>
           <p:sp>
             <p:nvSpPr>
               <p:cNvPr id="9" name="TextBox 8">
@@ -10047,7 +13465,7 @@
                 <a:avLst/>
               </a:prstGeom>
               <a:blipFill>
-                <a:blip r:embed="rId7"/>
+                <a:blip r:embed="rId8"/>
                 <a:stretch>
                   <a:fillRect l="-1269" b="-6364"/>
                 </a:stretch>
@@ -10078,6 +13496,449 @@
   <p:clrMapOvr>
     <a:masterClrMapping/>
   </p:clrMapOvr>
+  <p:timing>
+    <p:tnLst>
+      <p:par>
+        <p:cTn id="1" dur="indefinite" restart="never" nodeType="tmRoot">
+          <p:childTnLst>
+            <p:seq concurrent="1" nextAc="seek">
+              <p:cTn id="2" dur="indefinite" nodeType="mainSeq">
+                <p:childTnLst>
+                  <p:par>
+                    <p:cTn id="3" fill="hold">
+                      <p:stCondLst>
+                        <p:cond delay="indefinite"/>
+                      </p:stCondLst>
+                      <p:childTnLst>
+                        <p:par>
+                          <p:cTn id="4" fill="hold">
+                            <p:stCondLst>
+                              <p:cond delay="0"/>
+                            </p:stCondLst>
+                            <p:childTnLst>
+                              <p:par>
+                                <p:cTn id="5" presetID="1" presetClass="entr" presetSubtype="0" fill="hold" nodeType="clickEffect">
+                                  <p:stCondLst>
+                                    <p:cond delay="0"/>
+                                  </p:stCondLst>
+                                  <p:childTnLst>
+                                    <p:set>
+                                      <p:cBhvr>
+                                        <p:cTn id="6" dur="1" fill="hold">
+                                          <p:stCondLst>
+                                            <p:cond delay="0"/>
+                                          </p:stCondLst>
+                                        </p:cTn>
+                                        <p:tgtEl>
+                                          <p:spTgt spid="3">
+                                            <p:txEl>
+                                              <p:pRg st="0" end="0"/>
+                                            </p:txEl>
+                                          </p:spTgt>
+                                        </p:tgtEl>
+                                        <p:attrNameLst>
+                                          <p:attrName>style.visibility</p:attrName>
+                                        </p:attrNameLst>
+                                      </p:cBhvr>
+                                      <p:to>
+                                        <p:strVal val="visible"/>
+                                      </p:to>
+                                    </p:set>
+                                  </p:childTnLst>
+                                </p:cTn>
+                              </p:par>
+                            </p:childTnLst>
+                          </p:cTn>
+                        </p:par>
+                      </p:childTnLst>
+                    </p:cTn>
+                  </p:par>
+                  <p:par>
+                    <p:cTn id="7" fill="hold">
+                      <p:stCondLst>
+                        <p:cond delay="indefinite"/>
+                      </p:stCondLst>
+                      <p:childTnLst>
+                        <p:par>
+                          <p:cTn id="8" fill="hold">
+                            <p:stCondLst>
+                              <p:cond delay="0"/>
+                            </p:stCondLst>
+                            <p:childTnLst>
+                              <p:par>
+                                <p:cTn id="9" presetID="1" presetClass="entr" presetSubtype="0" fill="hold" nodeType="clickEffect">
+                                  <p:stCondLst>
+                                    <p:cond delay="0"/>
+                                  </p:stCondLst>
+                                  <p:childTnLst>
+                                    <p:set>
+                                      <p:cBhvr>
+                                        <p:cTn id="10" dur="1" fill="hold">
+                                          <p:stCondLst>
+                                            <p:cond delay="0"/>
+                                          </p:stCondLst>
+                                        </p:cTn>
+                                        <p:tgtEl>
+                                          <p:spTgt spid="3">
+                                            <p:txEl>
+                                              <p:pRg st="1" end="1"/>
+                                            </p:txEl>
+                                          </p:spTgt>
+                                        </p:tgtEl>
+                                        <p:attrNameLst>
+                                          <p:attrName>style.visibility</p:attrName>
+                                        </p:attrNameLst>
+                                      </p:cBhvr>
+                                      <p:to>
+                                        <p:strVal val="visible"/>
+                                      </p:to>
+                                    </p:set>
+                                  </p:childTnLst>
+                                </p:cTn>
+                              </p:par>
+                            </p:childTnLst>
+                          </p:cTn>
+                        </p:par>
+                      </p:childTnLst>
+                    </p:cTn>
+                  </p:par>
+                  <p:par>
+                    <p:cTn id="11" fill="hold">
+                      <p:stCondLst>
+                        <p:cond delay="indefinite"/>
+                      </p:stCondLst>
+                      <p:childTnLst>
+                        <p:par>
+                          <p:cTn id="12" fill="hold">
+                            <p:stCondLst>
+                              <p:cond delay="0"/>
+                            </p:stCondLst>
+                            <p:childTnLst>
+                              <p:par>
+                                <p:cTn id="13" presetID="1" presetClass="entr" presetSubtype="0" fill="hold" nodeType="clickEffect">
+                                  <p:stCondLst>
+                                    <p:cond delay="0"/>
+                                  </p:stCondLst>
+                                  <p:childTnLst>
+                                    <p:set>
+                                      <p:cBhvr>
+                                        <p:cTn id="14" dur="1" fill="hold">
+                                          <p:stCondLst>
+                                            <p:cond delay="0"/>
+                                          </p:stCondLst>
+                                        </p:cTn>
+                                        <p:tgtEl>
+                                          <p:spTgt spid="3">
+                                            <p:txEl>
+                                              <p:pRg st="2" end="2"/>
+                                            </p:txEl>
+                                          </p:spTgt>
+                                        </p:tgtEl>
+                                        <p:attrNameLst>
+                                          <p:attrName>style.visibility</p:attrName>
+                                        </p:attrNameLst>
+                                      </p:cBhvr>
+                                      <p:to>
+                                        <p:strVal val="visible"/>
+                                      </p:to>
+                                    </p:set>
+                                  </p:childTnLst>
+                                </p:cTn>
+                              </p:par>
+                            </p:childTnLst>
+                          </p:cTn>
+                        </p:par>
+                      </p:childTnLst>
+                    </p:cTn>
+                  </p:par>
+                  <p:par>
+                    <p:cTn id="15" fill="hold">
+                      <p:stCondLst>
+                        <p:cond delay="indefinite"/>
+                      </p:stCondLst>
+                      <p:childTnLst>
+                        <p:par>
+                          <p:cTn id="16" fill="hold">
+                            <p:stCondLst>
+                              <p:cond delay="0"/>
+                            </p:stCondLst>
+                            <p:childTnLst>
+                              <p:par>
+                                <p:cTn id="17" presetID="1" presetClass="entr" presetSubtype="0" fill="hold" nodeType="clickEffect">
+                                  <p:stCondLst>
+                                    <p:cond delay="0"/>
+                                  </p:stCondLst>
+                                  <p:childTnLst>
+                                    <p:set>
+                                      <p:cBhvr>
+                                        <p:cTn id="18" dur="1" fill="hold">
+                                          <p:stCondLst>
+                                            <p:cond delay="0"/>
+                                          </p:stCondLst>
+                                        </p:cTn>
+                                        <p:tgtEl>
+                                          <p:spTgt spid="3">
+                                            <p:txEl>
+                                              <p:pRg st="3" end="3"/>
+                                            </p:txEl>
+                                          </p:spTgt>
+                                        </p:tgtEl>
+                                        <p:attrNameLst>
+                                          <p:attrName>style.visibility</p:attrName>
+                                        </p:attrNameLst>
+                                      </p:cBhvr>
+                                      <p:to>
+                                        <p:strVal val="visible"/>
+                                      </p:to>
+                                    </p:set>
+                                  </p:childTnLst>
+                                </p:cTn>
+                              </p:par>
+                            </p:childTnLst>
+                          </p:cTn>
+                        </p:par>
+                      </p:childTnLst>
+                    </p:cTn>
+                  </p:par>
+                  <p:par>
+                    <p:cTn id="19" fill="hold">
+                      <p:stCondLst>
+                        <p:cond delay="indefinite"/>
+                      </p:stCondLst>
+                      <p:childTnLst>
+                        <p:par>
+                          <p:cTn id="20" fill="hold">
+                            <p:stCondLst>
+                              <p:cond delay="0"/>
+                            </p:stCondLst>
+                            <p:childTnLst>
+                              <p:par>
+                                <p:cTn id="21" presetID="1" presetClass="entr" presetSubtype="0" fill="hold" nodeType="clickEffect">
+                                  <p:stCondLst>
+                                    <p:cond delay="0"/>
+                                  </p:stCondLst>
+                                  <p:childTnLst>
+                                    <p:set>
+                                      <p:cBhvr>
+                                        <p:cTn id="22" dur="1" fill="hold">
+                                          <p:stCondLst>
+                                            <p:cond delay="0"/>
+                                          </p:stCondLst>
+                                        </p:cTn>
+                                        <p:tgtEl>
+                                          <p:spTgt spid="3">
+                                            <p:txEl>
+                                              <p:pRg st="4" end="4"/>
+                                            </p:txEl>
+                                          </p:spTgt>
+                                        </p:tgtEl>
+                                        <p:attrNameLst>
+                                          <p:attrName>style.visibility</p:attrName>
+                                        </p:attrNameLst>
+                                      </p:cBhvr>
+                                      <p:to>
+                                        <p:strVal val="visible"/>
+                                      </p:to>
+                                    </p:set>
+                                  </p:childTnLst>
+                                </p:cTn>
+                              </p:par>
+                              <p:par>
+                                <p:cTn id="23" presetID="1" presetClass="entr" presetSubtype="0" fill="hold" nodeType="withEffect">
+                                  <p:stCondLst>
+                                    <p:cond delay="0"/>
+                                  </p:stCondLst>
+                                  <p:childTnLst>
+                                    <p:set>
+                                      <p:cBhvr>
+                                        <p:cTn id="24" dur="1" fill="hold">
+                                          <p:stCondLst>
+                                            <p:cond delay="0"/>
+                                          </p:stCondLst>
+                                        </p:cTn>
+                                        <p:tgtEl>
+                                          <p:spTgt spid="3">
+                                            <p:txEl>
+                                              <p:pRg st="5" end="5"/>
+                                            </p:txEl>
+                                          </p:spTgt>
+                                        </p:tgtEl>
+                                        <p:attrNameLst>
+                                          <p:attrName>style.visibility</p:attrName>
+                                        </p:attrNameLst>
+                                      </p:cBhvr>
+                                      <p:to>
+                                        <p:strVal val="visible"/>
+                                      </p:to>
+                                    </p:set>
+                                  </p:childTnLst>
+                                </p:cTn>
+                              </p:par>
+                              <p:par>
+                                <p:cTn id="25" presetID="1" presetClass="entr" presetSubtype="0" fill="hold" nodeType="withEffect">
+                                  <p:stCondLst>
+                                    <p:cond delay="0"/>
+                                  </p:stCondLst>
+                                  <p:childTnLst>
+                                    <p:set>
+                                      <p:cBhvr>
+                                        <p:cTn id="26" dur="1" fill="hold">
+                                          <p:stCondLst>
+                                            <p:cond delay="0"/>
+                                          </p:stCondLst>
+                                        </p:cTn>
+                                        <p:tgtEl>
+                                          <p:spTgt spid="3">
+                                            <p:txEl>
+                                              <p:pRg st="6" end="6"/>
+                                            </p:txEl>
+                                          </p:spTgt>
+                                        </p:tgtEl>
+                                        <p:attrNameLst>
+                                          <p:attrName>style.visibility</p:attrName>
+                                        </p:attrNameLst>
+                                      </p:cBhvr>
+                                      <p:to>
+                                        <p:strVal val="visible"/>
+                                      </p:to>
+                                    </p:set>
+                                  </p:childTnLst>
+                                </p:cTn>
+                              </p:par>
+                              <p:par>
+                                <p:cTn id="27" presetID="1" presetClass="entr" presetSubtype="0" fill="hold" nodeType="withEffect">
+                                  <p:stCondLst>
+                                    <p:cond delay="0"/>
+                                  </p:stCondLst>
+                                  <p:childTnLst>
+                                    <p:set>
+                                      <p:cBhvr>
+                                        <p:cTn id="28" dur="1" fill="hold">
+                                          <p:stCondLst>
+                                            <p:cond delay="0"/>
+                                          </p:stCondLst>
+                                        </p:cTn>
+                                        <p:tgtEl>
+                                          <p:spTgt spid="3">
+                                            <p:txEl>
+                                              <p:pRg st="7" end="7"/>
+                                            </p:txEl>
+                                          </p:spTgt>
+                                        </p:tgtEl>
+                                        <p:attrNameLst>
+                                          <p:attrName>style.visibility</p:attrName>
+                                        </p:attrNameLst>
+                                      </p:cBhvr>
+                                      <p:to>
+                                        <p:strVal val="visible"/>
+                                      </p:to>
+                                    </p:set>
+                                  </p:childTnLst>
+                                </p:cTn>
+                              </p:par>
+                            </p:childTnLst>
+                          </p:cTn>
+                        </p:par>
+                      </p:childTnLst>
+                    </p:cTn>
+                  </p:par>
+                  <p:par>
+                    <p:cTn id="29" fill="hold">
+                      <p:stCondLst>
+                        <p:cond delay="indefinite"/>
+                      </p:stCondLst>
+                      <p:childTnLst>
+                        <p:par>
+                          <p:cTn id="30" fill="hold">
+                            <p:stCondLst>
+                              <p:cond delay="0"/>
+                            </p:stCondLst>
+                            <p:childTnLst>
+                              <p:par>
+                                <p:cTn id="31" presetID="1" presetClass="entr" presetSubtype="0" fill="hold" grpId="0" nodeType="clickEffect">
+                                  <p:stCondLst>
+                                    <p:cond delay="0"/>
+                                  </p:stCondLst>
+                                  <p:childTnLst>
+                                    <p:set>
+                                      <p:cBhvr>
+                                        <p:cTn id="32" dur="1" fill="hold">
+                                          <p:stCondLst>
+                                            <p:cond delay="0"/>
+                                          </p:stCondLst>
+                                        </p:cTn>
+                                        <p:tgtEl>
+                                          <p:spTgt spid="9"/>
+                                        </p:tgtEl>
+                                        <p:attrNameLst>
+                                          <p:attrName>style.visibility</p:attrName>
+                                        </p:attrNameLst>
+                                      </p:cBhvr>
+                                      <p:to>
+                                        <p:strVal val="visible"/>
+                                      </p:to>
+                                    </p:set>
+                                  </p:childTnLst>
+                                </p:cTn>
+                              </p:par>
+                              <p:par>
+                                <p:cTn id="33" presetID="1" presetClass="entr" presetSubtype="0" fill="hold" nodeType="withEffect">
+                                  <p:stCondLst>
+                                    <p:cond delay="0"/>
+                                  </p:stCondLst>
+                                  <p:childTnLst>
+                                    <p:set>
+                                      <p:cBhvr>
+                                        <p:cTn id="34" dur="1" fill="hold">
+                                          <p:stCondLst>
+                                            <p:cond delay="0"/>
+                                          </p:stCondLst>
+                                        </p:cTn>
+                                        <p:tgtEl>
+                                          <p:spTgt spid="8"/>
+                                        </p:tgtEl>
+                                        <p:attrNameLst>
+                                          <p:attrName>style.visibility</p:attrName>
+                                        </p:attrNameLst>
+                                      </p:cBhvr>
+                                      <p:to>
+                                        <p:strVal val="visible"/>
+                                      </p:to>
+                                    </p:set>
+                                  </p:childTnLst>
+                                </p:cTn>
+                              </p:par>
+                            </p:childTnLst>
+                          </p:cTn>
+                        </p:par>
+                      </p:childTnLst>
+                    </p:cTn>
+                  </p:par>
+                </p:childTnLst>
+              </p:cTn>
+              <p:prevCondLst>
+                <p:cond evt="onPrev" delay="0">
+                  <p:tgtEl>
+                    <p:sldTgt/>
+                  </p:tgtEl>
+                </p:cond>
+              </p:prevCondLst>
+              <p:nextCondLst>
+                <p:cond evt="onNext" delay="0">
+                  <p:tgtEl>
+                    <p:sldTgt/>
+                  </p:tgtEl>
+                </p:cond>
+              </p:nextCondLst>
+            </p:seq>
+          </p:childTnLst>
+        </p:cTn>
+      </p:par>
+    </p:tnLst>
+    <p:bldLst>
+      <p:bldP spid="9" grpId="0"/>
+    </p:bldLst>
+  </p:timing>
 </p:sld>
 </file>
 
@@ -10184,12 +14045,6 @@
             <a:r>
               <a:rPr lang="en-US" dirty="0"/>
               <a:t> based on a probabilistic prior</a:t>
-            </a:r>
-          </a:p>
-          <a:p>
-            <a:r>
-              <a:rPr lang="en-US" dirty="0"/>
-              <a:t>Perform other feature selection methods</a:t>
             </a:r>
           </a:p>
           <a:p>
@@ -10845,7 +14700,7 @@
             </p:nvSpPr>
             <p:spPr>
               <a:blipFill>
-                <a:blip r:embed="rId2"/>
+                <a:blip r:embed="rId3"/>
                 <a:stretch>
                   <a:fillRect l="-1697" t="-1972"/>
                 </a:stretch>
@@ -11910,8 +15765,8 @@
           </a:p>
         </p:txBody>
       </p:sp>
-      <mc:AlternateContent xmlns:mc="http://schemas.openxmlformats.org/markup-compatibility/2006">
-        <mc:Choice xmlns:p14="http://schemas.microsoft.com/office/powerpoint/2010/main" Requires="p14">
+      <mc:AlternateContent xmlns:mc="http://schemas.openxmlformats.org/markup-compatibility/2006" xmlns:p14="http://schemas.microsoft.com/office/powerpoint/2010/main">
+        <mc:Choice Requires="p14">
           <p:contentPart p14:bwMode="auto" r:id="rId3">
             <p14:nvContentPartPr>
               <p14:cNvPr id="5" name="Ink 4">
@@ -11930,7 +15785,7 @@
             </p14:xfrm>
           </p:contentPart>
         </mc:Choice>
-        <mc:Fallback>
+        <mc:Fallback xmlns="">
           <p:pic>
             <p:nvPicPr>
               <p:cNvPr id="5" name="Ink 4">
@@ -11971,6 +15826,85 @@
   <p:clrMapOvr>
     <a:masterClrMapping/>
   </p:clrMapOvr>
+  <p:timing>
+    <p:tnLst>
+      <p:par>
+        <p:cTn id="1" dur="indefinite" restart="never" nodeType="tmRoot">
+          <p:childTnLst>
+            <p:seq concurrent="1" nextAc="seek">
+              <p:cTn id="2" dur="indefinite" nodeType="mainSeq">
+                <p:childTnLst>
+                  <p:par>
+                    <p:cTn id="3" fill="hold">
+                      <p:stCondLst>
+                        <p:cond delay="indefinite"/>
+                      </p:stCondLst>
+                      <p:childTnLst>
+                        <p:par>
+                          <p:cTn id="4" fill="hold">
+                            <p:stCondLst>
+                              <p:cond delay="0"/>
+                            </p:stCondLst>
+                            <p:childTnLst>
+                              <p:par>
+                                <p:cTn id="5" presetID="1" presetClass="entr" presetSubtype="0" fill="hold" nodeType="clickEffect">
+                                  <p:stCondLst>
+                                    <p:cond delay="0"/>
+                                  </p:stCondLst>
+                                  <p:childTnLst>
+                                    <p:set>
+                                      <p:cBhvr>
+                                        <p:cTn id="6" dur="1" fill="hold">
+                                          <p:stCondLst>
+                                            <p:cond delay="0"/>
+                                          </p:stCondLst>
+                                        </p:cTn>
+                                        <p:tgtEl>
+                                          <p:spTgt spid="3">
+                                            <p:txEl>
+                                              <p:pRg st="1" end="1"/>
+                                            </p:txEl>
+                                          </p:spTgt>
+                                        </p:tgtEl>
+                                        <p:attrNameLst>
+                                          <p:attrName>style.visibility</p:attrName>
+                                        </p:attrNameLst>
+                                      </p:cBhvr>
+                                      <p:to>
+                                        <p:strVal val="visible"/>
+                                      </p:to>
+                                    </p:set>
+                                  </p:childTnLst>
+                                </p:cTn>
+                              </p:par>
+                            </p:childTnLst>
+                          </p:cTn>
+                        </p:par>
+                      </p:childTnLst>
+                    </p:cTn>
+                  </p:par>
+                </p:childTnLst>
+              </p:cTn>
+              <p:prevCondLst>
+                <p:cond evt="onPrev" delay="0">
+                  <p:tgtEl>
+                    <p:sldTgt/>
+                  </p:tgtEl>
+                </p:cond>
+              </p:prevCondLst>
+              <p:nextCondLst>
+                <p:cond evt="onNext" delay="0">
+                  <p:tgtEl>
+                    <p:sldTgt/>
+                  </p:tgtEl>
+                </p:cond>
+              </p:nextCondLst>
+            </p:seq>
+          </p:childTnLst>
+        </p:cTn>
+      </p:par>
+    </p:tnLst>
+  </p:timing>
 </p:sld>
 </file>
 
@@ -12098,7 +16032,23 @@
             <a:pPr lvl="1"/>
             <a:r>
               <a:rPr lang="en-US" dirty="0"/>
-              <a:t>Several coefficients are zero</a:t>
+              <a:t>Several </a:t>
+            </a:r>
+            <a:r>
+              <a:rPr lang="en-US" dirty="0">
+                <a:solidFill>
+                  <a:srgbClr val="FF0000"/>
+                </a:solidFill>
+              </a:rPr>
+              <a:t>coefficients </a:t>
+            </a:r>
+            <a:r>
+              <a:rPr lang="en-US" b="1" dirty="0">
+                <a:solidFill>
+                  <a:srgbClr val="FF0000"/>
+                </a:solidFill>
+              </a:rPr>
+              <a:t>are zero</a:t>
             </a:r>
           </a:p>
           <a:p>
@@ -12186,6 +16136,400 @@
   <p:clrMapOvr>
     <a:masterClrMapping/>
   </p:clrMapOvr>
+  <p:timing>
+    <p:tnLst>
+      <p:par>
+        <p:cTn id="1" dur="indefinite" restart="never" nodeType="tmRoot">
+          <p:childTnLst>
+            <p:seq concurrent="1" nextAc="seek">
+              <p:cTn id="2" dur="indefinite" nodeType="mainSeq">
+                <p:childTnLst>
+                  <p:par>
+                    <p:cTn id="3" fill="hold">
+                      <p:stCondLst>
+                        <p:cond delay="indefinite"/>
+                      </p:stCondLst>
+                      <p:childTnLst>
+                        <p:par>
+                          <p:cTn id="4" fill="hold">
+                            <p:stCondLst>
+                              <p:cond delay="0"/>
+                            </p:stCondLst>
+                            <p:childTnLst>
+                              <p:par>
+                                <p:cTn id="5" presetID="1" presetClass="entr" presetSubtype="0" fill="hold" nodeType="clickEffect">
+                                  <p:stCondLst>
+                                    <p:cond delay="0"/>
+                                  </p:stCondLst>
+                                  <p:childTnLst>
+                                    <p:set>
+                                      <p:cBhvr>
+                                        <p:cTn id="6" dur="1" fill="hold">
+                                          <p:stCondLst>
+                                            <p:cond delay="0"/>
+                                          </p:stCondLst>
+                                        </p:cTn>
+                                        <p:tgtEl>
+                                          <p:spTgt spid="3">
+                                            <p:txEl>
+                                              <p:pRg st="0" end="0"/>
+                                            </p:txEl>
+                                          </p:spTgt>
+                                        </p:tgtEl>
+                                        <p:attrNameLst>
+                                          <p:attrName>style.visibility</p:attrName>
+                                        </p:attrNameLst>
+                                      </p:cBhvr>
+                                      <p:to>
+                                        <p:strVal val="visible"/>
+                                      </p:to>
+                                    </p:set>
+                                  </p:childTnLst>
+                                </p:cTn>
+                              </p:par>
+                              <p:par>
+                                <p:cTn id="7" presetID="1" presetClass="entr" presetSubtype="0" fill="hold" nodeType="withEffect">
+                                  <p:stCondLst>
+                                    <p:cond delay="0"/>
+                                  </p:stCondLst>
+                                  <p:childTnLst>
+                                    <p:set>
+                                      <p:cBhvr>
+                                        <p:cTn id="8" dur="1" fill="hold">
+                                          <p:stCondLst>
+                                            <p:cond delay="0"/>
+                                          </p:stCondLst>
+                                        </p:cTn>
+                                        <p:tgtEl>
+                                          <p:spTgt spid="3">
+                                            <p:txEl>
+                                              <p:pRg st="1" end="1"/>
+                                            </p:txEl>
+                                          </p:spTgt>
+                                        </p:tgtEl>
+                                        <p:attrNameLst>
+                                          <p:attrName>style.visibility</p:attrName>
+                                        </p:attrNameLst>
+                                      </p:cBhvr>
+                                      <p:to>
+                                        <p:strVal val="visible"/>
+                                      </p:to>
+                                    </p:set>
+                                  </p:childTnLst>
+                                </p:cTn>
+                              </p:par>
+                              <p:par>
+                                <p:cTn id="9" presetID="1" presetClass="entr" presetSubtype="0" fill="hold" nodeType="withEffect">
+                                  <p:stCondLst>
+                                    <p:cond delay="0"/>
+                                  </p:stCondLst>
+                                  <p:childTnLst>
+                                    <p:set>
+                                      <p:cBhvr>
+                                        <p:cTn id="10" dur="1" fill="hold">
+                                          <p:stCondLst>
+                                            <p:cond delay="0"/>
+                                          </p:stCondLst>
+                                        </p:cTn>
+                                        <p:tgtEl>
+                                          <p:spTgt spid="3">
+                                            <p:txEl>
+                                              <p:pRg st="2" end="2"/>
+                                            </p:txEl>
+                                          </p:spTgt>
+                                        </p:tgtEl>
+                                        <p:attrNameLst>
+                                          <p:attrName>style.visibility</p:attrName>
+                                        </p:attrNameLst>
+                                      </p:cBhvr>
+                                      <p:to>
+                                        <p:strVal val="visible"/>
+                                      </p:to>
+                                    </p:set>
+                                  </p:childTnLst>
+                                </p:cTn>
+                              </p:par>
+                            </p:childTnLst>
+                          </p:cTn>
+                        </p:par>
+                      </p:childTnLst>
+                    </p:cTn>
+                  </p:par>
+                  <p:par>
+                    <p:cTn id="11" fill="hold">
+                      <p:stCondLst>
+                        <p:cond delay="indefinite"/>
+                      </p:stCondLst>
+                      <p:childTnLst>
+                        <p:par>
+                          <p:cTn id="12" fill="hold">
+                            <p:stCondLst>
+                              <p:cond delay="0"/>
+                            </p:stCondLst>
+                            <p:childTnLst>
+                              <p:par>
+                                <p:cTn id="13" presetID="1" presetClass="entr" presetSubtype="0" fill="hold" nodeType="clickEffect">
+                                  <p:stCondLst>
+                                    <p:cond delay="0"/>
+                                  </p:stCondLst>
+                                  <p:childTnLst>
+                                    <p:set>
+                                      <p:cBhvr>
+                                        <p:cTn id="14" dur="1" fill="hold">
+                                          <p:stCondLst>
+                                            <p:cond delay="0"/>
+                                          </p:stCondLst>
+                                        </p:cTn>
+                                        <p:tgtEl>
+                                          <p:spTgt spid="3">
+                                            <p:txEl>
+                                              <p:pRg st="3" end="3"/>
+                                            </p:txEl>
+                                          </p:spTgt>
+                                        </p:tgtEl>
+                                        <p:attrNameLst>
+                                          <p:attrName>style.visibility</p:attrName>
+                                        </p:attrNameLst>
+                                      </p:cBhvr>
+                                      <p:to>
+                                        <p:strVal val="visible"/>
+                                      </p:to>
+                                    </p:set>
+                                  </p:childTnLst>
+                                </p:cTn>
+                              </p:par>
+                              <p:par>
+                                <p:cTn id="15" presetID="1" presetClass="entr" presetSubtype="0" fill="hold" nodeType="withEffect">
+                                  <p:stCondLst>
+                                    <p:cond delay="0"/>
+                                  </p:stCondLst>
+                                  <p:childTnLst>
+                                    <p:set>
+                                      <p:cBhvr>
+                                        <p:cTn id="16" dur="1" fill="hold">
+                                          <p:stCondLst>
+                                            <p:cond delay="0"/>
+                                          </p:stCondLst>
+                                        </p:cTn>
+                                        <p:tgtEl>
+                                          <p:spTgt spid="3">
+                                            <p:txEl>
+                                              <p:pRg st="4" end="4"/>
+                                            </p:txEl>
+                                          </p:spTgt>
+                                        </p:tgtEl>
+                                        <p:attrNameLst>
+                                          <p:attrName>style.visibility</p:attrName>
+                                        </p:attrNameLst>
+                                      </p:cBhvr>
+                                      <p:to>
+                                        <p:strVal val="visible"/>
+                                      </p:to>
+                                    </p:set>
+                                  </p:childTnLst>
+                                </p:cTn>
+                              </p:par>
+                              <p:par>
+                                <p:cTn id="17" presetID="1" presetClass="entr" presetSubtype="0" fill="hold" nodeType="withEffect">
+                                  <p:stCondLst>
+                                    <p:cond delay="0"/>
+                                  </p:stCondLst>
+                                  <p:childTnLst>
+                                    <p:set>
+                                      <p:cBhvr>
+                                        <p:cTn id="18" dur="1" fill="hold">
+                                          <p:stCondLst>
+                                            <p:cond delay="0"/>
+                                          </p:stCondLst>
+                                        </p:cTn>
+                                        <p:tgtEl>
+                                          <p:spTgt spid="3">
+                                            <p:txEl>
+                                              <p:pRg st="5" end="5"/>
+                                            </p:txEl>
+                                          </p:spTgt>
+                                        </p:tgtEl>
+                                        <p:attrNameLst>
+                                          <p:attrName>style.visibility</p:attrName>
+                                        </p:attrNameLst>
+                                      </p:cBhvr>
+                                      <p:to>
+                                        <p:strVal val="visible"/>
+                                      </p:to>
+                                    </p:set>
+                                  </p:childTnLst>
+                                </p:cTn>
+                              </p:par>
+                            </p:childTnLst>
+                          </p:cTn>
+                        </p:par>
+                      </p:childTnLst>
+                    </p:cTn>
+                  </p:par>
+                  <p:par>
+                    <p:cTn id="19" fill="hold">
+                      <p:stCondLst>
+                        <p:cond delay="indefinite"/>
+                      </p:stCondLst>
+                      <p:childTnLst>
+                        <p:par>
+                          <p:cTn id="20" fill="hold">
+                            <p:stCondLst>
+                              <p:cond delay="0"/>
+                            </p:stCondLst>
+                            <p:childTnLst>
+                              <p:par>
+                                <p:cTn id="21" presetID="1" presetClass="entr" presetSubtype="0" fill="hold" nodeType="clickEffect">
+                                  <p:stCondLst>
+                                    <p:cond delay="0"/>
+                                  </p:stCondLst>
+                                  <p:childTnLst>
+                                    <p:set>
+                                      <p:cBhvr>
+                                        <p:cTn id="22" dur="1" fill="hold">
+                                          <p:stCondLst>
+                                            <p:cond delay="0"/>
+                                          </p:stCondLst>
+                                        </p:cTn>
+                                        <p:tgtEl>
+                                          <p:spTgt spid="3">
+                                            <p:txEl>
+                                              <p:pRg st="6" end="6"/>
+                                            </p:txEl>
+                                          </p:spTgt>
+                                        </p:tgtEl>
+                                        <p:attrNameLst>
+                                          <p:attrName>style.visibility</p:attrName>
+                                        </p:attrNameLst>
+                                      </p:cBhvr>
+                                      <p:to>
+                                        <p:strVal val="visible"/>
+                                      </p:to>
+                                    </p:set>
+                                  </p:childTnLst>
+                                </p:cTn>
+                              </p:par>
+                              <p:par>
+                                <p:cTn id="23" presetID="1" presetClass="entr" presetSubtype="0" fill="hold" nodeType="withEffect">
+                                  <p:stCondLst>
+                                    <p:cond delay="0"/>
+                                  </p:stCondLst>
+                                  <p:childTnLst>
+                                    <p:set>
+                                      <p:cBhvr>
+                                        <p:cTn id="24" dur="1" fill="hold">
+                                          <p:stCondLst>
+                                            <p:cond delay="0"/>
+                                          </p:stCondLst>
+                                        </p:cTn>
+                                        <p:tgtEl>
+                                          <p:spTgt spid="3">
+                                            <p:txEl>
+                                              <p:pRg st="7" end="7"/>
+                                            </p:txEl>
+                                          </p:spTgt>
+                                        </p:tgtEl>
+                                        <p:attrNameLst>
+                                          <p:attrName>style.visibility</p:attrName>
+                                        </p:attrNameLst>
+                                      </p:cBhvr>
+                                      <p:to>
+                                        <p:strVal val="visible"/>
+                                      </p:to>
+                                    </p:set>
+                                  </p:childTnLst>
+                                </p:cTn>
+                              </p:par>
+                              <p:par>
+                                <p:cTn id="25" presetID="1" presetClass="entr" presetSubtype="0" fill="hold" nodeType="withEffect">
+                                  <p:stCondLst>
+                                    <p:cond delay="0"/>
+                                  </p:stCondLst>
+                                  <p:childTnLst>
+                                    <p:set>
+                                      <p:cBhvr>
+                                        <p:cTn id="26" dur="1" fill="hold">
+                                          <p:stCondLst>
+                                            <p:cond delay="0"/>
+                                          </p:stCondLst>
+                                        </p:cTn>
+                                        <p:tgtEl>
+                                          <p:spTgt spid="3">
+                                            <p:txEl>
+                                              <p:pRg st="8" end="8"/>
+                                            </p:txEl>
+                                          </p:spTgt>
+                                        </p:tgtEl>
+                                        <p:attrNameLst>
+                                          <p:attrName>style.visibility</p:attrName>
+                                        </p:attrNameLst>
+                                      </p:cBhvr>
+                                      <p:to>
+                                        <p:strVal val="visible"/>
+                                      </p:to>
+                                    </p:set>
+                                  </p:childTnLst>
+                                </p:cTn>
+                              </p:par>
+                              <p:par>
+                                <p:cTn id="27" presetID="1" presetClass="entr" presetSubtype="0" fill="hold" nodeType="withEffect">
+                                  <p:stCondLst>
+                                    <p:cond delay="0"/>
+                                  </p:stCondLst>
+                                  <p:childTnLst>
+                                    <p:set>
+                                      <p:cBhvr>
+                                        <p:cTn id="28" dur="1" fill="hold">
+                                          <p:stCondLst>
+                                            <p:cond delay="0"/>
+                                          </p:stCondLst>
+                                        </p:cTn>
+                                        <p:tgtEl>
+                                          <p:spTgt spid="3">
+                                            <p:txEl>
+                                              <p:pRg st="9" end="9"/>
+                                            </p:txEl>
+                                          </p:spTgt>
+                                        </p:tgtEl>
+                                        <p:attrNameLst>
+                                          <p:attrName>style.visibility</p:attrName>
+                                        </p:attrNameLst>
+                                      </p:cBhvr>
+                                      <p:to>
+                                        <p:strVal val="visible"/>
+                                      </p:to>
+                                    </p:set>
+                                  </p:childTnLst>
+                                </p:cTn>
+                              </p:par>
+                            </p:childTnLst>
+                          </p:cTn>
+                        </p:par>
+                      </p:childTnLst>
+                    </p:cTn>
+                  </p:par>
+                </p:childTnLst>
+              </p:cTn>
+              <p:prevCondLst>
+                <p:cond evt="onPrev" delay="0">
+                  <p:tgtEl>
+                    <p:sldTgt/>
+                  </p:tgtEl>
+                </p:cond>
+              </p:prevCondLst>
+              <p:nextCondLst>
+                <p:cond evt="onNext" delay="0">
+                  <p:tgtEl>
+                    <p:sldTgt/>
+                  </p:tgtEl>
+                </p:cond>
+              </p:nextCondLst>
+            </p:seq>
+          </p:childTnLst>
+        </p:cTn>
+      </p:par>
+    </p:tnLst>
+  </p:timing>
 </p:sld>
 </file>
 
@@ -14019,8 +18363,8 @@
           </a:p>
         </p:txBody>
       </p:sp>
-      <mc:AlternateContent xmlns:mc="http://schemas.openxmlformats.org/markup-compatibility/2006" xmlns:a14="http://schemas.microsoft.com/office/drawing/2010/main">
-        <mc:Choice Requires="a14">
+      <mc:AlternateContent xmlns:mc="http://schemas.openxmlformats.org/markup-compatibility/2006">
+        <mc:Choice xmlns:a14="http://schemas.microsoft.com/office/drawing/2010/main" Requires="a14">
           <p:sp>
             <p:nvSpPr>
               <p:cNvPr id="3" name="Content Placeholder 2">
@@ -14492,7 +18836,19 @@
                 </a14:m>
                 <a:r>
                   <a:rPr lang="en-US" dirty="0"/>
-                  <a:t> is not continuous, there is no closed-form solution.</a:t>
+                  <a:t> is not </a:t>
+                </a:r>
+                <a:r>
+                  <a:rPr lang="en-US" dirty="0">
+                    <a:solidFill>
+                      <a:srgbClr val="FF0000"/>
+                    </a:solidFill>
+                  </a:rPr>
+                  <a:t>continuous</a:t>
+                </a:r>
+                <a:r>
+                  <a:rPr lang="en-US" dirty="0"/>
+                  <a:t>, there is no closed-form solution.</a:t>
                 </a:r>
               </a:p>
               <a:p>
@@ -14535,7 +18891,7 @@
             </p:txBody>
           </p:sp>
         </mc:Choice>
-        <mc:Fallback xmlns="">
+        <mc:Fallback>
           <p:sp>
             <p:nvSpPr>
               <p:cNvPr id="3" name="Content Placeholder 2">
@@ -14556,7 +18912,7 @@
               <a:blipFill>
                 <a:blip r:embed="rId2"/>
                 <a:stretch>
-                  <a:fillRect l="-1261" t="-18421"/>
+                  <a:fillRect l="-1455" t="-1549"/>
                 </a:stretch>
               </a:blipFill>
             </p:spPr>
@@ -14819,7 +19175,7 @@
             </p:nvSpPr>
             <p:spPr>
               <a:blipFill>
-                <a:blip r:embed="rId2"/>
+                <a:blip r:embed="rId3"/>
                 <a:stretch>
                   <a:fillRect l="-1455" t="-1549"/>
                 </a:stretch>
@@ -14879,6 +19235,245 @@
   <p:clrMapOvr>
     <a:masterClrMapping/>
   </p:clrMapOvr>
+  <p:timing>
+    <p:tnLst>
+      <p:par>
+        <p:cTn id="1" dur="indefinite" restart="never" nodeType="tmRoot">
+          <p:childTnLst>
+            <p:seq concurrent="1" nextAc="seek">
+              <p:cTn id="2" dur="indefinite" nodeType="mainSeq">
+                <p:childTnLst>
+                  <p:par>
+                    <p:cTn id="3" fill="hold">
+                      <p:stCondLst>
+                        <p:cond delay="indefinite"/>
+                      </p:stCondLst>
+                      <p:childTnLst>
+                        <p:par>
+                          <p:cTn id="4" fill="hold">
+                            <p:stCondLst>
+                              <p:cond delay="0"/>
+                            </p:stCondLst>
+                            <p:childTnLst>
+                              <p:par>
+                                <p:cTn id="5" presetID="1" presetClass="entr" presetSubtype="0" fill="hold" nodeType="clickEffect">
+                                  <p:stCondLst>
+                                    <p:cond delay="0"/>
+                                  </p:stCondLst>
+                                  <p:childTnLst>
+                                    <p:set>
+                                      <p:cBhvr>
+                                        <p:cTn id="6" dur="1" fill="hold">
+                                          <p:stCondLst>
+                                            <p:cond delay="0"/>
+                                          </p:stCondLst>
+                                        </p:cTn>
+                                        <p:tgtEl>
+                                          <p:spTgt spid="3">
+                                            <p:txEl>
+                                              <p:pRg st="0" end="0"/>
+                                            </p:txEl>
+                                          </p:spTgt>
+                                        </p:tgtEl>
+                                        <p:attrNameLst>
+                                          <p:attrName>style.visibility</p:attrName>
+                                        </p:attrNameLst>
+                                      </p:cBhvr>
+                                      <p:to>
+                                        <p:strVal val="visible"/>
+                                      </p:to>
+                                    </p:set>
+                                  </p:childTnLst>
+                                </p:cTn>
+                              </p:par>
+                              <p:par>
+                                <p:cTn id="7" presetID="1" presetClass="entr" presetSubtype="0" fill="hold" nodeType="withEffect">
+                                  <p:stCondLst>
+                                    <p:cond delay="0"/>
+                                  </p:stCondLst>
+                                  <p:childTnLst>
+                                    <p:set>
+                                      <p:cBhvr>
+                                        <p:cTn id="8" dur="1" fill="hold">
+                                          <p:stCondLst>
+                                            <p:cond delay="0"/>
+                                          </p:stCondLst>
+                                        </p:cTn>
+                                        <p:tgtEl>
+                                          <p:spTgt spid="3">
+                                            <p:txEl>
+                                              <p:pRg st="1" end="1"/>
+                                            </p:txEl>
+                                          </p:spTgt>
+                                        </p:tgtEl>
+                                        <p:attrNameLst>
+                                          <p:attrName>style.visibility</p:attrName>
+                                        </p:attrNameLst>
+                                      </p:cBhvr>
+                                      <p:to>
+                                        <p:strVal val="visible"/>
+                                      </p:to>
+                                    </p:set>
+                                  </p:childTnLst>
+                                </p:cTn>
+                              </p:par>
+                              <p:par>
+                                <p:cTn id="9" presetID="1" presetClass="entr" presetSubtype="0" fill="hold" nodeType="withEffect">
+                                  <p:stCondLst>
+                                    <p:cond delay="0"/>
+                                  </p:stCondLst>
+                                  <p:childTnLst>
+                                    <p:set>
+                                      <p:cBhvr>
+                                        <p:cTn id="10" dur="1" fill="hold">
+                                          <p:stCondLst>
+                                            <p:cond delay="0"/>
+                                          </p:stCondLst>
+                                        </p:cTn>
+                                        <p:tgtEl>
+                                          <p:spTgt spid="3">
+                                            <p:txEl>
+                                              <p:pRg st="2" end="2"/>
+                                            </p:txEl>
+                                          </p:spTgt>
+                                        </p:tgtEl>
+                                        <p:attrNameLst>
+                                          <p:attrName>style.visibility</p:attrName>
+                                        </p:attrNameLst>
+                                      </p:cBhvr>
+                                      <p:to>
+                                        <p:strVal val="visible"/>
+                                      </p:to>
+                                    </p:set>
+                                  </p:childTnLst>
+                                </p:cTn>
+                              </p:par>
+                            </p:childTnLst>
+                          </p:cTn>
+                        </p:par>
+                      </p:childTnLst>
+                    </p:cTn>
+                  </p:par>
+                  <p:par>
+                    <p:cTn id="11" fill="hold">
+                      <p:stCondLst>
+                        <p:cond delay="indefinite"/>
+                      </p:stCondLst>
+                      <p:childTnLst>
+                        <p:par>
+                          <p:cTn id="12" fill="hold">
+                            <p:stCondLst>
+                              <p:cond delay="0"/>
+                            </p:stCondLst>
+                            <p:childTnLst>
+                              <p:par>
+                                <p:cTn id="13" presetID="1" presetClass="entr" presetSubtype="0" fill="hold" nodeType="clickEffect">
+                                  <p:stCondLst>
+                                    <p:cond delay="0"/>
+                                  </p:stCondLst>
+                                  <p:childTnLst>
+                                    <p:set>
+                                      <p:cBhvr>
+                                        <p:cTn id="14" dur="1" fill="hold">
+                                          <p:stCondLst>
+                                            <p:cond delay="0"/>
+                                          </p:stCondLst>
+                                        </p:cTn>
+                                        <p:tgtEl>
+                                          <p:spTgt spid="3">
+                                            <p:txEl>
+                                              <p:pRg st="3" end="3"/>
+                                            </p:txEl>
+                                          </p:spTgt>
+                                        </p:tgtEl>
+                                        <p:attrNameLst>
+                                          <p:attrName>style.visibility</p:attrName>
+                                        </p:attrNameLst>
+                                      </p:cBhvr>
+                                      <p:to>
+                                        <p:strVal val="visible"/>
+                                      </p:to>
+                                    </p:set>
+                                  </p:childTnLst>
+                                </p:cTn>
+                              </p:par>
+                            </p:childTnLst>
+                          </p:cTn>
+                        </p:par>
+                      </p:childTnLst>
+                    </p:cTn>
+                  </p:par>
+                  <p:par>
+                    <p:cTn id="15" fill="hold">
+                      <p:stCondLst>
+                        <p:cond delay="indefinite"/>
+                      </p:stCondLst>
+                      <p:childTnLst>
+                        <p:par>
+                          <p:cTn id="16" fill="hold">
+                            <p:stCondLst>
+                              <p:cond delay="0"/>
+                            </p:stCondLst>
+                            <p:childTnLst>
+                              <p:par>
+                                <p:cTn id="17" presetID="1" presetClass="entr" presetSubtype="0" fill="hold" nodeType="clickEffect">
+                                  <p:stCondLst>
+                                    <p:cond delay="0"/>
+                                  </p:stCondLst>
+                                  <p:childTnLst>
+                                    <p:set>
+                                      <p:cBhvr>
+                                        <p:cTn id="18" dur="1" fill="hold">
+                                          <p:stCondLst>
+                                            <p:cond delay="0"/>
+                                          </p:stCondLst>
+                                        </p:cTn>
+                                        <p:tgtEl>
+                                          <p:spTgt spid="3">
+                                            <p:txEl>
+                                              <p:pRg st="4" end="4"/>
+                                            </p:txEl>
+                                          </p:spTgt>
+                                        </p:tgtEl>
+                                        <p:attrNameLst>
+                                          <p:attrName>style.visibility</p:attrName>
+                                        </p:attrNameLst>
+                                      </p:cBhvr>
+                                      <p:to>
+                                        <p:strVal val="visible"/>
+                                      </p:to>
+                                    </p:set>
+                                  </p:childTnLst>
+                                </p:cTn>
+                              </p:par>
+                            </p:childTnLst>
+                          </p:cTn>
+                        </p:par>
+                      </p:childTnLst>
+                    </p:cTn>
+                  </p:par>
+                </p:childTnLst>
+              </p:cTn>
+              <p:prevCondLst>
+                <p:cond evt="onPrev" delay="0">
+                  <p:tgtEl>
+                    <p:sldTgt/>
+                  </p:tgtEl>
+                </p:cond>
+              </p:prevCondLst>
+              <p:nextCondLst>
+                <p:cond evt="onNext" delay="0">
+                  <p:tgtEl>
+                    <p:sldTgt/>
+                  </p:tgtEl>
+                </p:cond>
+              </p:nextCondLst>
+            </p:seq>
+          </p:childTnLst>
+        </p:cTn>
+      </p:par>
+    </p:tnLst>
+  </p:timing>
 </p:sld>
 </file>
 
@@ -15047,7 +19642,7 @@
                 <a:ext cx="4900564" cy="4329817"/>
               </a:xfrm>
               <a:blipFill>
-                <a:blip r:embed="rId2"/>
+                <a:blip r:embed="rId3"/>
                 <a:stretch>
                   <a:fillRect l="-2584" t="-1462"/>
                 </a:stretch>
@@ -15112,7 +19707,7 @@
           <p:nvPr/>
         </p:nvPicPr>
         <p:blipFill>
-          <a:blip r:embed="rId3"/>
+          <a:blip r:embed="rId4"/>
           <a:stretch>
             <a:fillRect/>
           </a:stretch>
@@ -15142,7 +19737,7 @@
           <p:nvPr/>
         </p:nvPicPr>
         <p:blipFill>
-          <a:blip r:embed="rId4"/>
+          <a:blip r:embed="rId5"/>
           <a:stretch>
             <a:fillRect/>
           </a:stretch>
@@ -16816,8 +21411,8 @@
           </a:p>
         </p:txBody>
       </p:sp>
-      <mc:AlternateContent xmlns:mc="http://schemas.openxmlformats.org/markup-compatibility/2006" xmlns:a14="http://schemas.microsoft.com/office/drawing/2010/main">
-        <mc:Choice Requires="a14">
+      <mc:AlternateContent xmlns:mc="http://schemas.openxmlformats.org/markup-compatibility/2006">
+        <mc:Choice xmlns:a14="http://schemas.microsoft.com/office/drawing/2010/main" Requires="a14">
           <p:sp>
             <p:nvSpPr>
               <p:cNvPr id="3" name="Content Placeholder 2">
@@ -17105,13 +21700,13 @@
                                     <m:t>𝐴</m:t>
                                   </m:r>
                                   <m:r>
-                                    <a:rPr lang="en-US" i="1">
+                                    <a:rPr lang="en-US" b="1" i="1" smtClean="0">
                                       <a:latin typeface="Cambria Math" panose="02040503050406030204" pitchFamily="18" charset="0"/>
                                     </a:rPr>
-                                    <m:t>,</m:t>
+                                    <m:t>;</m:t>
                                   </m:r>
                                   <m:r>
-                                    <a:rPr lang="en-US" b="1" i="1">
+                                    <a:rPr lang="en-US" b="1" i="1" smtClean="0">
                                       <a:latin typeface="Cambria Math" panose="02040503050406030204" pitchFamily="18" charset="0"/>
                                     </a:rPr>
                                     <m:t>𝜷</m:t>
@@ -17260,10 +21855,10 @@
                                             <m:t>𝐴</m:t>
                                           </m:r>
                                           <m:r>
-                                            <a:rPr lang="en-US" i="1">
+                                            <a:rPr lang="en-US" b="1" i="1" smtClean="0">
                                               <a:latin typeface="Cambria Math" panose="02040503050406030204" pitchFamily="18" charset="0"/>
                                             </a:rPr>
-                                            <m:t>,</m:t>
+                                            <m:t>;</m:t>
                                           </m:r>
                                           <m:r>
                                             <a:rPr lang="en-US" b="1" i="1">
@@ -17349,10 +21944,10 @@
                               <m:t>𝐴</m:t>
                             </m:r>
                             <m:r>
-                              <a:rPr lang="en-US" i="1">
+                              <a:rPr lang="en-US" b="1" i="1" smtClean="0">
                                 <a:latin typeface="Cambria Math" panose="02040503050406030204" pitchFamily="18" charset="0"/>
                               </a:rPr>
-                              <m:t>,</m:t>
+                              <m:t>;</m:t>
                             </m:r>
                             <m:r>
                               <a:rPr lang="en-US" b="1" i="1">
@@ -17800,7 +22395,7 @@
             </p:txBody>
           </p:sp>
         </mc:Choice>
-        <mc:Fallback xmlns="">
+        <mc:Fallback>
           <p:sp>
             <p:nvSpPr>
               <p:cNvPr id="3" name="Content Placeholder 2">
@@ -17819,9 +22414,9 @@
             </p:nvSpPr>
             <p:spPr>
               <a:blipFill>
-                <a:blip r:embed="rId2"/>
+                <a:blip r:embed="rId3"/>
                 <a:stretch>
-                  <a:fillRect l="-1261" t="-1462"/>
+                  <a:fillRect l="-1455" t="-1549"/>
                 </a:stretch>
               </a:blipFill>
             </p:spPr>
@@ -18770,7 +23365,7 @@
             </p:nvSpPr>
             <p:spPr>
               <a:blipFill>
-                <a:blip r:embed="rId2"/>
+                <a:blip r:embed="rId3"/>
                 <a:stretch>
                   <a:fillRect l="-1261" t="-1462"/>
                 </a:stretch>
@@ -22300,7 +26895,7 @@
             </p:nvSpPr>
             <p:spPr>
               <a:blipFill>
-                <a:blip r:embed="rId2"/>
+                <a:blip r:embed="rId3"/>
                 <a:stretch>
                   <a:fillRect l="-1261" t="-1462"/>
                 </a:stretch>
@@ -23057,1085 +27652,6 @@
           <p:cNvPr id="2" name="Title 1">
             <a:extLst>
               <a:ext uri="{FF2B5EF4-FFF2-40B4-BE49-F238E27FC236}">
-                <a16:creationId xmlns:a16="http://schemas.microsoft.com/office/drawing/2014/main" id="{E56EF360-2D70-DD49-97AB-6F4D5518D231}"/>
-              </a:ext>
-            </a:extLst>
-          </p:cNvPr>
-          <p:cNvSpPr>
-            <a:spLocks noGrp="1"/>
-          </p:cNvSpPr>
-          <p:nvPr>
-            <p:ph type="title"/>
-          </p:nvPr>
-        </p:nvSpPr>
-        <p:spPr/>
-        <p:txBody>
-          <a:bodyPr/>
-          <a:lstStyle/>
-          <a:p>
-            <a:r>
-              <a:rPr lang="en-US" dirty="0"/>
-              <a:t>Filtering method</a:t>
-            </a:r>
-          </a:p>
-        </p:txBody>
-      </p:sp>
-      <p:sp>
-        <p:nvSpPr>
-          <p:cNvPr id="3" name="Content Placeholder 2">
-            <a:extLst>
-              <a:ext uri="{FF2B5EF4-FFF2-40B4-BE49-F238E27FC236}">
-                <a16:creationId xmlns:a16="http://schemas.microsoft.com/office/drawing/2014/main" id="{DC50A81B-A384-F841-8B14-D866CB586446}"/>
-              </a:ext>
-            </a:extLst>
-          </p:cNvPr>
-          <p:cNvSpPr>
-            <a:spLocks noGrp="1"/>
-          </p:cNvSpPr>
-          <p:nvPr>
-            <p:ph idx="1"/>
-          </p:nvPr>
-        </p:nvSpPr>
-        <p:spPr/>
-        <p:txBody>
-          <a:bodyPr>
-            <a:normAutofit/>
-          </a:bodyPr>
-          <a:lstStyle/>
-          <a:p>
-            <a:r>
-              <a:rPr lang="en-US" sz="3200" dirty="0"/>
-              <a:t> </a:t>
-            </a:r>
-            <a:r>
-              <a:rPr lang="en-US" sz="2400" dirty="0"/>
-              <a:t>Rank the features based on their correlation with the target</a:t>
-            </a:r>
-          </a:p>
-          <a:p>
-            <a:pPr lvl="2"/>
-            <a:r>
-              <a:rPr lang="en-US" sz="2000" dirty="0"/>
-              <a:t>Can use other metrics: Correlation, F-test, mutual information, …</a:t>
-            </a:r>
-          </a:p>
-          <a:p>
-            <a:r>
-              <a:rPr lang="en-US" sz="2600" dirty="0"/>
-              <a:t> </a:t>
-            </a:r>
-            <a:r>
-              <a:rPr lang="en-US" sz="2400" dirty="0"/>
-              <a:t>Also should consider the redundancy (correlation) among chosen features</a:t>
-            </a:r>
-          </a:p>
-          <a:p>
-            <a:pPr lvl="2"/>
-            <a:r>
-              <a:rPr lang="en-US" sz="2000" dirty="0">
-                <a:solidFill>
-                  <a:srgbClr val="FF0000"/>
-                </a:solidFill>
-              </a:rPr>
-              <a:t>Minimal Redundancy Maximum Relevance (</a:t>
-            </a:r>
-            <a:r>
-              <a:rPr lang="en-US" sz="2000" dirty="0" err="1">
-                <a:solidFill>
-                  <a:srgbClr val="FF0000"/>
-                </a:solidFill>
-              </a:rPr>
-              <a:t>mRMR</a:t>
-            </a:r>
-            <a:r>
-              <a:rPr lang="en-US" sz="2000" dirty="0">
-                <a:solidFill>
-                  <a:srgbClr val="FF0000"/>
-                </a:solidFill>
-              </a:rPr>
-              <a:t>)</a:t>
-            </a:r>
-          </a:p>
-          <a:p>
-            <a:pPr lvl="2"/>
-            <a:r>
-              <a:rPr lang="en-US" sz="2000" dirty="0"/>
-              <a:t>Peng, H.C., Long, F., and Ding, C., "Feature selection based on mutual information: criteria of max-dependency, max-relevance, and min-redundancy," IEEE Transactions on Pattern Analysis and Machine Intelligence, Vol. 27, No. 8, pp. 1226–1238, 2005.</a:t>
-            </a:r>
-          </a:p>
-          <a:p>
-            <a:pPr lvl="2"/>
-            <a:r>
-              <a:rPr lang="en-US" sz="2000" dirty="0">
-                <a:hlinkClick r:id="rId2"/>
-              </a:rPr>
-              <a:t>http://home.penglab.com/proj/mRMR/</a:t>
-            </a:r>
-            <a:endParaRPr lang="en-US" sz="2000" dirty="0"/>
-          </a:p>
-          <a:p>
-            <a:pPr lvl="2"/>
-            <a:r>
-              <a:rPr lang="en-US" sz="2000" dirty="0">
-                <a:hlinkClick r:id="rId3"/>
-              </a:rPr>
-              <a:t>https://www.mathworks.com/matlabcentral/fileexchange/14916-minimum-redundancy-maximum-relevance-feature-selection</a:t>
-            </a:r>
-            <a:endParaRPr lang="en-US" sz="2000" dirty="0"/>
-          </a:p>
-          <a:p>
-            <a:endParaRPr lang="en-US" dirty="0"/>
-          </a:p>
-        </p:txBody>
-      </p:sp>
-      <p:sp>
-        <p:nvSpPr>
-          <p:cNvPr id="4" name="Slide Number Placeholder 3">
-            <a:extLst>
-              <a:ext uri="{FF2B5EF4-FFF2-40B4-BE49-F238E27FC236}">
-                <a16:creationId xmlns:a16="http://schemas.microsoft.com/office/drawing/2014/main" id="{6BE0780A-BC4F-F44A-B39B-E2128335FD88}"/>
-              </a:ext>
-            </a:extLst>
-          </p:cNvPr>
-          <p:cNvSpPr>
-            <a:spLocks noGrp="1"/>
-          </p:cNvSpPr>
-          <p:nvPr>
-            <p:ph type="sldNum" sz="quarter" idx="12"/>
-          </p:nvPr>
-        </p:nvSpPr>
-        <p:spPr/>
-        <p:txBody>
-          <a:bodyPr/>
-          <a:lstStyle/>
-          <a:p>
-            <a:fld id="{629637A9-119A-49DA-BD12-AAC58B377D80}" type="slidenum">
-              <a:rPr lang="en-US" smtClean="0"/>
-              <a:t>40</a:t>
-            </a:fld>
-            <a:endParaRPr lang="en-US" dirty="0"/>
-          </a:p>
-        </p:txBody>
-      </p:sp>
-    </p:spTree>
-    <p:extLst>
-      <p:ext uri="{BB962C8B-B14F-4D97-AF65-F5344CB8AC3E}">
-        <p14:creationId xmlns:p14="http://schemas.microsoft.com/office/powerpoint/2010/main" val="4246111614"/>
-      </p:ext>
-    </p:extLst>
-  </p:cSld>
-  <p:clrMapOvr>
-    <a:masterClrMapping/>
-  </p:clrMapOvr>
-</p:sld>
-</file>
-
-<file path=ppt/slides/slide41.xml><?xml version="1.0" encoding="utf-8"?>
-<p:sld xmlns:a="http://schemas.openxmlformats.org/drawingml/2006/main" xmlns:r="http://schemas.openxmlformats.org/officeDocument/2006/relationships" xmlns:p="http://schemas.openxmlformats.org/presentationml/2006/main">
-  <p:cSld>
-    <p:spTree>
-      <p:nvGrpSpPr>
-        <p:cNvPr id="1" name=""/>
-        <p:cNvGrpSpPr/>
-        <p:nvPr/>
-      </p:nvGrpSpPr>
-      <p:grpSpPr>
-        <a:xfrm>
-          <a:off x="0" y="0"/>
-          <a:ext cx="0" cy="0"/>
-          <a:chOff x="0" y="0"/>
-          <a:chExt cx="0" cy="0"/>
-        </a:xfrm>
-      </p:grpSpPr>
-      <p:sp>
-        <p:nvSpPr>
-          <p:cNvPr id="2" name="Title 1">
-            <a:extLst>
-              <a:ext uri="{FF2B5EF4-FFF2-40B4-BE49-F238E27FC236}">
-                <a16:creationId xmlns:a16="http://schemas.microsoft.com/office/drawing/2014/main" id="{BE61C560-F041-1749-AFA3-1072CC57FF00}"/>
-              </a:ext>
-            </a:extLst>
-          </p:cNvPr>
-          <p:cNvSpPr>
-            <a:spLocks noGrp="1"/>
-          </p:cNvSpPr>
-          <p:nvPr>
-            <p:ph type="title"/>
-          </p:nvPr>
-        </p:nvSpPr>
-        <p:spPr/>
-        <p:txBody>
-          <a:bodyPr/>
-          <a:lstStyle/>
-          <a:p>
-            <a:r>
-              <a:rPr lang="en-US" dirty="0"/>
-              <a:t>Ranking metrics</a:t>
-            </a:r>
-          </a:p>
-        </p:txBody>
-      </p:sp>
-      <mc:AlternateContent xmlns:mc="http://schemas.openxmlformats.org/markup-compatibility/2006" xmlns:a14="http://schemas.microsoft.com/office/drawing/2010/main">
-        <mc:Choice Requires="a14">
-          <p:sp>
-            <p:nvSpPr>
-              <p:cNvPr id="3" name="Content Placeholder 2">
-                <a:extLst>
-                  <a:ext uri="{FF2B5EF4-FFF2-40B4-BE49-F238E27FC236}">
-                    <a16:creationId xmlns:a16="http://schemas.microsoft.com/office/drawing/2014/main" id="{2193FC9E-CDA4-7049-B2BE-C3262A5D53DA}"/>
-                  </a:ext>
-                </a:extLst>
-              </p:cNvPr>
-              <p:cNvSpPr>
-                <a:spLocks noGrp="1"/>
-              </p:cNvSpPr>
-              <p:nvPr>
-                <p:ph idx="1"/>
-              </p:nvPr>
-            </p:nvSpPr>
-            <p:spPr/>
-            <p:txBody>
-              <a:bodyPr/>
-              <a:lstStyle/>
-              <a:p>
-                <a:r>
-                  <a:rPr lang="en-US" dirty="0"/>
-                  <a:t>Correlation coefficient between a feature and the target  </a:t>
-                </a:r>
-              </a:p>
-              <a:p>
-                <a:pPr lvl="1"/>
-                <a:endParaRPr lang="en-US" dirty="0"/>
-              </a:p>
-              <a:p>
-                <a:pPr lvl="1"/>
-                <a:endParaRPr lang="en-US" dirty="0"/>
-              </a:p>
-              <a:p>
-                <a:r>
-                  <a:rPr lang="en-US" dirty="0"/>
-                  <a:t>F-test: test the significance of using one feature vs. not using any (use the mean of y only. Essentially measure the difference in the MSE when using only the mean value of y vs. using a single feature.  </a:t>
-                </a:r>
-              </a:p>
-              <a:p>
-                <a:pPr marL="201168" lvl="1" indent="0" algn="ctr">
-                  <a:buNone/>
-                </a:pPr>
-                <a14:m>
-                  <m:oMath xmlns:m="http://schemas.openxmlformats.org/officeDocument/2006/math">
-                    <m:r>
-                      <a:rPr lang="en-US" b="0" i="1" smtClean="0">
-                        <a:latin typeface="Cambria Math" panose="02040503050406030204" pitchFamily="18" charset="0"/>
-                      </a:rPr>
-                      <m:t>𝑓𝑡𝑒𝑠𝑡</m:t>
-                    </m:r>
-                    <m:r>
-                      <a:rPr lang="en-US" b="0" i="1" smtClean="0">
-                        <a:latin typeface="Cambria Math" panose="02040503050406030204" pitchFamily="18" charset="0"/>
-                      </a:rPr>
-                      <m:t>=</m:t>
-                    </m:r>
-                    <m:box>
-                      <m:boxPr>
-                        <m:ctrlPr>
-                          <a:rPr lang="en-US" b="0" i="1" smtClean="0">
-                            <a:latin typeface="Cambria Math" panose="02040503050406030204" pitchFamily="18" charset="0"/>
-                          </a:rPr>
-                        </m:ctrlPr>
-                      </m:boxPr>
-                      <m:e>
-                        <m:argPr>
-                          <m:argSz m:val="-1"/>
-                        </m:argPr>
-                        <m:f>
-                          <m:fPr>
-                            <m:ctrlPr>
-                              <a:rPr lang="en-US" b="0" i="1" smtClean="0">
-                                <a:latin typeface="Cambria Math" panose="02040503050406030204" pitchFamily="18" charset="0"/>
-                              </a:rPr>
-                            </m:ctrlPr>
-                          </m:fPr>
-                          <m:num>
-                            <m:sSup>
-                              <m:sSupPr>
-                                <m:ctrlPr>
-                                  <a:rPr lang="en-US" b="0" i="1" smtClean="0">
-                                    <a:latin typeface="Cambria Math" panose="02040503050406030204" pitchFamily="18" charset="0"/>
-                                  </a:rPr>
-                                </m:ctrlPr>
-                              </m:sSupPr>
-                              <m:e>
-                                <m:r>
-                                  <a:rPr lang="en-US" b="0" i="1" smtClean="0">
-                                    <a:latin typeface="Cambria Math" panose="02040503050406030204" pitchFamily="18" charset="0"/>
-                                  </a:rPr>
-                                  <m:t>𝑟</m:t>
-                                </m:r>
-                              </m:e>
-                              <m:sup>
-                                <m:r>
-                                  <a:rPr lang="en-US" b="0" i="1" smtClean="0">
-                                    <a:latin typeface="Cambria Math" panose="02040503050406030204" pitchFamily="18" charset="0"/>
-                                  </a:rPr>
-                                  <m:t>2</m:t>
-                                </m:r>
-                              </m:sup>
-                            </m:sSup>
-                          </m:num>
-                          <m:den>
-                            <m:r>
-                              <a:rPr lang="en-US" b="0" i="1" smtClean="0">
-                                <a:latin typeface="Cambria Math" panose="02040503050406030204" pitchFamily="18" charset="0"/>
-                              </a:rPr>
-                              <m:t>1−</m:t>
-                            </m:r>
-                            <m:sSup>
-                              <m:sSupPr>
-                                <m:ctrlPr>
-                                  <a:rPr lang="en-US" i="1">
-                                    <a:latin typeface="Cambria Math" panose="02040503050406030204" pitchFamily="18" charset="0"/>
-                                  </a:rPr>
-                                </m:ctrlPr>
-                              </m:sSupPr>
-                              <m:e>
-                                <m:r>
-                                  <a:rPr lang="en-US" i="1">
-                                    <a:latin typeface="Cambria Math" panose="02040503050406030204" pitchFamily="18" charset="0"/>
-                                  </a:rPr>
-                                  <m:t>𝑟</m:t>
-                                </m:r>
-                              </m:e>
-                              <m:sup>
-                                <m:r>
-                                  <a:rPr lang="en-US" i="1">
-                                    <a:latin typeface="Cambria Math" panose="02040503050406030204" pitchFamily="18" charset="0"/>
-                                  </a:rPr>
-                                  <m:t>2</m:t>
-                                </m:r>
-                              </m:sup>
-                            </m:sSup>
-                          </m:den>
-                        </m:f>
-                      </m:e>
-                    </m:box>
-                  </m:oMath>
-                </a14:m>
-                <a:r>
-                  <a:rPr lang="en-US" dirty="0"/>
-                  <a:t>(nsample-2)</a:t>
-                </a:r>
-              </a:p>
-              <a:p>
-                <a:r>
-                  <a:rPr lang="en-US" dirty="0"/>
-                  <a:t>Mutual information between a feature and the target</a:t>
-                </a:r>
-              </a:p>
-              <a:p>
-                <a:pPr marL="201168" lvl="1" indent="0">
-                  <a:buNone/>
-                </a:pPr>
-                <a14:m>
-                  <m:oMathPara xmlns:m="http://schemas.openxmlformats.org/officeDocument/2006/math">
-                    <m:oMathParaPr>
-                      <m:jc m:val="centerGroup"/>
-                    </m:oMathParaPr>
-                    <m:oMath xmlns:m="http://schemas.openxmlformats.org/officeDocument/2006/math">
-                      <m:r>
-                        <a:rPr lang="en-US" b="0" i="1" smtClean="0">
-                          <a:latin typeface="Cambria Math" panose="02040503050406030204" pitchFamily="18" charset="0"/>
-                        </a:rPr>
-                        <m:t>𝐼</m:t>
-                      </m:r>
-                      <m:d>
-                        <m:dPr>
-                          <m:ctrlPr>
-                            <a:rPr lang="en-US" b="0" i="1" smtClean="0">
-                              <a:latin typeface="Cambria Math" panose="02040503050406030204" pitchFamily="18" charset="0"/>
-                            </a:rPr>
-                          </m:ctrlPr>
-                        </m:dPr>
-                        <m:e>
-                          <m:r>
-                            <a:rPr lang="en-US" b="0" i="1" smtClean="0">
-                              <a:latin typeface="Cambria Math" panose="02040503050406030204" pitchFamily="18" charset="0"/>
-                            </a:rPr>
-                            <m:t>𝑋</m:t>
-                          </m:r>
-                          <m:r>
-                            <a:rPr lang="en-US" b="0" i="1" smtClean="0">
-                              <a:latin typeface="Cambria Math" panose="02040503050406030204" pitchFamily="18" charset="0"/>
-                            </a:rPr>
-                            <m:t>,</m:t>
-                          </m:r>
-                          <m:r>
-                            <a:rPr lang="en-US" b="0" i="1" smtClean="0">
-                              <a:latin typeface="Cambria Math" panose="02040503050406030204" pitchFamily="18" charset="0"/>
-                            </a:rPr>
-                            <m:t>𝑌</m:t>
-                          </m:r>
-                        </m:e>
-                      </m:d>
-                      <m:r>
-                        <a:rPr lang="en-US" b="0" i="1" smtClean="0">
-                          <a:latin typeface="Cambria Math" panose="02040503050406030204" pitchFamily="18" charset="0"/>
-                        </a:rPr>
-                        <m:t>=</m:t>
-                      </m:r>
-                      <m:nary>
-                        <m:naryPr>
-                          <m:chr m:val="∬"/>
-                          <m:limLoc m:val="undOvr"/>
-                          <m:subHide m:val="on"/>
-                          <m:supHide m:val="on"/>
-                          <m:ctrlPr>
-                            <a:rPr lang="en-US" b="0" i="1" smtClean="0">
-                              <a:latin typeface="Cambria Math" panose="02040503050406030204" pitchFamily="18" charset="0"/>
-                            </a:rPr>
-                          </m:ctrlPr>
-                        </m:naryPr>
-                        <m:sub/>
-                        <m:sup/>
-                        <m:e>
-                          <m:r>
-                            <a:rPr lang="en-US" i="1">
-                              <a:latin typeface="Cambria Math" panose="02040503050406030204" pitchFamily="18" charset="0"/>
-                            </a:rPr>
-                            <m:t>𝑝</m:t>
-                          </m:r>
-                          <m:d>
-                            <m:dPr>
-                              <m:ctrlPr>
-                                <a:rPr lang="en-US" i="1">
-                                  <a:latin typeface="Cambria Math" panose="02040503050406030204" pitchFamily="18" charset="0"/>
-                                </a:rPr>
-                              </m:ctrlPr>
-                            </m:dPr>
-                            <m:e>
-                              <m:r>
-                                <a:rPr lang="en-US" i="1">
-                                  <a:latin typeface="Cambria Math" panose="02040503050406030204" pitchFamily="18" charset="0"/>
-                                </a:rPr>
-                                <m:t>𝑥</m:t>
-                              </m:r>
-                              <m:r>
-                                <a:rPr lang="en-US" i="1">
-                                  <a:latin typeface="Cambria Math" panose="02040503050406030204" pitchFamily="18" charset="0"/>
-                                </a:rPr>
-                                <m:t>,</m:t>
-                              </m:r>
-                              <m:r>
-                                <a:rPr lang="en-US" i="1">
-                                  <a:latin typeface="Cambria Math" panose="02040503050406030204" pitchFamily="18" charset="0"/>
-                                </a:rPr>
-                                <m:t>𝑦</m:t>
-                              </m:r>
-                            </m:e>
-                          </m:d>
-                          <m:r>
-                            <a:rPr lang="en-US" i="1">
-                              <a:latin typeface="Cambria Math" panose="02040503050406030204" pitchFamily="18" charset="0"/>
-                            </a:rPr>
-                            <m:t>𝑙𝑜𝑔</m:t>
-                          </m:r>
-                          <m:f>
-                            <m:fPr>
-                              <m:ctrlPr>
-                                <a:rPr lang="en-US" i="1">
-                                  <a:latin typeface="Cambria Math" panose="02040503050406030204" pitchFamily="18" charset="0"/>
-                                </a:rPr>
-                              </m:ctrlPr>
-                            </m:fPr>
-                            <m:num>
-                              <m:r>
-                                <a:rPr lang="en-US" i="1">
-                                  <a:latin typeface="Cambria Math" panose="02040503050406030204" pitchFamily="18" charset="0"/>
-                                </a:rPr>
-                                <m:t>𝑝</m:t>
-                              </m:r>
-                              <m:r>
-                                <a:rPr lang="en-US" i="1">
-                                  <a:latin typeface="Cambria Math" panose="02040503050406030204" pitchFamily="18" charset="0"/>
-                                </a:rPr>
-                                <m:t>(</m:t>
-                              </m:r>
-                              <m:r>
-                                <a:rPr lang="en-US" i="1">
-                                  <a:latin typeface="Cambria Math" panose="02040503050406030204" pitchFamily="18" charset="0"/>
-                                </a:rPr>
-                                <m:t>𝑥</m:t>
-                              </m:r>
-                              <m:r>
-                                <a:rPr lang="en-US" i="1">
-                                  <a:latin typeface="Cambria Math" panose="02040503050406030204" pitchFamily="18" charset="0"/>
-                                </a:rPr>
-                                <m:t>,</m:t>
-                              </m:r>
-                              <m:r>
-                                <a:rPr lang="en-US" i="1">
-                                  <a:latin typeface="Cambria Math" panose="02040503050406030204" pitchFamily="18" charset="0"/>
-                                </a:rPr>
-                                <m:t>𝑦</m:t>
-                              </m:r>
-                              <m:r>
-                                <a:rPr lang="en-US" i="1">
-                                  <a:latin typeface="Cambria Math" panose="02040503050406030204" pitchFamily="18" charset="0"/>
-                                </a:rPr>
-                                <m:t>)</m:t>
-                              </m:r>
-                            </m:num>
-                            <m:den>
-                              <m:r>
-                                <a:rPr lang="en-US" i="1">
-                                  <a:latin typeface="Cambria Math" panose="02040503050406030204" pitchFamily="18" charset="0"/>
-                                </a:rPr>
-                                <m:t>𝑝</m:t>
-                              </m:r>
-                              <m:d>
-                                <m:dPr>
-                                  <m:ctrlPr>
-                                    <a:rPr lang="en-US" i="1">
-                                      <a:latin typeface="Cambria Math" panose="02040503050406030204" pitchFamily="18" charset="0"/>
-                                    </a:rPr>
-                                  </m:ctrlPr>
-                                </m:dPr>
-                                <m:e>
-                                  <m:r>
-                                    <a:rPr lang="en-US" i="1">
-                                      <a:latin typeface="Cambria Math" panose="02040503050406030204" pitchFamily="18" charset="0"/>
-                                    </a:rPr>
-                                    <m:t>𝑥</m:t>
-                                  </m:r>
-                                </m:e>
-                              </m:d>
-                              <m:r>
-                                <a:rPr lang="en-US" i="1">
-                                  <a:latin typeface="Cambria Math" panose="02040503050406030204" pitchFamily="18" charset="0"/>
-                                </a:rPr>
-                                <m:t>𝑝</m:t>
-                              </m:r>
-                              <m:r>
-                                <a:rPr lang="en-US" i="1">
-                                  <a:latin typeface="Cambria Math" panose="02040503050406030204" pitchFamily="18" charset="0"/>
-                                </a:rPr>
-                                <m:t>(</m:t>
-                              </m:r>
-                              <m:r>
-                                <a:rPr lang="en-US" i="1">
-                                  <a:latin typeface="Cambria Math" panose="02040503050406030204" pitchFamily="18" charset="0"/>
-                                </a:rPr>
-                                <m:t>𝑦</m:t>
-                              </m:r>
-                              <m:r>
-                                <a:rPr lang="en-US" i="1">
-                                  <a:latin typeface="Cambria Math" panose="02040503050406030204" pitchFamily="18" charset="0"/>
-                                </a:rPr>
-                                <m:t>)</m:t>
-                              </m:r>
-                            </m:den>
-                          </m:f>
-                          <m:r>
-                            <a:rPr lang="en-US" b="0" i="1" smtClean="0">
-                              <a:latin typeface="Cambria Math" panose="02040503050406030204" pitchFamily="18" charset="0"/>
-                            </a:rPr>
-                            <m:t>𝑑𝑥𝑑𝑦</m:t>
-                          </m:r>
-                        </m:e>
-                      </m:nary>
-                    </m:oMath>
-                  </m:oMathPara>
-                </a14:m>
-                <a:endParaRPr lang="en-US" dirty="0"/>
-              </a:p>
-              <a:p>
-                <a:pPr marL="0" indent="0">
-                  <a:buNone/>
-                </a:pPr>
-                <a:endParaRPr lang="en-US" dirty="0"/>
-              </a:p>
-            </p:txBody>
-          </p:sp>
-        </mc:Choice>
-        <mc:Fallback xmlns="">
-          <p:sp>
-            <p:nvSpPr>
-              <p:cNvPr id="3" name="Content Placeholder 2">
-                <a:extLst>
-                  <a:ext uri="{FF2B5EF4-FFF2-40B4-BE49-F238E27FC236}">
-                    <a16:creationId xmlns:a16="http://schemas.microsoft.com/office/drawing/2014/main" id="{2193FC9E-CDA4-7049-B2BE-C3262A5D53DA}"/>
-                  </a:ext>
-                </a:extLst>
-              </p:cNvPr>
-              <p:cNvSpPr>
-                <a:spLocks noGrp="1" noRot="1" noChangeAspect="1" noMove="1" noResize="1" noEditPoints="1" noAdjustHandles="1" noChangeArrowheads="1" noChangeShapeType="1" noTextEdit="1"/>
-              </p:cNvSpPr>
-              <p:nvPr>
-                <p:ph idx="1"/>
-              </p:nvPr>
-            </p:nvSpPr>
-            <p:spPr>
-              <a:blipFill>
-                <a:blip r:embed="rId2"/>
-                <a:stretch>
-                  <a:fillRect l="-1261" t="-1462" b="-18129"/>
-                </a:stretch>
-              </a:blipFill>
-            </p:spPr>
-            <p:txBody>
-              <a:bodyPr/>
-              <a:lstStyle/>
-              <a:p>
-                <a:r>
-                  <a:rPr lang="en-US">
-                    <a:noFill/>
-                  </a:rPr>
-                  <a:t> </a:t>
-                </a:r>
-              </a:p>
-            </p:txBody>
-          </p:sp>
-        </mc:Fallback>
-      </mc:AlternateContent>
-      <p:sp>
-        <p:nvSpPr>
-          <p:cNvPr id="4" name="Slide Number Placeholder 3">
-            <a:extLst>
-              <a:ext uri="{FF2B5EF4-FFF2-40B4-BE49-F238E27FC236}">
-                <a16:creationId xmlns:a16="http://schemas.microsoft.com/office/drawing/2014/main" id="{84EB30F5-704B-4F42-B7EA-FB700F3F1462}"/>
-              </a:ext>
-            </a:extLst>
-          </p:cNvPr>
-          <p:cNvSpPr>
-            <a:spLocks noGrp="1"/>
-          </p:cNvSpPr>
-          <p:nvPr>
-            <p:ph type="sldNum" sz="quarter" idx="12"/>
-          </p:nvPr>
-        </p:nvSpPr>
-        <p:spPr/>
-        <p:txBody>
-          <a:bodyPr/>
-          <a:lstStyle/>
-          <a:p>
-            <a:fld id="{629637A9-119A-49DA-BD12-AAC58B377D80}" type="slidenum">
-              <a:rPr lang="en-US" smtClean="0"/>
-              <a:t>41</a:t>
-            </a:fld>
-            <a:endParaRPr lang="en-US" dirty="0"/>
-          </a:p>
-        </p:txBody>
-      </p:sp>
-    </p:spTree>
-    <p:extLst>
-      <p:ext uri="{BB962C8B-B14F-4D97-AF65-F5344CB8AC3E}">
-        <p14:creationId xmlns:p14="http://schemas.microsoft.com/office/powerpoint/2010/main" val="1985604223"/>
-      </p:ext>
-    </p:extLst>
-  </p:cSld>
-  <p:clrMapOvr>
-    <a:masterClrMapping/>
-  </p:clrMapOvr>
-</p:sld>
-</file>
-
-<file path=ppt/slides/slide42.xml><?xml version="1.0" encoding="utf-8"?>
-<p:sld xmlns:a="http://schemas.openxmlformats.org/drawingml/2006/main" xmlns:r="http://schemas.openxmlformats.org/officeDocument/2006/relationships" xmlns:p="http://schemas.openxmlformats.org/presentationml/2006/main">
-  <p:cSld>
-    <p:spTree>
-      <p:nvGrpSpPr>
-        <p:cNvPr id="1" name=""/>
-        <p:cNvGrpSpPr/>
-        <p:nvPr/>
-      </p:nvGrpSpPr>
-      <p:grpSpPr>
-        <a:xfrm>
-          <a:off x="0" y="0"/>
-          <a:ext cx="0" cy="0"/>
-          <a:chOff x="0" y="0"/>
-          <a:chExt cx="0" cy="0"/>
-        </a:xfrm>
-      </p:grpSpPr>
-      <p:sp>
-        <p:nvSpPr>
-          <p:cNvPr id="2" name="Title 1">
-            <a:extLst>
-              <a:ext uri="{FF2B5EF4-FFF2-40B4-BE49-F238E27FC236}">
-                <a16:creationId xmlns:a16="http://schemas.microsoft.com/office/drawing/2014/main" id="{144D5275-60B4-0442-9523-F38B7E9B8BD8}"/>
-              </a:ext>
-            </a:extLst>
-          </p:cNvPr>
-          <p:cNvSpPr>
-            <a:spLocks noGrp="1"/>
-          </p:cNvSpPr>
-          <p:nvPr>
-            <p:ph type="title"/>
-          </p:nvPr>
-        </p:nvSpPr>
-        <p:spPr/>
-        <p:txBody>
-          <a:bodyPr/>
-          <a:lstStyle/>
-          <a:p>
-            <a:r>
-              <a:rPr lang="en-US" dirty="0"/>
-              <a:t>Embedded Method</a:t>
-            </a:r>
-          </a:p>
-        </p:txBody>
-      </p:sp>
-      <p:sp>
-        <p:nvSpPr>
-          <p:cNvPr id="3" name="Content Placeholder 2">
-            <a:extLst>
-              <a:ext uri="{FF2B5EF4-FFF2-40B4-BE49-F238E27FC236}">
-                <a16:creationId xmlns:a16="http://schemas.microsoft.com/office/drawing/2014/main" id="{02E872BD-03D6-284F-8C5C-926E87BD7738}"/>
-              </a:ext>
-            </a:extLst>
-          </p:cNvPr>
-          <p:cNvSpPr>
-            <a:spLocks noGrp="1"/>
-          </p:cNvSpPr>
-          <p:nvPr>
-            <p:ph idx="1"/>
-          </p:nvPr>
-        </p:nvSpPr>
-        <p:spPr/>
-        <p:txBody>
-          <a:bodyPr>
-            <a:normAutofit fontScale="92500" lnSpcReduction="10000"/>
-          </a:bodyPr>
-          <a:lstStyle/>
-          <a:p>
-            <a:r>
-              <a:rPr lang="en-US" sz="2400" dirty="0"/>
-              <a:t>Results from some regression/classification methods allow feature selection</a:t>
-            </a:r>
-          </a:p>
-          <a:p>
-            <a:pPr lvl="2"/>
-            <a:r>
-              <a:rPr lang="en-US" sz="2000" dirty="0"/>
-              <a:t>Linear regression: based on coefficient magnitude</a:t>
-            </a:r>
-          </a:p>
-          <a:p>
-            <a:pPr lvl="2"/>
-            <a:r>
-              <a:rPr lang="en-US" sz="2000" dirty="0"/>
-              <a:t>Neural net: based on weight magnitude</a:t>
-            </a:r>
-          </a:p>
-          <a:p>
-            <a:pPr lvl="2"/>
-            <a:r>
-              <a:rPr lang="en-US" sz="2000" dirty="0"/>
-              <a:t>Decision tree: based on tree level</a:t>
-            </a:r>
-          </a:p>
-          <a:p>
-            <a:pPr lvl="2"/>
-            <a:r>
-              <a:rPr lang="en-US" sz="2000" dirty="0"/>
-              <a:t>Can add regularization terms on the coefficients/weights to encourage sparsity</a:t>
-            </a:r>
-          </a:p>
-          <a:p>
-            <a:pPr lvl="3"/>
-            <a:r>
-              <a:rPr lang="en-US" sz="1800" dirty="0"/>
-              <a:t>LASSO regression</a:t>
-            </a:r>
-          </a:p>
-          <a:p>
-            <a:r>
-              <a:rPr lang="en-US" sz="2400" dirty="0"/>
-              <a:t>Recursive feature elimination</a:t>
-            </a:r>
-          </a:p>
-          <a:p>
-            <a:pPr lvl="1"/>
-            <a:r>
-              <a:rPr lang="en-US" sz="2200" dirty="0"/>
-              <a:t>Starting with all features, remove one feature that has the lowest importance (e.g. smallest coefficient magnitude)</a:t>
-            </a:r>
-          </a:p>
-          <a:p>
-            <a:pPr lvl="1"/>
-            <a:r>
-              <a:rPr lang="en-US" sz="2000" dirty="0"/>
-              <a:t>Recursive feature elimination in </a:t>
-            </a:r>
-            <a:r>
-              <a:rPr lang="en-US" sz="2000" dirty="0" err="1"/>
-              <a:t>sklearn</a:t>
-            </a:r>
-            <a:endParaRPr lang="en-US" sz="2000" dirty="0"/>
-          </a:p>
-          <a:p>
-            <a:pPr lvl="2"/>
-            <a:r>
-              <a:rPr lang="en-US" sz="1800" dirty="0">
-                <a:hlinkClick r:id="rId2"/>
-              </a:rPr>
-              <a:t>http://scikit-learn.org/stable/auto_examples/feature_selection/plot_rfe_digits.html#sphx-glr-auto-examples-feature-selection-plot-rfe-digits-py</a:t>
-            </a:r>
-            <a:endParaRPr lang="en-US" sz="1800" dirty="0"/>
-          </a:p>
-          <a:p>
-            <a:pPr lvl="2"/>
-            <a:r>
-              <a:rPr lang="en-US" sz="1800" dirty="0">
-                <a:hlinkClick r:id="rId3"/>
-              </a:rPr>
-              <a:t>http://scikit-learn.org/stable/auto_examples/feature_selection/plot_rfe_with_cross_validation.html#sphx-glr-auto-examples-feature-selection-plot-rfe-with-cross-validation-py</a:t>
-            </a:r>
-            <a:endParaRPr lang="en-US" sz="2000" dirty="0"/>
-          </a:p>
-          <a:p>
-            <a:pPr lvl="1"/>
-            <a:endParaRPr lang="en-US" sz="2200" dirty="0"/>
-          </a:p>
-          <a:p>
-            <a:pPr lvl="2"/>
-            <a:endParaRPr lang="en-US" sz="1800" dirty="0"/>
-          </a:p>
-          <a:p>
-            <a:pPr lvl="2"/>
-            <a:endParaRPr lang="en-US" sz="1800" dirty="0"/>
-          </a:p>
-          <a:p>
-            <a:pPr marL="566928" lvl="3" indent="0">
-              <a:buNone/>
-            </a:pPr>
-            <a:endParaRPr lang="en-US" sz="1800" dirty="0"/>
-          </a:p>
-          <a:p>
-            <a:pPr lvl="3"/>
-            <a:endParaRPr lang="en-US" sz="1800" dirty="0"/>
-          </a:p>
-          <a:p>
-            <a:endParaRPr lang="en-US" sz="600" dirty="0"/>
-          </a:p>
-        </p:txBody>
-      </p:sp>
-      <p:sp>
-        <p:nvSpPr>
-          <p:cNvPr id="4" name="Slide Number Placeholder 3">
-            <a:extLst>
-              <a:ext uri="{FF2B5EF4-FFF2-40B4-BE49-F238E27FC236}">
-                <a16:creationId xmlns:a16="http://schemas.microsoft.com/office/drawing/2014/main" id="{E4F34318-FD95-BF40-9728-DCB294473A1A}"/>
-              </a:ext>
-            </a:extLst>
-          </p:cNvPr>
-          <p:cNvSpPr>
-            <a:spLocks noGrp="1"/>
-          </p:cNvSpPr>
-          <p:nvPr>
-            <p:ph type="sldNum" sz="quarter" idx="12"/>
-          </p:nvPr>
-        </p:nvSpPr>
-        <p:spPr/>
-        <p:txBody>
-          <a:bodyPr/>
-          <a:lstStyle/>
-          <a:p>
-            <a:fld id="{629637A9-119A-49DA-BD12-AAC58B377D80}" type="slidenum">
-              <a:rPr lang="en-US" smtClean="0"/>
-              <a:t>42</a:t>
-            </a:fld>
-            <a:endParaRPr lang="en-US" dirty="0"/>
-          </a:p>
-        </p:txBody>
-      </p:sp>
-    </p:spTree>
-    <p:extLst>
-      <p:ext uri="{BB962C8B-B14F-4D97-AF65-F5344CB8AC3E}">
-        <p14:creationId xmlns:p14="http://schemas.microsoft.com/office/powerpoint/2010/main" val="4164476805"/>
-      </p:ext>
-    </p:extLst>
-  </p:cSld>
-  <p:clrMapOvr>
-    <a:masterClrMapping/>
-  </p:clrMapOvr>
-</p:sld>
-</file>
-
-<file path=ppt/slides/slide43.xml><?xml version="1.0" encoding="utf-8"?>
-<p:sld xmlns:a="http://schemas.openxmlformats.org/drawingml/2006/main" xmlns:r="http://schemas.openxmlformats.org/officeDocument/2006/relationships" xmlns:p="http://schemas.openxmlformats.org/presentationml/2006/main">
-  <p:cSld>
-    <p:spTree>
-      <p:nvGrpSpPr>
-        <p:cNvPr id="1" name=""/>
-        <p:cNvGrpSpPr/>
-        <p:nvPr/>
-      </p:nvGrpSpPr>
-      <p:grpSpPr>
-        <a:xfrm>
-          <a:off x="0" y="0"/>
-          <a:ext cx="0" cy="0"/>
-          <a:chOff x="0" y="0"/>
-          <a:chExt cx="0" cy="0"/>
-        </a:xfrm>
-      </p:grpSpPr>
-      <p:sp>
-        <p:nvSpPr>
-          <p:cNvPr id="2" name="Title 1">
-            <a:extLst>
-              <a:ext uri="{FF2B5EF4-FFF2-40B4-BE49-F238E27FC236}">
-                <a16:creationId xmlns:a16="http://schemas.microsoft.com/office/drawing/2014/main" id="{3FC39094-E168-5D46-9085-7E8653563B47}"/>
-              </a:ext>
-            </a:extLst>
-          </p:cNvPr>
-          <p:cNvSpPr>
-            <a:spLocks noGrp="1"/>
-          </p:cNvSpPr>
-          <p:nvPr>
-            <p:ph type="title"/>
-          </p:nvPr>
-        </p:nvSpPr>
-        <p:spPr/>
-        <p:txBody>
-          <a:bodyPr/>
-          <a:lstStyle/>
-          <a:p>
-            <a:r>
-              <a:rPr lang="en-US" dirty="0"/>
-              <a:t>Wrapper method</a:t>
-            </a:r>
-          </a:p>
-        </p:txBody>
-      </p:sp>
-      <p:sp>
-        <p:nvSpPr>
-          <p:cNvPr id="3" name="Content Placeholder 2">
-            <a:extLst>
-              <a:ext uri="{FF2B5EF4-FFF2-40B4-BE49-F238E27FC236}">
-                <a16:creationId xmlns:a16="http://schemas.microsoft.com/office/drawing/2014/main" id="{DD6D0B2B-9B1F-C945-8E17-38F3089DF482}"/>
-              </a:ext>
-            </a:extLst>
-          </p:cNvPr>
-          <p:cNvSpPr>
-            <a:spLocks noGrp="1"/>
-          </p:cNvSpPr>
-          <p:nvPr>
-            <p:ph idx="1"/>
-          </p:nvPr>
-        </p:nvSpPr>
-        <p:spPr/>
-        <p:txBody>
-          <a:bodyPr>
-            <a:normAutofit/>
-          </a:bodyPr>
-          <a:lstStyle/>
-          <a:p>
-            <a:r>
-              <a:rPr lang="en-US" sz="2400" dirty="0"/>
-              <a:t>For each candidate feature subset, apply a chosen classifier/</a:t>
-            </a:r>
-            <a:r>
-              <a:rPr lang="en-US" sz="2400" dirty="0" err="1"/>
-              <a:t>regressor</a:t>
-            </a:r>
-            <a:r>
-              <a:rPr lang="en-US" sz="2400" dirty="0"/>
-              <a:t>, evaluate the cross validation accuracy. Go through all possible feature subsets, or test the subsets in some greedy way</a:t>
-            </a:r>
-          </a:p>
-          <a:p>
-            <a:pPr lvl="1"/>
-            <a:r>
-              <a:rPr lang="en-US" sz="2400" dirty="0"/>
-              <a:t>Exhaustive search</a:t>
-            </a:r>
-          </a:p>
-          <a:p>
-            <a:pPr lvl="1"/>
-            <a:r>
-              <a:rPr lang="en-US" sz="2400" dirty="0"/>
-              <a:t>Genetic algorithm</a:t>
-            </a:r>
-          </a:p>
-          <a:p>
-            <a:pPr lvl="1"/>
-            <a:r>
-              <a:rPr lang="en-US" sz="2400" dirty="0"/>
-              <a:t>Forward stepwise</a:t>
-            </a:r>
-          </a:p>
-          <a:p>
-            <a:pPr lvl="1"/>
-            <a:r>
-              <a:rPr lang="en-US" sz="2400" dirty="0"/>
-              <a:t>Backward stepwise</a:t>
-            </a:r>
-            <a:endParaRPr lang="en-US" sz="600" dirty="0"/>
-          </a:p>
-        </p:txBody>
-      </p:sp>
-      <p:sp>
-        <p:nvSpPr>
-          <p:cNvPr id="4" name="Slide Number Placeholder 3">
-            <a:extLst>
-              <a:ext uri="{FF2B5EF4-FFF2-40B4-BE49-F238E27FC236}">
-                <a16:creationId xmlns:a16="http://schemas.microsoft.com/office/drawing/2014/main" id="{C9C76C86-B506-474A-AB63-10226A60FF1C}"/>
-              </a:ext>
-            </a:extLst>
-          </p:cNvPr>
-          <p:cNvSpPr>
-            <a:spLocks noGrp="1"/>
-          </p:cNvSpPr>
-          <p:nvPr>
-            <p:ph type="sldNum" sz="quarter" idx="12"/>
-          </p:nvPr>
-        </p:nvSpPr>
-        <p:spPr/>
-        <p:txBody>
-          <a:bodyPr/>
-          <a:lstStyle/>
-          <a:p>
-            <a:fld id="{629637A9-119A-49DA-BD12-AAC58B377D80}" type="slidenum">
-              <a:rPr lang="en-US" smtClean="0"/>
-              <a:t>43</a:t>
-            </a:fld>
-            <a:endParaRPr lang="en-US" dirty="0"/>
-          </a:p>
-        </p:txBody>
-      </p:sp>
-    </p:spTree>
-    <p:extLst>
-      <p:ext uri="{BB962C8B-B14F-4D97-AF65-F5344CB8AC3E}">
-        <p14:creationId xmlns:p14="http://schemas.microsoft.com/office/powerpoint/2010/main" val="2792002839"/>
-      </p:ext>
-    </p:extLst>
-  </p:cSld>
-  <p:clrMapOvr>
-    <a:masterClrMapping/>
-  </p:clrMapOvr>
-</p:sld>
-</file>
-
-<file path=ppt/slides/slide44.xml><?xml version="1.0" encoding="utf-8"?>
-<p:sld xmlns:a="http://schemas.openxmlformats.org/drawingml/2006/main" xmlns:r="http://schemas.openxmlformats.org/officeDocument/2006/relationships" xmlns:p="http://schemas.openxmlformats.org/presentationml/2006/main">
-  <p:cSld>
-    <p:spTree>
-      <p:nvGrpSpPr>
-        <p:cNvPr id="1" name=""/>
-        <p:cNvGrpSpPr/>
-        <p:nvPr/>
-      </p:nvGrpSpPr>
-      <p:grpSpPr>
-        <a:xfrm>
-          <a:off x="0" y="0"/>
-          <a:ext cx="0" cy="0"/>
-          <a:chOff x="0" y="0"/>
-          <a:chExt cx="0" cy="0"/>
-        </a:xfrm>
-      </p:grpSpPr>
-      <p:sp>
-        <p:nvSpPr>
-          <p:cNvPr id="2" name="Title 1">
-            <a:extLst>
-              <a:ext uri="{FF2B5EF4-FFF2-40B4-BE49-F238E27FC236}">
                 <a16:creationId xmlns:a16="http://schemas.microsoft.com/office/drawing/2014/main" id="{6E31F838-5ACA-7046-91E5-10A00B4CC95F}"/>
               </a:ext>
             </a:extLst>
@@ -24325,7 +27841,7 @@
           <a:p>
             <a:fld id="{629637A9-119A-49DA-BD12-AAC58B377D80}" type="slidenum">
               <a:rPr lang="en-US" smtClean="0"/>
-              <a:t>44</a:t>
+              <a:t>40</a:t>
             </a:fld>
             <a:endParaRPr lang="en-US" dirty="0"/>
           </a:p>
@@ -24344,360 +27860,7 @@
 </p:sld>
 </file>
 
-<file path=ppt/slides/slide45.xml><?xml version="1.0" encoding="utf-8"?>
-<p:sld xmlns:a="http://schemas.openxmlformats.org/drawingml/2006/main" xmlns:r="http://schemas.openxmlformats.org/officeDocument/2006/relationships" xmlns:p="http://schemas.openxmlformats.org/presentationml/2006/main">
-  <p:cSld>
-    <p:spTree>
-      <p:nvGrpSpPr>
-        <p:cNvPr id="1" name=""/>
-        <p:cNvGrpSpPr/>
-        <p:nvPr/>
-      </p:nvGrpSpPr>
-      <p:grpSpPr>
-        <a:xfrm>
-          <a:off x="0" y="0"/>
-          <a:ext cx="0" cy="0"/>
-          <a:chOff x="0" y="0"/>
-          <a:chExt cx="0" cy="0"/>
-        </a:xfrm>
-      </p:grpSpPr>
-      <p:sp>
-        <p:nvSpPr>
-          <p:cNvPr id="2" name="Title 1">
-            <a:extLst>
-              <a:ext uri="{FF2B5EF4-FFF2-40B4-BE49-F238E27FC236}">
-                <a16:creationId xmlns:a16="http://schemas.microsoft.com/office/drawing/2014/main" id="{DC0A827A-F3FF-354E-80EA-3EB041790E48}"/>
-              </a:ext>
-            </a:extLst>
-          </p:cNvPr>
-          <p:cNvSpPr>
-            <a:spLocks noGrp="1"/>
-          </p:cNvSpPr>
-          <p:nvPr>
-            <p:ph type="title"/>
-          </p:nvPr>
-        </p:nvSpPr>
-        <p:spPr/>
-        <p:txBody>
-          <a:bodyPr/>
-          <a:lstStyle/>
-          <a:p>
-            <a:r>
-              <a:rPr lang="en-US" dirty="0"/>
-              <a:t>Greedy feature selection</a:t>
-            </a:r>
-          </a:p>
-        </p:txBody>
-      </p:sp>
-      <p:sp>
-        <p:nvSpPr>
-          <p:cNvPr id="3" name="Content Placeholder 2">
-            <a:extLst>
-              <a:ext uri="{FF2B5EF4-FFF2-40B4-BE49-F238E27FC236}">
-                <a16:creationId xmlns:a16="http://schemas.microsoft.com/office/drawing/2014/main" id="{71353A6F-B4F7-7141-B2BF-F63F66768BE5}"/>
-              </a:ext>
-            </a:extLst>
-          </p:cNvPr>
-          <p:cNvSpPr>
-            <a:spLocks noGrp="1"/>
-          </p:cNvSpPr>
-          <p:nvPr>
-            <p:ph idx="1"/>
-          </p:nvPr>
-        </p:nvSpPr>
-        <p:spPr/>
-        <p:txBody>
-          <a:bodyPr>
-            <a:normAutofit lnSpcReduction="10000"/>
-          </a:bodyPr>
-          <a:lstStyle/>
-          <a:p>
-            <a:r>
-              <a:rPr lang="en-US" sz="2400" dirty="0"/>
-              <a:t>Forward-Stepwise Selection</a:t>
-            </a:r>
-          </a:p>
-          <a:p>
-            <a:pPr lvl="1"/>
-            <a:r>
-              <a:rPr lang="en-US" sz="2000" dirty="0"/>
-              <a:t>Select one feature from all features that provides the lowest RSS with cross validation</a:t>
-            </a:r>
-          </a:p>
-          <a:p>
-            <a:pPr lvl="1"/>
-            <a:r>
-              <a:rPr lang="en-US" sz="2000" dirty="0"/>
-              <a:t>Select one new feature from all remaining features, so that previously chosen features plus the new feature provides the lowest RSS</a:t>
-            </a:r>
-          </a:p>
-          <a:p>
-            <a:pPr lvl="1"/>
-            <a:r>
-              <a:rPr lang="en-US" sz="2000" dirty="0"/>
-              <a:t>Repeat until the maximum feature number is reached, or when the RSS starts to increase</a:t>
-            </a:r>
-          </a:p>
-          <a:p>
-            <a:r>
-              <a:rPr lang="en-US" sz="2400" dirty="0"/>
-              <a:t>Backward-Stepwise</a:t>
-            </a:r>
-          </a:p>
-          <a:p>
-            <a:pPr lvl="1"/>
-            <a:r>
-              <a:rPr lang="en-US" sz="2000" dirty="0"/>
-              <a:t>First use all features and find the RSS (using cross validation)</a:t>
-            </a:r>
-          </a:p>
-          <a:p>
-            <a:pPr lvl="1"/>
-            <a:r>
-              <a:rPr lang="en-US" sz="2000" dirty="0"/>
-              <a:t>Remove one feature and find the new RSS. Go through all possible features to remove.</a:t>
-            </a:r>
-          </a:p>
-          <a:p>
-            <a:pPr lvl="1"/>
-            <a:r>
-              <a:rPr lang="en-US" sz="2000" dirty="0"/>
-              <a:t>Find the one that leads to the least RSS increase. Remove this feature. </a:t>
-            </a:r>
-          </a:p>
-          <a:p>
-            <a:pPr lvl="1"/>
-            <a:r>
-              <a:rPr lang="en-US" sz="2000" dirty="0"/>
-              <a:t>Repeat the above, remove one from the remaining features, to find the next most important feature.</a:t>
-            </a:r>
-          </a:p>
-          <a:p>
-            <a:r>
-              <a:rPr lang="en-US" dirty="0"/>
-              <a:t>Except exhaustive search, can all lead to suboptimal solution</a:t>
-            </a:r>
-          </a:p>
-        </p:txBody>
-      </p:sp>
-      <p:sp>
-        <p:nvSpPr>
-          <p:cNvPr id="4" name="Slide Number Placeholder 3">
-            <a:extLst>
-              <a:ext uri="{FF2B5EF4-FFF2-40B4-BE49-F238E27FC236}">
-                <a16:creationId xmlns:a16="http://schemas.microsoft.com/office/drawing/2014/main" id="{6B9D8C82-F93F-E643-8054-B3FF4FF747AB}"/>
-              </a:ext>
-            </a:extLst>
-          </p:cNvPr>
-          <p:cNvSpPr>
-            <a:spLocks noGrp="1"/>
-          </p:cNvSpPr>
-          <p:nvPr>
-            <p:ph type="sldNum" sz="quarter" idx="12"/>
-          </p:nvPr>
-        </p:nvSpPr>
-        <p:spPr/>
-        <p:txBody>
-          <a:bodyPr/>
-          <a:lstStyle/>
-          <a:p>
-            <a:fld id="{629637A9-119A-49DA-BD12-AAC58B377D80}" type="slidenum">
-              <a:rPr lang="en-US" smtClean="0"/>
-              <a:t>45</a:t>
-            </a:fld>
-            <a:endParaRPr lang="en-US" dirty="0"/>
-          </a:p>
-        </p:txBody>
-      </p:sp>
-    </p:spTree>
-    <p:extLst>
-      <p:ext uri="{BB962C8B-B14F-4D97-AF65-F5344CB8AC3E}">
-        <p14:creationId xmlns:p14="http://schemas.microsoft.com/office/powerpoint/2010/main" val="2114808669"/>
-      </p:ext>
-    </p:extLst>
-  </p:cSld>
-  <p:clrMapOvr>
-    <a:masterClrMapping/>
-  </p:clrMapOvr>
-</p:sld>
-</file>
-
-<file path=ppt/slides/slide46.xml><?xml version="1.0" encoding="utf-8"?>
-<p:sld xmlns:a="http://schemas.openxmlformats.org/drawingml/2006/main" xmlns:r="http://schemas.openxmlformats.org/officeDocument/2006/relationships" xmlns:p="http://schemas.openxmlformats.org/presentationml/2006/main">
-  <p:cSld>
-    <p:spTree>
-      <p:nvGrpSpPr>
-        <p:cNvPr id="1" name=""/>
-        <p:cNvGrpSpPr/>
-        <p:nvPr/>
-      </p:nvGrpSpPr>
-      <p:grpSpPr>
-        <a:xfrm>
-          <a:off x="0" y="0"/>
-          <a:ext cx="0" cy="0"/>
-          <a:chOff x="0" y="0"/>
-          <a:chExt cx="0" cy="0"/>
-        </a:xfrm>
-      </p:grpSpPr>
-      <p:sp>
-        <p:nvSpPr>
-          <p:cNvPr id="2" name="Title 1">
-            <a:extLst>
-              <a:ext uri="{FF2B5EF4-FFF2-40B4-BE49-F238E27FC236}">
-                <a16:creationId xmlns:a16="http://schemas.microsoft.com/office/drawing/2014/main" id="{874B7964-4BCD-034A-B648-2A41774AD16D}"/>
-              </a:ext>
-            </a:extLst>
-          </p:cNvPr>
-          <p:cNvSpPr>
-            <a:spLocks noGrp="1"/>
-          </p:cNvSpPr>
-          <p:nvPr>
-            <p:ph type="title"/>
-          </p:nvPr>
-        </p:nvSpPr>
-        <p:spPr>
-          <a:xfrm>
-            <a:off x="1017270" y="80863"/>
-            <a:ext cx="3474720" cy="1325027"/>
-          </a:xfrm>
-        </p:spPr>
-        <p:txBody>
-          <a:bodyPr>
-            <a:normAutofit fontScale="90000"/>
-          </a:bodyPr>
-          <a:lstStyle/>
-          <a:p>
-            <a:r>
-              <a:rPr lang="en-US" sz="3600" dirty="0"/>
-              <a:t>Comparison of feature selection methods</a:t>
-            </a:r>
-          </a:p>
-        </p:txBody>
-      </p:sp>
-      <p:sp>
-        <p:nvSpPr>
-          <p:cNvPr id="4" name="Slide Number Placeholder 3">
-            <a:extLst>
-              <a:ext uri="{FF2B5EF4-FFF2-40B4-BE49-F238E27FC236}">
-                <a16:creationId xmlns:a16="http://schemas.microsoft.com/office/drawing/2014/main" id="{5EF80E7E-9845-DF4A-9015-F56225B1458D}"/>
-              </a:ext>
-            </a:extLst>
-          </p:cNvPr>
-          <p:cNvSpPr>
-            <a:spLocks noGrp="1"/>
-          </p:cNvSpPr>
-          <p:nvPr>
-            <p:ph type="sldNum" sz="quarter" idx="12"/>
-          </p:nvPr>
-        </p:nvSpPr>
-        <p:spPr/>
-        <p:txBody>
-          <a:bodyPr/>
-          <a:lstStyle/>
-          <a:p>
-            <a:fld id="{629637A9-119A-49DA-BD12-AAC58B377D80}" type="slidenum">
-              <a:rPr lang="en-US" smtClean="0"/>
-              <a:t>46</a:t>
-            </a:fld>
-            <a:endParaRPr lang="en-US" dirty="0"/>
-          </a:p>
-        </p:txBody>
-      </p:sp>
-      <p:pic>
-        <p:nvPicPr>
-          <p:cNvPr id="10" name="Content Placeholder 9">
-            <a:extLst>
-              <a:ext uri="{FF2B5EF4-FFF2-40B4-BE49-F238E27FC236}">
-                <a16:creationId xmlns:a16="http://schemas.microsoft.com/office/drawing/2014/main" id="{B09875DF-6F90-B646-B894-831F3D2146DC}"/>
-              </a:ext>
-            </a:extLst>
-          </p:cNvPr>
-          <p:cNvPicPr>
-            <a:picLocks noGrp="1" noChangeAspect="1"/>
-          </p:cNvPicPr>
-          <p:nvPr>
-            <p:ph idx="1"/>
-          </p:nvPr>
-        </p:nvPicPr>
-        <p:blipFill>
-          <a:blip r:embed="rId2"/>
-          <a:stretch>
-            <a:fillRect/>
-          </a:stretch>
-        </p:blipFill>
-        <p:spPr>
-          <a:xfrm>
-            <a:off x="4930265" y="286603"/>
-            <a:ext cx="6905844" cy="6298738"/>
-          </a:xfrm>
-        </p:spPr>
-      </p:pic>
-      <p:sp>
-        <p:nvSpPr>
-          <p:cNvPr id="11" name="TextBox 10">
-            <a:extLst>
-              <a:ext uri="{FF2B5EF4-FFF2-40B4-BE49-F238E27FC236}">
-                <a16:creationId xmlns:a16="http://schemas.microsoft.com/office/drawing/2014/main" id="{E46A0D8B-5472-BF42-AEE4-89AEADF07614}"/>
-              </a:ext>
-            </a:extLst>
-          </p:cNvPr>
-          <p:cNvSpPr txBox="1"/>
-          <p:nvPr/>
-        </p:nvSpPr>
-        <p:spPr>
-          <a:xfrm>
-            <a:off x="1017270" y="1863090"/>
-            <a:ext cx="3257550" cy="1754326"/>
-          </a:xfrm>
-          <a:prstGeom prst="rect">
-            <a:avLst/>
-          </a:prstGeom>
-          <a:noFill/>
-        </p:spPr>
-        <p:txBody>
-          <a:bodyPr wrap="square" rtlCol="0">
-            <a:spAutoFit/>
-          </a:bodyPr>
-          <a:lstStyle/>
-          <a:p>
-            <a:r>
-              <a:rPr lang="en-US" dirty="0"/>
-              <a:t>Figure from [Hastie2008]: Hastie, </a:t>
-            </a:r>
-            <a:r>
-              <a:rPr lang="en-US" dirty="0" err="1"/>
-              <a:t>Tibshirani</a:t>
-            </a:r>
-            <a:r>
-              <a:rPr lang="en-US" dirty="0"/>
-              <a:t>, Friedman, The elements of statistical learning.</a:t>
-            </a:r>
-          </a:p>
-          <a:p>
-            <a:endParaRPr lang="en-US" dirty="0"/>
-          </a:p>
-          <a:p>
-            <a:r>
-              <a:rPr lang="en-US" dirty="0"/>
-              <a:t>For more on this subject, see Sec. 3.3</a:t>
-            </a:r>
-          </a:p>
-        </p:txBody>
-      </p:sp>
-    </p:spTree>
-    <p:extLst>
-      <p:ext uri="{BB962C8B-B14F-4D97-AF65-F5344CB8AC3E}">
-        <p14:creationId xmlns:p14="http://schemas.microsoft.com/office/powerpoint/2010/main" val="1636334552"/>
-      </p:ext>
-    </p:extLst>
-  </p:cSld>
-  <p:clrMapOvr>
-    <a:masterClrMapping/>
-  </p:clrMapOvr>
-</p:sld>
-</file>
-
-<file path=ppt/slides/slide47.xml><?xml version="1.0" encoding="utf-8"?>
+<file path=ppt/slides/slide41.xml><?xml version="1.0" encoding="utf-8"?>
 <p:sld xmlns:a="http://schemas.openxmlformats.org/drawingml/2006/main" xmlns:r="http://schemas.openxmlformats.org/officeDocument/2006/relationships" xmlns:p="http://schemas.openxmlformats.org/presentationml/2006/main">
   <p:cSld>
     <p:spTree>
@@ -24792,7 +27955,7 @@
           <a:p>
             <a:fld id="{629637A9-119A-49DA-BD12-AAC58B377D80}" type="slidenum">
               <a:rPr lang="en-US" smtClean="0"/>
-              <a:t>47</a:t>
+              <a:t>41</a:t>
             </a:fld>
             <a:endParaRPr lang="en-US" dirty="0"/>
           </a:p>
@@ -24811,7 +27974,7 @@
 </p:sld>
 </file>
 
-<file path=ppt/slides/slide48.xml><?xml version="1.0" encoding="utf-8"?>
+<file path=ppt/slides/slide42.xml><?xml version="1.0" encoding="utf-8"?>
 <p:sld xmlns:a="http://schemas.openxmlformats.org/drawingml/2006/main" xmlns:r="http://schemas.openxmlformats.org/officeDocument/2006/relationships" xmlns:p="http://schemas.openxmlformats.org/presentationml/2006/main">
   <p:cSld>
     <p:spTree>
@@ -25001,7 +28164,7 @@
           <a:p>
             <a:fld id="{629637A9-119A-49DA-BD12-AAC58B377D80}" type="slidenum">
               <a:rPr lang="en-US" smtClean="0"/>
-              <a:t>48</a:t>
+              <a:t>42</a:t>
             </a:fld>
             <a:endParaRPr lang="en-US" dirty="0"/>
           </a:p>
@@ -25020,7 +28183,7 @@
 </p:sld>
 </file>
 
-<file path=ppt/slides/slide49.xml><?xml version="1.0" encoding="utf-8"?>
+<file path=ppt/slides/slide43.xml><?xml version="1.0" encoding="utf-8"?>
 <p:sld xmlns:a="http://schemas.openxmlformats.org/drawingml/2006/main" xmlns:r="http://schemas.openxmlformats.org/officeDocument/2006/relationships" xmlns:p="http://schemas.openxmlformats.org/presentationml/2006/main">
   <p:cSld>
     <p:spTree>
@@ -25163,7 +28326,7 @@
           <a:p>
             <a:fld id="{629637A9-119A-49DA-BD12-AAC58B377D80}" type="slidenum">
               <a:rPr lang="en-US" smtClean="0"/>
-              <a:t>49</a:t>
+              <a:t>43</a:t>
             </a:fld>
             <a:endParaRPr lang="en-US" dirty="0"/>
           </a:p>
@@ -25173,6 +28336,505 @@
     <p:extLst>
       <p:ext uri="{BB962C8B-B14F-4D97-AF65-F5344CB8AC3E}">
         <p14:creationId xmlns:p14="http://schemas.microsoft.com/office/powerpoint/2010/main" val="2106499445"/>
+      </p:ext>
+    </p:extLst>
+  </p:cSld>
+  <p:clrMapOvr>
+    <a:masterClrMapping/>
+  </p:clrMapOvr>
+</p:sld>
+</file>
+
+<file path=ppt/slides/slide44.xml><?xml version="1.0" encoding="utf-8"?>
+<p:sld xmlns:a="http://schemas.openxmlformats.org/drawingml/2006/main" xmlns:r="http://schemas.openxmlformats.org/officeDocument/2006/relationships" xmlns:p="http://schemas.openxmlformats.org/presentationml/2006/main">
+  <p:cSld>
+    <p:spTree>
+      <p:nvGrpSpPr>
+        <p:cNvPr id="1" name=""/>
+        <p:cNvGrpSpPr/>
+        <p:nvPr/>
+      </p:nvGrpSpPr>
+      <p:grpSpPr>
+        <a:xfrm>
+          <a:off x="0" y="0"/>
+          <a:ext cx="0" cy="0"/>
+          <a:chOff x="0" y="0"/>
+          <a:chExt cx="0" cy="0"/>
+        </a:xfrm>
+      </p:grpSpPr>
+      <p:sp>
+        <p:nvSpPr>
+          <p:cNvPr id="2" name="Title 1"/>
+          <p:cNvSpPr>
+            <a:spLocks noGrp="1"/>
+          </p:cNvSpPr>
+          <p:nvPr>
+            <p:ph type="title"/>
+          </p:nvPr>
+        </p:nvSpPr>
+        <p:spPr/>
+        <p:txBody>
+          <a:bodyPr/>
+          <a:lstStyle/>
+          <a:p>
+            <a:r>
+              <a:rPr lang="en-US" dirty="0"/>
+              <a:t>Outline	</a:t>
+            </a:r>
+          </a:p>
+        </p:txBody>
+      </p:sp>
+      <p:sp>
+        <p:nvSpPr>
+          <p:cNvPr id="3" name="Content Placeholder 2"/>
+          <p:cNvSpPr>
+            <a:spLocks noGrp="1"/>
+          </p:cNvSpPr>
+          <p:nvPr>
+            <p:ph idx="1"/>
+          </p:nvPr>
+        </p:nvSpPr>
+        <p:spPr/>
+        <p:txBody>
+          <a:bodyPr/>
+          <a:lstStyle/>
+          <a:p>
+            <a:r>
+              <a:rPr lang="en-US" dirty="0"/>
+              <a:t>Motivating Example:  Predicting prostate cancer from a PSA test</a:t>
+            </a:r>
+          </a:p>
+          <a:p>
+            <a:r>
+              <a:rPr lang="en-US" dirty="0"/>
+              <a:t>Model Selection </a:t>
+            </a:r>
+          </a:p>
+          <a:p>
+            <a:r>
+              <a:rPr lang="en-US" dirty="0"/>
+              <a:t>Model Selection from LASSO regularization</a:t>
+            </a:r>
+          </a:p>
+          <a:p>
+            <a:r>
+              <a:rPr lang="en-US" dirty="0"/>
+              <a:t>Probabilistic interpretation</a:t>
+            </a:r>
+          </a:p>
+          <a:p>
+            <a:r>
+              <a:rPr lang="en-US" dirty="0"/>
+              <a:t>Other Model Selection Methods</a:t>
+            </a:r>
+          </a:p>
+          <a:p>
+            <a:r>
+              <a:rPr lang="en-US" dirty="0"/>
+              <a:t>In-Class Exercise:  Audio Pitch Detection </a:t>
+            </a:r>
+          </a:p>
+        </p:txBody>
+      </p:sp>
+      <p:sp>
+        <p:nvSpPr>
+          <p:cNvPr id="4" name="Slide Number Placeholder 3"/>
+          <p:cNvSpPr>
+            <a:spLocks noGrp="1"/>
+          </p:cNvSpPr>
+          <p:nvPr>
+            <p:ph type="sldNum" sz="quarter" idx="12"/>
+          </p:nvPr>
+        </p:nvSpPr>
+        <p:spPr/>
+        <p:txBody>
+          <a:bodyPr/>
+          <a:lstStyle/>
+          <a:p>
+            <a:fld id="{629637A9-119A-49DA-BD12-AAC58B377D80}" type="slidenum">
+              <a:rPr lang="en-US" smtClean="0"/>
+              <a:t>44</a:t>
+            </a:fld>
+            <a:endParaRPr lang="en-US" dirty="0"/>
+          </a:p>
+        </p:txBody>
+      </p:sp>
+      <p:sp>
+        <p:nvSpPr>
+          <p:cNvPr id="5" name="Arrow: Right 4"/>
+          <p:cNvSpPr/>
+          <p:nvPr/>
+        </p:nvSpPr>
+        <p:spPr>
+          <a:xfrm>
+            <a:off x="259185" y="3704185"/>
+            <a:ext cx="978408" cy="484632"/>
+          </a:xfrm>
+          <a:prstGeom prst="rightArrow">
+            <a:avLst/>
+          </a:prstGeom>
+          <a:solidFill>
+            <a:schemeClr val="accent1">
+              <a:lumMod val="60000"/>
+              <a:lumOff val="40000"/>
+            </a:schemeClr>
+          </a:solidFill>
+        </p:spPr>
+        <p:style>
+          <a:lnRef idx="2">
+            <a:schemeClr val="accent1">
+              <a:shade val="50000"/>
+            </a:schemeClr>
+          </a:lnRef>
+          <a:fillRef idx="1">
+            <a:schemeClr val="accent1"/>
+          </a:fillRef>
+          <a:effectRef idx="0">
+            <a:schemeClr val="accent1"/>
+          </a:effectRef>
+          <a:fontRef idx="minor">
+            <a:schemeClr val="lt1"/>
+          </a:fontRef>
+        </p:style>
+        <p:txBody>
+          <a:bodyPr rtlCol="0" anchor="ctr"/>
+          <a:lstStyle/>
+          <a:p>
+            <a:pPr algn="ctr"/>
+            <a:endParaRPr lang="en-US"/>
+          </a:p>
+        </p:txBody>
+      </p:sp>
+    </p:spTree>
+    <p:extLst>
+      <p:ext uri="{BB962C8B-B14F-4D97-AF65-F5344CB8AC3E}">
+        <p14:creationId xmlns:p14="http://schemas.microsoft.com/office/powerpoint/2010/main" val="4128388545"/>
+      </p:ext>
+    </p:extLst>
+  </p:cSld>
+  <p:clrMapOvr>
+    <a:masterClrMapping/>
+  </p:clrMapOvr>
+</p:sld>
+</file>
+
+<file path=ppt/slides/slide45.xml><?xml version="1.0" encoding="utf-8"?>
+<p:sld xmlns:a="http://schemas.openxmlformats.org/drawingml/2006/main" xmlns:r="http://schemas.openxmlformats.org/officeDocument/2006/relationships" xmlns:p="http://schemas.openxmlformats.org/presentationml/2006/main">
+  <p:cSld>
+    <p:spTree>
+      <p:nvGrpSpPr>
+        <p:cNvPr id="1" name=""/>
+        <p:cNvGrpSpPr/>
+        <p:nvPr/>
+      </p:nvGrpSpPr>
+      <p:grpSpPr>
+        <a:xfrm>
+          <a:off x="0" y="0"/>
+          <a:ext cx="0" cy="0"/>
+          <a:chOff x="0" y="0"/>
+          <a:chExt cx="0" cy="0"/>
+        </a:xfrm>
+      </p:grpSpPr>
+      <p:sp>
+        <p:nvSpPr>
+          <p:cNvPr id="2" name="Title 1">
+            <a:extLst>
+              <a:ext uri="{FF2B5EF4-FFF2-40B4-BE49-F238E27FC236}">
+                <a16:creationId xmlns:a16="http://schemas.microsoft.com/office/drawing/2014/main" id="{0F95548F-7B12-4082-A122-C4448CD30CFB}"/>
+              </a:ext>
+            </a:extLst>
+          </p:cNvPr>
+          <p:cNvSpPr>
+            <a:spLocks noGrp="1"/>
+          </p:cNvSpPr>
+          <p:nvPr>
+            <p:ph type="title"/>
+          </p:nvPr>
+        </p:nvSpPr>
+        <p:spPr/>
+        <p:txBody>
+          <a:bodyPr/>
+          <a:lstStyle/>
+          <a:p>
+            <a:r>
+              <a:rPr lang="en-US" dirty="0"/>
+              <a:t>In Class Exercise</a:t>
+            </a:r>
+          </a:p>
+        </p:txBody>
+      </p:sp>
+      <p:sp>
+        <p:nvSpPr>
+          <p:cNvPr id="3" name="Content Placeholder 2">
+            <a:extLst>
+              <a:ext uri="{FF2B5EF4-FFF2-40B4-BE49-F238E27FC236}">
+                <a16:creationId xmlns:a16="http://schemas.microsoft.com/office/drawing/2014/main" id="{931C2E9E-7782-41BC-90A1-B179EC1BD1A5}"/>
+              </a:ext>
+            </a:extLst>
+          </p:cNvPr>
+          <p:cNvSpPr>
+            <a:spLocks noGrp="1"/>
+          </p:cNvSpPr>
+          <p:nvPr>
+            <p:ph idx="1"/>
+          </p:nvPr>
+        </p:nvSpPr>
+        <p:spPr>
+          <a:xfrm>
+            <a:off x="1097280" y="1539277"/>
+            <a:ext cx="10058400" cy="740627"/>
+          </a:xfrm>
+        </p:spPr>
+        <p:txBody>
+          <a:bodyPr/>
+          <a:lstStyle/>
+          <a:p>
+            <a:r>
+              <a:rPr lang="en-US" dirty="0">
+                <a:hlinkClick r:id="rId2"/>
+              </a:rPr>
+              <a:t>https://github.com/sdrangan/introml/blob/master/unit05_lasso/lasso_in_class.ipynb</a:t>
+            </a:r>
+            <a:endParaRPr lang="en-US" dirty="0"/>
+          </a:p>
+          <a:p>
+            <a:endParaRPr lang="en-US" dirty="0"/>
+          </a:p>
+        </p:txBody>
+      </p:sp>
+      <p:sp>
+        <p:nvSpPr>
+          <p:cNvPr id="4" name="Slide Number Placeholder 3">
+            <a:extLst>
+              <a:ext uri="{FF2B5EF4-FFF2-40B4-BE49-F238E27FC236}">
+                <a16:creationId xmlns:a16="http://schemas.microsoft.com/office/drawing/2014/main" id="{BE9630EA-BAD9-4628-BB33-03B4F3848F28}"/>
+              </a:ext>
+            </a:extLst>
+          </p:cNvPr>
+          <p:cNvSpPr>
+            <a:spLocks noGrp="1"/>
+          </p:cNvSpPr>
+          <p:nvPr>
+            <p:ph type="sldNum" sz="quarter" idx="12"/>
+          </p:nvPr>
+        </p:nvSpPr>
+        <p:spPr/>
+        <p:txBody>
+          <a:bodyPr/>
+          <a:lstStyle/>
+          <a:p>
+            <a:fld id="{629637A9-119A-49DA-BD12-AAC58B377D80}" type="slidenum">
+              <a:rPr lang="en-US" smtClean="0"/>
+              <a:t>45</a:t>
+            </a:fld>
+            <a:endParaRPr lang="en-US" dirty="0"/>
+          </a:p>
+        </p:txBody>
+      </p:sp>
+      <p:pic>
+        <p:nvPicPr>
+          <p:cNvPr id="6" name="Picture 5">
+            <a:extLst>
+              <a:ext uri="{FF2B5EF4-FFF2-40B4-BE49-F238E27FC236}">
+                <a16:creationId xmlns:a16="http://schemas.microsoft.com/office/drawing/2014/main" id="{BA3A6BA7-1258-482C-A416-2D730178AF42}"/>
+              </a:ext>
+            </a:extLst>
+          </p:cNvPr>
+          <p:cNvPicPr>
+            <a:picLocks noChangeAspect="1"/>
+          </p:cNvPicPr>
+          <p:nvPr/>
+        </p:nvPicPr>
+        <p:blipFill>
+          <a:blip r:embed="rId3"/>
+          <a:stretch>
+            <a:fillRect/>
+          </a:stretch>
+        </p:blipFill>
+        <p:spPr>
+          <a:xfrm>
+            <a:off x="1036320" y="2081212"/>
+            <a:ext cx="7762875" cy="3990975"/>
+          </a:xfrm>
+          <a:prstGeom prst="rect">
+            <a:avLst/>
+          </a:prstGeom>
+        </p:spPr>
+      </p:pic>
+    </p:spTree>
+    <p:extLst>
+      <p:ext uri="{BB962C8B-B14F-4D97-AF65-F5344CB8AC3E}">
+        <p14:creationId xmlns:p14="http://schemas.microsoft.com/office/powerpoint/2010/main" val="2011892382"/>
+      </p:ext>
+    </p:extLst>
+  </p:cSld>
+  <p:clrMapOvr>
+    <a:masterClrMapping/>
+  </p:clrMapOvr>
+</p:sld>
+</file>
+
+<file path=ppt/slides/slide46.xml><?xml version="1.0" encoding="utf-8"?>
+<p:sld xmlns:a="http://schemas.openxmlformats.org/drawingml/2006/main" xmlns:r="http://schemas.openxmlformats.org/officeDocument/2006/relationships" xmlns:p="http://schemas.openxmlformats.org/presentationml/2006/main">
+  <p:cSld>
+    <p:spTree>
+      <p:nvGrpSpPr>
+        <p:cNvPr id="1" name=""/>
+        <p:cNvGrpSpPr/>
+        <p:nvPr/>
+      </p:nvGrpSpPr>
+      <p:grpSpPr>
+        <a:xfrm>
+          <a:off x="0" y="0"/>
+          <a:ext cx="0" cy="0"/>
+          <a:chOff x="0" y="0"/>
+          <a:chExt cx="0" cy="0"/>
+        </a:xfrm>
+      </p:grpSpPr>
+      <p:sp>
+        <p:nvSpPr>
+          <p:cNvPr id="2" name="Title 1"/>
+          <p:cNvSpPr>
+            <a:spLocks noGrp="1"/>
+          </p:cNvSpPr>
+          <p:nvPr>
+            <p:ph type="title"/>
+          </p:nvPr>
+        </p:nvSpPr>
+        <p:spPr/>
+        <p:txBody>
+          <a:bodyPr/>
+          <a:lstStyle/>
+          <a:p>
+            <a:r>
+              <a:rPr lang="en-US" dirty="0"/>
+              <a:t>What You Should Know to Do</a:t>
+            </a:r>
+          </a:p>
+        </p:txBody>
+      </p:sp>
+      <p:sp>
+        <p:nvSpPr>
+          <p:cNvPr id="3" name="Content Placeholder 2"/>
+          <p:cNvSpPr>
+            <a:spLocks noGrp="1"/>
+          </p:cNvSpPr>
+          <p:nvPr>
+            <p:ph idx="1"/>
+          </p:nvPr>
+        </p:nvSpPr>
+        <p:spPr/>
+        <p:txBody>
+          <a:bodyPr/>
+          <a:lstStyle/>
+          <a:p>
+            <a:r>
+              <a:rPr lang="en-US" dirty="0"/>
+              <a:t>Formulate a linear estimation problem with a regularization</a:t>
+            </a:r>
+          </a:p>
+          <a:p>
+            <a:r>
+              <a:rPr lang="en-US" dirty="0"/>
+              <a:t>Compute an L1-regularized estimate (LASSO) using </a:t>
+            </a:r>
+            <a:r>
+              <a:rPr lang="en-US" dirty="0" err="1"/>
+              <a:t>sklearn</a:t>
+            </a:r>
+            <a:r>
+              <a:rPr lang="en-US" dirty="0"/>
+              <a:t> tools</a:t>
+            </a:r>
+          </a:p>
+          <a:p>
+            <a:r>
+              <a:rPr lang="en-US" dirty="0"/>
+              <a:t>Compute the optimal regularization level using cross validation</a:t>
+            </a:r>
+          </a:p>
+          <a:p>
+            <a:r>
+              <a:rPr lang="en-US" dirty="0"/>
+              <a:t>Interpret results from a LASSO path</a:t>
+            </a:r>
+          </a:p>
+          <a:p>
+            <a:r>
+              <a:rPr lang="en-US" dirty="0"/>
+              <a:t>Determine final regression function from cross validation</a:t>
+            </a:r>
+          </a:p>
+          <a:p>
+            <a:r>
+              <a:rPr lang="en-US" dirty="0"/>
+              <a:t>Set </a:t>
+            </a:r>
+            <a:r>
+              <a:rPr lang="en-US" dirty="0" err="1"/>
+              <a:t>regularizer</a:t>
+            </a:r>
+            <a:r>
+              <a:rPr lang="en-US" dirty="0"/>
+              <a:t> based on a probabilistic prior</a:t>
+            </a:r>
+          </a:p>
+          <a:p>
+            <a:r>
+              <a:rPr lang="en-US" dirty="0"/>
+              <a:t>Perform other feature selection methods</a:t>
+            </a:r>
+          </a:p>
+          <a:p>
+            <a:pPr marL="0" indent="0">
+              <a:buNone/>
+            </a:pPr>
+            <a:endParaRPr lang="en-US" dirty="0"/>
+          </a:p>
+          <a:p>
+            <a:endParaRPr lang="en-US" dirty="0"/>
+          </a:p>
+          <a:p>
+            <a:endParaRPr lang="en-US" dirty="0"/>
+          </a:p>
+          <a:p>
+            <a:endParaRPr lang="en-US" dirty="0"/>
+          </a:p>
+          <a:p>
+            <a:endParaRPr lang="en-US" dirty="0"/>
+          </a:p>
+          <a:p>
+            <a:endParaRPr lang="en-US" dirty="0"/>
+          </a:p>
+        </p:txBody>
+      </p:sp>
+      <p:sp>
+        <p:nvSpPr>
+          <p:cNvPr id="4" name="Slide Number Placeholder 3"/>
+          <p:cNvSpPr>
+            <a:spLocks noGrp="1"/>
+          </p:cNvSpPr>
+          <p:nvPr>
+            <p:ph type="sldNum" sz="quarter" idx="12"/>
+          </p:nvPr>
+        </p:nvSpPr>
+        <p:spPr/>
+        <p:txBody>
+          <a:bodyPr/>
+          <a:lstStyle/>
+          <a:p>
+            <a:fld id="{629637A9-119A-49DA-BD12-AAC58B377D80}" type="slidenum">
+              <a:rPr lang="en-US" smtClean="0"/>
+              <a:t>46</a:t>
+            </a:fld>
+            <a:endParaRPr lang="en-US" dirty="0"/>
+          </a:p>
+        </p:txBody>
+      </p:sp>
+    </p:spTree>
+    <p:extLst>
+      <p:ext uri="{BB962C8B-B14F-4D97-AF65-F5344CB8AC3E}">
+        <p14:creationId xmlns:p14="http://schemas.microsoft.com/office/powerpoint/2010/main" val="3073773537"/>
       </p:ext>
     </p:extLst>
   </p:cSld>
@@ -25380,505 +29042,6 @@
     <p:extLst>
       <p:ext uri="{BB962C8B-B14F-4D97-AF65-F5344CB8AC3E}">
         <p14:creationId xmlns:p14="http://schemas.microsoft.com/office/powerpoint/2010/main" val="2895909597"/>
-      </p:ext>
-    </p:extLst>
-  </p:cSld>
-  <p:clrMapOvr>
-    <a:masterClrMapping/>
-  </p:clrMapOvr>
-</p:sld>
-</file>
-
-<file path=ppt/slides/slide50.xml><?xml version="1.0" encoding="utf-8"?>
-<p:sld xmlns:a="http://schemas.openxmlformats.org/drawingml/2006/main" xmlns:r="http://schemas.openxmlformats.org/officeDocument/2006/relationships" xmlns:p="http://schemas.openxmlformats.org/presentationml/2006/main">
-  <p:cSld>
-    <p:spTree>
-      <p:nvGrpSpPr>
-        <p:cNvPr id="1" name=""/>
-        <p:cNvGrpSpPr/>
-        <p:nvPr/>
-      </p:nvGrpSpPr>
-      <p:grpSpPr>
-        <a:xfrm>
-          <a:off x="0" y="0"/>
-          <a:ext cx="0" cy="0"/>
-          <a:chOff x="0" y="0"/>
-          <a:chExt cx="0" cy="0"/>
-        </a:xfrm>
-      </p:grpSpPr>
-      <p:sp>
-        <p:nvSpPr>
-          <p:cNvPr id="2" name="Title 1"/>
-          <p:cNvSpPr>
-            <a:spLocks noGrp="1"/>
-          </p:cNvSpPr>
-          <p:nvPr>
-            <p:ph type="title"/>
-          </p:nvPr>
-        </p:nvSpPr>
-        <p:spPr/>
-        <p:txBody>
-          <a:bodyPr/>
-          <a:lstStyle/>
-          <a:p>
-            <a:r>
-              <a:rPr lang="en-US" dirty="0"/>
-              <a:t>Outline	</a:t>
-            </a:r>
-          </a:p>
-        </p:txBody>
-      </p:sp>
-      <p:sp>
-        <p:nvSpPr>
-          <p:cNvPr id="3" name="Content Placeholder 2"/>
-          <p:cNvSpPr>
-            <a:spLocks noGrp="1"/>
-          </p:cNvSpPr>
-          <p:nvPr>
-            <p:ph idx="1"/>
-          </p:nvPr>
-        </p:nvSpPr>
-        <p:spPr/>
-        <p:txBody>
-          <a:bodyPr/>
-          <a:lstStyle/>
-          <a:p>
-            <a:r>
-              <a:rPr lang="en-US" dirty="0"/>
-              <a:t>Motivating Example:  Predicting prostate cancer from a PSA test</a:t>
-            </a:r>
-          </a:p>
-          <a:p>
-            <a:r>
-              <a:rPr lang="en-US" dirty="0"/>
-              <a:t>Model Selection </a:t>
-            </a:r>
-          </a:p>
-          <a:p>
-            <a:r>
-              <a:rPr lang="en-US" dirty="0"/>
-              <a:t>Model Selection from LASSO regularization</a:t>
-            </a:r>
-          </a:p>
-          <a:p>
-            <a:r>
-              <a:rPr lang="en-US" dirty="0"/>
-              <a:t>Probabilistic interpretation</a:t>
-            </a:r>
-          </a:p>
-          <a:p>
-            <a:r>
-              <a:rPr lang="en-US" dirty="0"/>
-              <a:t>Other Model Selection Methods</a:t>
-            </a:r>
-          </a:p>
-          <a:p>
-            <a:r>
-              <a:rPr lang="en-US" dirty="0"/>
-              <a:t>In-Class Exercise:  Audio Pitch Detection </a:t>
-            </a:r>
-          </a:p>
-        </p:txBody>
-      </p:sp>
-      <p:sp>
-        <p:nvSpPr>
-          <p:cNvPr id="4" name="Slide Number Placeholder 3"/>
-          <p:cNvSpPr>
-            <a:spLocks noGrp="1"/>
-          </p:cNvSpPr>
-          <p:nvPr>
-            <p:ph type="sldNum" sz="quarter" idx="12"/>
-          </p:nvPr>
-        </p:nvSpPr>
-        <p:spPr/>
-        <p:txBody>
-          <a:bodyPr/>
-          <a:lstStyle/>
-          <a:p>
-            <a:fld id="{629637A9-119A-49DA-BD12-AAC58B377D80}" type="slidenum">
-              <a:rPr lang="en-US" smtClean="0"/>
-              <a:t>50</a:t>
-            </a:fld>
-            <a:endParaRPr lang="en-US" dirty="0"/>
-          </a:p>
-        </p:txBody>
-      </p:sp>
-      <p:sp>
-        <p:nvSpPr>
-          <p:cNvPr id="5" name="Arrow: Right 4"/>
-          <p:cNvSpPr/>
-          <p:nvPr/>
-        </p:nvSpPr>
-        <p:spPr>
-          <a:xfrm>
-            <a:off x="259185" y="3704185"/>
-            <a:ext cx="978408" cy="484632"/>
-          </a:xfrm>
-          <a:prstGeom prst="rightArrow">
-            <a:avLst/>
-          </a:prstGeom>
-          <a:solidFill>
-            <a:schemeClr val="accent1">
-              <a:lumMod val="60000"/>
-              <a:lumOff val="40000"/>
-            </a:schemeClr>
-          </a:solidFill>
-        </p:spPr>
-        <p:style>
-          <a:lnRef idx="2">
-            <a:schemeClr val="accent1">
-              <a:shade val="50000"/>
-            </a:schemeClr>
-          </a:lnRef>
-          <a:fillRef idx="1">
-            <a:schemeClr val="accent1"/>
-          </a:fillRef>
-          <a:effectRef idx="0">
-            <a:schemeClr val="accent1"/>
-          </a:effectRef>
-          <a:fontRef idx="minor">
-            <a:schemeClr val="lt1"/>
-          </a:fontRef>
-        </p:style>
-        <p:txBody>
-          <a:bodyPr rtlCol="0" anchor="ctr"/>
-          <a:lstStyle/>
-          <a:p>
-            <a:pPr algn="ctr"/>
-            <a:endParaRPr lang="en-US"/>
-          </a:p>
-        </p:txBody>
-      </p:sp>
-    </p:spTree>
-    <p:extLst>
-      <p:ext uri="{BB962C8B-B14F-4D97-AF65-F5344CB8AC3E}">
-        <p14:creationId xmlns:p14="http://schemas.microsoft.com/office/powerpoint/2010/main" val="4128388545"/>
-      </p:ext>
-    </p:extLst>
-  </p:cSld>
-  <p:clrMapOvr>
-    <a:masterClrMapping/>
-  </p:clrMapOvr>
-</p:sld>
-</file>
-
-<file path=ppt/slides/slide51.xml><?xml version="1.0" encoding="utf-8"?>
-<p:sld xmlns:a="http://schemas.openxmlformats.org/drawingml/2006/main" xmlns:r="http://schemas.openxmlformats.org/officeDocument/2006/relationships" xmlns:p="http://schemas.openxmlformats.org/presentationml/2006/main">
-  <p:cSld>
-    <p:spTree>
-      <p:nvGrpSpPr>
-        <p:cNvPr id="1" name=""/>
-        <p:cNvGrpSpPr/>
-        <p:nvPr/>
-      </p:nvGrpSpPr>
-      <p:grpSpPr>
-        <a:xfrm>
-          <a:off x="0" y="0"/>
-          <a:ext cx="0" cy="0"/>
-          <a:chOff x="0" y="0"/>
-          <a:chExt cx="0" cy="0"/>
-        </a:xfrm>
-      </p:grpSpPr>
-      <p:sp>
-        <p:nvSpPr>
-          <p:cNvPr id="2" name="Title 1">
-            <a:extLst>
-              <a:ext uri="{FF2B5EF4-FFF2-40B4-BE49-F238E27FC236}">
-                <a16:creationId xmlns:a16="http://schemas.microsoft.com/office/drawing/2014/main" id="{0F95548F-7B12-4082-A122-C4448CD30CFB}"/>
-              </a:ext>
-            </a:extLst>
-          </p:cNvPr>
-          <p:cNvSpPr>
-            <a:spLocks noGrp="1"/>
-          </p:cNvSpPr>
-          <p:nvPr>
-            <p:ph type="title"/>
-          </p:nvPr>
-        </p:nvSpPr>
-        <p:spPr/>
-        <p:txBody>
-          <a:bodyPr/>
-          <a:lstStyle/>
-          <a:p>
-            <a:r>
-              <a:rPr lang="en-US" dirty="0"/>
-              <a:t>In Class Exercise</a:t>
-            </a:r>
-          </a:p>
-        </p:txBody>
-      </p:sp>
-      <p:sp>
-        <p:nvSpPr>
-          <p:cNvPr id="3" name="Content Placeholder 2">
-            <a:extLst>
-              <a:ext uri="{FF2B5EF4-FFF2-40B4-BE49-F238E27FC236}">
-                <a16:creationId xmlns:a16="http://schemas.microsoft.com/office/drawing/2014/main" id="{931C2E9E-7782-41BC-90A1-B179EC1BD1A5}"/>
-              </a:ext>
-            </a:extLst>
-          </p:cNvPr>
-          <p:cNvSpPr>
-            <a:spLocks noGrp="1"/>
-          </p:cNvSpPr>
-          <p:nvPr>
-            <p:ph idx="1"/>
-          </p:nvPr>
-        </p:nvSpPr>
-        <p:spPr>
-          <a:xfrm>
-            <a:off x="1097280" y="1539277"/>
-            <a:ext cx="10058400" cy="740627"/>
-          </a:xfrm>
-        </p:spPr>
-        <p:txBody>
-          <a:bodyPr/>
-          <a:lstStyle/>
-          <a:p>
-            <a:r>
-              <a:rPr lang="en-US" dirty="0">
-                <a:hlinkClick r:id="rId2"/>
-              </a:rPr>
-              <a:t>https://github.com/sdrangan/introml/blob/master/unit05_lasso/lasso_in_class.ipynb</a:t>
-            </a:r>
-            <a:endParaRPr lang="en-US" dirty="0"/>
-          </a:p>
-          <a:p>
-            <a:endParaRPr lang="en-US" dirty="0"/>
-          </a:p>
-        </p:txBody>
-      </p:sp>
-      <p:sp>
-        <p:nvSpPr>
-          <p:cNvPr id="4" name="Slide Number Placeholder 3">
-            <a:extLst>
-              <a:ext uri="{FF2B5EF4-FFF2-40B4-BE49-F238E27FC236}">
-                <a16:creationId xmlns:a16="http://schemas.microsoft.com/office/drawing/2014/main" id="{BE9630EA-BAD9-4628-BB33-03B4F3848F28}"/>
-              </a:ext>
-            </a:extLst>
-          </p:cNvPr>
-          <p:cNvSpPr>
-            <a:spLocks noGrp="1"/>
-          </p:cNvSpPr>
-          <p:nvPr>
-            <p:ph type="sldNum" sz="quarter" idx="12"/>
-          </p:nvPr>
-        </p:nvSpPr>
-        <p:spPr/>
-        <p:txBody>
-          <a:bodyPr/>
-          <a:lstStyle/>
-          <a:p>
-            <a:fld id="{629637A9-119A-49DA-BD12-AAC58B377D80}" type="slidenum">
-              <a:rPr lang="en-US" smtClean="0"/>
-              <a:t>51</a:t>
-            </a:fld>
-            <a:endParaRPr lang="en-US" dirty="0"/>
-          </a:p>
-        </p:txBody>
-      </p:sp>
-      <p:pic>
-        <p:nvPicPr>
-          <p:cNvPr id="6" name="Picture 5">
-            <a:extLst>
-              <a:ext uri="{FF2B5EF4-FFF2-40B4-BE49-F238E27FC236}">
-                <a16:creationId xmlns:a16="http://schemas.microsoft.com/office/drawing/2014/main" id="{BA3A6BA7-1258-482C-A416-2D730178AF42}"/>
-              </a:ext>
-            </a:extLst>
-          </p:cNvPr>
-          <p:cNvPicPr>
-            <a:picLocks noChangeAspect="1"/>
-          </p:cNvPicPr>
-          <p:nvPr/>
-        </p:nvPicPr>
-        <p:blipFill>
-          <a:blip r:embed="rId3"/>
-          <a:stretch>
-            <a:fillRect/>
-          </a:stretch>
-        </p:blipFill>
-        <p:spPr>
-          <a:xfrm>
-            <a:off x="1036320" y="2081212"/>
-            <a:ext cx="7762875" cy="3990975"/>
-          </a:xfrm>
-          <a:prstGeom prst="rect">
-            <a:avLst/>
-          </a:prstGeom>
-        </p:spPr>
-      </p:pic>
-    </p:spTree>
-    <p:extLst>
-      <p:ext uri="{BB962C8B-B14F-4D97-AF65-F5344CB8AC3E}">
-        <p14:creationId xmlns:p14="http://schemas.microsoft.com/office/powerpoint/2010/main" val="2011892382"/>
-      </p:ext>
-    </p:extLst>
-  </p:cSld>
-  <p:clrMapOvr>
-    <a:masterClrMapping/>
-  </p:clrMapOvr>
-</p:sld>
-</file>
-
-<file path=ppt/slides/slide52.xml><?xml version="1.0" encoding="utf-8"?>
-<p:sld xmlns:a="http://schemas.openxmlformats.org/drawingml/2006/main" xmlns:r="http://schemas.openxmlformats.org/officeDocument/2006/relationships" xmlns:p="http://schemas.openxmlformats.org/presentationml/2006/main">
-  <p:cSld>
-    <p:spTree>
-      <p:nvGrpSpPr>
-        <p:cNvPr id="1" name=""/>
-        <p:cNvGrpSpPr/>
-        <p:nvPr/>
-      </p:nvGrpSpPr>
-      <p:grpSpPr>
-        <a:xfrm>
-          <a:off x="0" y="0"/>
-          <a:ext cx="0" cy="0"/>
-          <a:chOff x="0" y="0"/>
-          <a:chExt cx="0" cy="0"/>
-        </a:xfrm>
-      </p:grpSpPr>
-      <p:sp>
-        <p:nvSpPr>
-          <p:cNvPr id="2" name="Title 1"/>
-          <p:cNvSpPr>
-            <a:spLocks noGrp="1"/>
-          </p:cNvSpPr>
-          <p:nvPr>
-            <p:ph type="title"/>
-          </p:nvPr>
-        </p:nvSpPr>
-        <p:spPr/>
-        <p:txBody>
-          <a:bodyPr/>
-          <a:lstStyle/>
-          <a:p>
-            <a:r>
-              <a:rPr lang="en-US" dirty="0"/>
-              <a:t>What You Should Know to Do</a:t>
-            </a:r>
-          </a:p>
-        </p:txBody>
-      </p:sp>
-      <p:sp>
-        <p:nvSpPr>
-          <p:cNvPr id="3" name="Content Placeholder 2"/>
-          <p:cNvSpPr>
-            <a:spLocks noGrp="1"/>
-          </p:cNvSpPr>
-          <p:nvPr>
-            <p:ph idx="1"/>
-          </p:nvPr>
-        </p:nvSpPr>
-        <p:spPr/>
-        <p:txBody>
-          <a:bodyPr/>
-          <a:lstStyle/>
-          <a:p>
-            <a:r>
-              <a:rPr lang="en-US" dirty="0"/>
-              <a:t>Formulate a linear estimation problem with a regularization</a:t>
-            </a:r>
-          </a:p>
-          <a:p>
-            <a:r>
-              <a:rPr lang="en-US" dirty="0"/>
-              <a:t>Compute an L1-regularized estimate (LASSO) using </a:t>
-            </a:r>
-            <a:r>
-              <a:rPr lang="en-US" dirty="0" err="1"/>
-              <a:t>sklearn</a:t>
-            </a:r>
-            <a:r>
-              <a:rPr lang="en-US" dirty="0"/>
-              <a:t> tools</a:t>
-            </a:r>
-          </a:p>
-          <a:p>
-            <a:r>
-              <a:rPr lang="en-US" dirty="0"/>
-              <a:t>Compute the optimal regularization level using cross validation</a:t>
-            </a:r>
-          </a:p>
-          <a:p>
-            <a:r>
-              <a:rPr lang="en-US" dirty="0"/>
-              <a:t>Interpret results from a LASSO path</a:t>
-            </a:r>
-          </a:p>
-          <a:p>
-            <a:r>
-              <a:rPr lang="en-US" dirty="0"/>
-              <a:t>Determine final regression function from cross validation</a:t>
-            </a:r>
-          </a:p>
-          <a:p>
-            <a:r>
-              <a:rPr lang="en-US" dirty="0"/>
-              <a:t>Set </a:t>
-            </a:r>
-            <a:r>
-              <a:rPr lang="en-US" dirty="0" err="1"/>
-              <a:t>regularizer</a:t>
-            </a:r>
-            <a:r>
-              <a:rPr lang="en-US" dirty="0"/>
-              <a:t> based on a probabilistic prior</a:t>
-            </a:r>
-          </a:p>
-          <a:p>
-            <a:r>
-              <a:rPr lang="en-US" dirty="0"/>
-              <a:t>Perform other feature selection methods</a:t>
-            </a:r>
-          </a:p>
-          <a:p>
-            <a:pPr marL="0" indent="0">
-              <a:buNone/>
-            </a:pPr>
-            <a:endParaRPr lang="en-US" dirty="0"/>
-          </a:p>
-          <a:p>
-            <a:endParaRPr lang="en-US" dirty="0"/>
-          </a:p>
-          <a:p>
-            <a:endParaRPr lang="en-US" dirty="0"/>
-          </a:p>
-          <a:p>
-            <a:endParaRPr lang="en-US" dirty="0"/>
-          </a:p>
-          <a:p>
-            <a:endParaRPr lang="en-US" dirty="0"/>
-          </a:p>
-          <a:p>
-            <a:endParaRPr lang="en-US" dirty="0"/>
-          </a:p>
-        </p:txBody>
-      </p:sp>
-      <p:sp>
-        <p:nvSpPr>
-          <p:cNvPr id="4" name="Slide Number Placeholder 3"/>
-          <p:cNvSpPr>
-            <a:spLocks noGrp="1"/>
-          </p:cNvSpPr>
-          <p:nvPr>
-            <p:ph type="sldNum" sz="quarter" idx="12"/>
-          </p:nvPr>
-        </p:nvSpPr>
-        <p:spPr/>
-        <p:txBody>
-          <a:bodyPr/>
-          <a:lstStyle/>
-          <a:p>
-            <a:fld id="{629637A9-119A-49DA-BD12-AAC58B377D80}" type="slidenum">
-              <a:rPr lang="en-US" smtClean="0"/>
-              <a:t>52</a:t>
-            </a:fld>
-            <a:endParaRPr lang="en-US" dirty="0"/>
-          </a:p>
-        </p:txBody>
-      </p:sp>
-    </p:spTree>
-    <p:extLst>
-      <p:ext uri="{BB962C8B-B14F-4D97-AF65-F5344CB8AC3E}">
-        <p14:creationId xmlns:p14="http://schemas.microsoft.com/office/powerpoint/2010/main" val="3073773537"/>
       </p:ext>
     </p:extLst>
   </p:cSld>
@@ -26824,8 +29987,8 @@
           </a:p>
         </p:txBody>
       </p:sp>
-      <mc:AlternateContent xmlns:mc="http://schemas.openxmlformats.org/markup-compatibility/2006" xmlns:a14="http://schemas.microsoft.com/office/drawing/2010/main">
-        <mc:Choice Requires="a14">
+      <mc:AlternateContent xmlns:mc="http://schemas.openxmlformats.org/markup-compatibility/2006">
+        <mc:Choice xmlns:a14="http://schemas.microsoft.com/office/drawing/2010/main" Requires="a14">
           <p:sp>
             <p:nvSpPr>
               <p:cNvPr id="3" name="Content Placeholder 2">
@@ -26844,7 +30007,7 @@
             </p:nvSpPr>
             <p:spPr>
               <a:xfrm>
-                <a:off x="1097280" y="1539277"/>
+                <a:off x="1097280" y="1547228"/>
                 <a:ext cx="5938520" cy="4329817"/>
               </a:xfrm>
             </p:spPr>
@@ -27107,7 +30270,19 @@
                 <a:pPr lvl="1"/>
                 <a:r>
                   <a:rPr lang="en-US" dirty="0"/>
-                  <a:t>Hard to eliminate features</a:t>
+                  <a:t>Hard to </a:t>
+                </a:r>
+                <a:r>
+                  <a:rPr lang="en-US" dirty="0">
+                    <a:solidFill>
+                      <a:srgbClr val="FF0000"/>
+                    </a:solidFill>
+                  </a:rPr>
+                  <a:t>eliminate</a:t>
+                </a:r>
+                <a:r>
+                  <a:rPr lang="en-US" dirty="0"/>
+                  <a:t> features</a:t>
                 </a:r>
               </a:p>
               <a:p>
@@ -27117,7 +30292,19 @@
               <a:p>
                 <a:r>
                   <a:rPr lang="en-US" dirty="0"/>
-                  <a:t>How can we tell if some features are not significant?</a:t>
+                  <a:t>How can we tell if some features are </a:t>
+                </a:r>
+                <a:r>
+                  <a:rPr lang="en-US" dirty="0">
+                    <a:solidFill>
+                      <a:srgbClr val="FF0000"/>
+                    </a:solidFill>
+                  </a:rPr>
+                  <a:t>not significant</a:t>
+                </a:r>
+                <a:r>
+                  <a:rPr lang="en-US" dirty="0"/>
+                  <a:t>?</a:t>
                 </a:r>
                 <a:br>
                   <a:rPr lang="en-US" dirty="0"/>
@@ -27127,7 +30314,7 @@
             </p:txBody>
           </p:sp>
         </mc:Choice>
-        <mc:Fallback xmlns="">
+        <mc:Fallback>
           <p:sp>
             <p:nvSpPr>
               <p:cNvPr id="3" name="Content Placeholder 2">
@@ -27146,11 +30333,11 @@
             </p:nvSpPr>
             <p:spPr>
               <a:xfrm>
-                <a:off x="1097280" y="1539277"/>
+                <a:off x="1097280" y="1547228"/>
                 <a:ext cx="5938520" cy="4329817"/>
               </a:xfrm>
               <a:blipFill>
-                <a:blip r:embed="rId2"/>
+                <a:blip r:embed="rId3"/>
                 <a:stretch>
                   <a:fillRect l="-2464" t="-1549"/>
                 </a:stretch>
@@ -27215,7 +30402,7 @@
           <p:nvPr/>
         </p:nvPicPr>
         <p:blipFill>
-          <a:blip r:embed="rId3"/>
+          <a:blip r:embed="rId4"/>
           <a:stretch>
             <a:fillRect/>
           </a:stretch>
@@ -27245,7 +30432,7 @@
           <p:nvPr/>
         </p:nvPicPr>
         <p:blipFill>
-          <a:blip r:embed="rId4"/>
+          <a:blip r:embed="rId5"/>
           <a:stretch>
             <a:fillRect/>
           </a:stretch>
@@ -27275,7 +30462,7 @@
           <p:nvPr/>
         </p:nvPicPr>
         <p:blipFill>
-          <a:blip r:embed="rId5"/>
+          <a:blip r:embed="rId6"/>
           <a:stretch>
             <a:fillRect/>
           </a:stretch>
@@ -27300,6 +30487,325 @@
   <p:clrMapOvr>
     <a:masterClrMapping/>
   </p:clrMapOvr>
+  <p:timing>
+    <p:tnLst>
+      <p:par>
+        <p:cTn id="1" dur="indefinite" restart="never" nodeType="tmRoot">
+          <p:childTnLst>
+            <p:seq concurrent="1" nextAc="seek">
+              <p:cTn id="2" dur="indefinite" nodeType="mainSeq">
+                <p:childTnLst>
+                  <p:par>
+                    <p:cTn id="3" fill="hold">
+                      <p:stCondLst>
+                        <p:cond delay="indefinite"/>
+                      </p:stCondLst>
+                      <p:childTnLst>
+                        <p:par>
+                          <p:cTn id="4" fill="hold">
+                            <p:stCondLst>
+                              <p:cond delay="0"/>
+                            </p:stCondLst>
+                            <p:childTnLst>
+                              <p:par>
+                                <p:cTn id="5" presetID="1" presetClass="entr" presetSubtype="0" fill="hold" nodeType="clickEffect">
+                                  <p:stCondLst>
+                                    <p:cond delay="0"/>
+                                  </p:stCondLst>
+                                  <p:childTnLst>
+                                    <p:set>
+                                      <p:cBhvr>
+                                        <p:cTn id="6" dur="1" fill="hold">
+                                          <p:stCondLst>
+                                            <p:cond delay="0"/>
+                                          </p:stCondLst>
+                                        </p:cTn>
+                                        <p:tgtEl>
+                                          <p:spTgt spid="3">
+                                            <p:txEl>
+                                              <p:pRg st="0" end="0"/>
+                                            </p:txEl>
+                                          </p:spTgt>
+                                        </p:tgtEl>
+                                        <p:attrNameLst>
+                                          <p:attrName>style.visibility</p:attrName>
+                                        </p:attrNameLst>
+                                      </p:cBhvr>
+                                      <p:to>
+                                        <p:strVal val="visible"/>
+                                      </p:to>
+                                    </p:set>
+                                  </p:childTnLst>
+                                </p:cTn>
+                              </p:par>
+                            </p:childTnLst>
+                          </p:cTn>
+                        </p:par>
+                      </p:childTnLst>
+                    </p:cTn>
+                  </p:par>
+                  <p:par>
+                    <p:cTn id="7" fill="hold">
+                      <p:stCondLst>
+                        <p:cond delay="indefinite"/>
+                      </p:stCondLst>
+                      <p:childTnLst>
+                        <p:par>
+                          <p:cTn id="8" fill="hold">
+                            <p:stCondLst>
+                              <p:cond delay="0"/>
+                            </p:stCondLst>
+                            <p:childTnLst>
+                              <p:par>
+                                <p:cTn id="9" presetID="1" presetClass="entr" presetSubtype="0" fill="hold" nodeType="clickEffect">
+                                  <p:stCondLst>
+                                    <p:cond delay="0"/>
+                                  </p:stCondLst>
+                                  <p:childTnLst>
+                                    <p:set>
+                                      <p:cBhvr>
+                                        <p:cTn id="10" dur="1" fill="hold">
+                                          <p:stCondLst>
+                                            <p:cond delay="0"/>
+                                          </p:stCondLst>
+                                        </p:cTn>
+                                        <p:tgtEl>
+                                          <p:spTgt spid="3">
+                                            <p:txEl>
+                                              <p:pRg st="1" end="1"/>
+                                            </p:txEl>
+                                          </p:spTgt>
+                                        </p:tgtEl>
+                                        <p:attrNameLst>
+                                          <p:attrName>style.visibility</p:attrName>
+                                        </p:attrNameLst>
+                                      </p:cBhvr>
+                                      <p:to>
+                                        <p:strVal val="visible"/>
+                                      </p:to>
+                                    </p:set>
+                                  </p:childTnLst>
+                                </p:cTn>
+                              </p:par>
+                            </p:childTnLst>
+                          </p:cTn>
+                        </p:par>
+                      </p:childTnLst>
+                    </p:cTn>
+                  </p:par>
+                  <p:par>
+                    <p:cTn id="11" fill="hold">
+                      <p:stCondLst>
+                        <p:cond delay="indefinite"/>
+                      </p:stCondLst>
+                      <p:childTnLst>
+                        <p:par>
+                          <p:cTn id="12" fill="hold">
+                            <p:stCondLst>
+                              <p:cond delay="0"/>
+                            </p:stCondLst>
+                            <p:childTnLst>
+                              <p:par>
+                                <p:cTn id="13" presetID="1" presetClass="entr" presetSubtype="0" fill="hold" nodeType="clickEffect">
+                                  <p:stCondLst>
+                                    <p:cond delay="0"/>
+                                  </p:stCondLst>
+                                  <p:childTnLst>
+                                    <p:set>
+                                      <p:cBhvr>
+                                        <p:cTn id="14" dur="1" fill="hold">
+                                          <p:stCondLst>
+                                            <p:cond delay="0"/>
+                                          </p:stCondLst>
+                                        </p:cTn>
+                                        <p:tgtEl>
+                                          <p:spTgt spid="3">
+                                            <p:txEl>
+                                              <p:pRg st="2" end="2"/>
+                                            </p:txEl>
+                                          </p:spTgt>
+                                        </p:tgtEl>
+                                        <p:attrNameLst>
+                                          <p:attrName>style.visibility</p:attrName>
+                                        </p:attrNameLst>
+                                      </p:cBhvr>
+                                      <p:to>
+                                        <p:strVal val="visible"/>
+                                      </p:to>
+                                    </p:set>
+                                  </p:childTnLst>
+                                </p:cTn>
+                              </p:par>
+                              <p:par>
+                                <p:cTn id="15" presetID="1" presetClass="entr" presetSubtype="0" fill="hold" nodeType="withEffect">
+                                  <p:stCondLst>
+                                    <p:cond delay="0"/>
+                                  </p:stCondLst>
+                                  <p:childTnLst>
+                                    <p:set>
+                                      <p:cBhvr>
+                                        <p:cTn id="16" dur="1" fill="hold">
+                                          <p:stCondLst>
+                                            <p:cond delay="0"/>
+                                          </p:stCondLst>
+                                        </p:cTn>
+                                        <p:tgtEl>
+                                          <p:spTgt spid="3">
+                                            <p:txEl>
+                                              <p:pRg st="3" end="3"/>
+                                            </p:txEl>
+                                          </p:spTgt>
+                                        </p:tgtEl>
+                                        <p:attrNameLst>
+                                          <p:attrName>style.visibility</p:attrName>
+                                        </p:attrNameLst>
+                                      </p:cBhvr>
+                                      <p:to>
+                                        <p:strVal val="visible"/>
+                                      </p:to>
+                                    </p:set>
+                                  </p:childTnLst>
+                                </p:cTn>
+                              </p:par>
+                              <p:par>
+                                <p:cTn id="17" presetID="1" presetClass="entr" presetSubtype="0" fill="hold" nodeType="withEffect">
+                                  <p:stCondLst>
+                                    <p:cond delay="0"/>
+                                  </p:stCondLst>
+                                  <p:childTnLst>
+                                    <p:set>
+                                      <p:cBhvr>
+                                        <p:cTn id="18" dur="1" fill="hold">
+                                          <p:stCondLst>
+                                            <p:cond delay="0"/>
+                                          </p:stCondLst>
+                                        </p:cTn>
+                                        <p:tgtEl>
+                                          <p:spTgt spid="3">
+                                            <p:txEl>
+                                              <p:pRg st="4" end="4"/>
+                                            </p:txEl>
+                                          </p:spTgt>
+                                        </p:tgtEl>
+                                        <p:attrNameLst>
+                                          <p:attrName>style.visibility</p:attrName>
+                                        </p:attrNameLst>
+                                      </p:cBhvr>
+                                      <p:to>
+                                        <p:strVal val="visible"/>
+                                      </p:to>
+                                    </p:set>
+                                  </p:childTnLst>
+                                </p:cTn>
+                              </p:par>
+                              <p:par>
+                                <p:cTn id="19" presetID="1" presetClass="entr" presetSubtype="0" fill="hold" nodeType="withEffect">
+                                  <p:stCondLst>
+                                    <p:cond delay="0"/>
+                                  </p:stCondLst>
+                                  <p:childTnLst>
+                                    <p:set>
+                                      <p:cBhvr>
+                                        <p:cTn id="20" dur="1" fill="hold">
+                                          <p:stCondLst>
+                                            <p:cond delay="0"/>
+                                          </p:stCondLst>
+                                        </p:cTn>
+                                        <p:tgtEl>
+                                          <p:spTgt spid="3">
+                                            <p:txEl>
+                                              <p:pRg st="5" end="5"/>
+                                            </p:txEl>
+                                          </p:spTgt>
+                                        </p:tgtEl>
+                                        <p:attrNameLst>
+                                          <p:attrName>style.visibility</p:attrName>
+                                        </p:attrNameLst>
+                                      </p:cBhvr>
+                                      <p:to>
+                                        <p:strVal val="visible"/>
+                                      </p:to>
+                                    </p:set>
+                                  </p:childTnLst>
+                                </p:cTn>
+                              </p:par>
+                            </p:childTnLst>
+                          </p:cTn>
+                        </p:par>
+                      </p:childTnLst>
+                    </p:cTn>
+                  </p:par>
+                  <p:par>
+                    <p:cTn id="21" fill="hold">
+                      <p:stCondLst>
+                        <p:cond delay="indefinite"/>
+                      </p:stCondLst>
+                      <p:childTnLst>
+                        <p:par>
+                          <p:cTn id="22" fill="hold">
+                            <p:stCondLst>
+                              <p:cond delay="0"/>
+                            </p:stCondLst>
+                            <p:childTnLst>
+                              <p:par>
+                                <p:cTn id="23" presetID="1" presetClass="entr" presetSubtype="0" fill="hold" nodeType="clickEffect">
+                                  <p:stCondLst>
+                                    <p:cond delay="0"/>
+                                  </p:stCondLst>
+                                  <p:childTnLst>
+                                    <p:set>
+                                      <p:cBhvr>
+                                        <p:cTn id="24" dur="1" fill="hold">
+                                          <p:stCondLst>
+                                            <p:cond delay="0"/>
+                                          </p:stCondLst>
+                                        </p:cTn>
+                                        <p:tgtEl>
+                                          <p:spTgt spid="3">
+                                            <p:txEl>
+                                              <p:pRg st="7" end="7"/>
+                                            </p:txEl>
+                                          </p:spTgt>
+                                        </p:tgtEl>
+                                        <p:attrNameLst>
+                                          <p:attrName>style.visibility</p:attrName>
+                                        </p:attrNameLst>
+                                      </p:cBhvr>
+                                      <p:to>
+                                        <p:strVal val="visible"/>
+                                      </p:to>
+                                    </p:set>
+                                  </p:childTnLst>
+                                </p:cTn>
+                              </p:par>
+                            </p:childTnLst>
+                          </p:cTn>
+                        </p:par>
+                      </p:childTnLst>
+                    </p:cTn>
+                  </p:par>
+                </p:childTnLst>
+              </p:cTn>
+              <p:prevCondLst>
+                <p:cond evt="onPrev" delay="0">
+                  <p:tgtEl>
+                    <p:sldTgt/>
+                  </p:tgtEl>
+                </p:cond>
+              </p:prevCondLst>
+              <p:nextCondLst>
+                <p:cond evt="onNext" delay="0">
+                  <p:tgtEl>
+                    <p:sldTgt/>
+                  </p:tgtEl>
+                </p:cond>
+              </p:nextCondLst>
+            </p:seq>
+          </p:childTnLst>
+        </p:cTn>
+      </p:par>
+    </p:tnLst>
+  </p:timing>
 </p:sld>
 </file>
 
